--- a/前端草图180525.pptx
+++ b/前端草图180525.pptx
@@ -5,32 +5,33 @@
     <p:sldMasterId id="2147483648" r:id="rId1"/>
   </p:sldMasterIdLst>
   <p:notesMasterIdLst>
-    <p:notesMasterId r:id="rId22"/>
+    <p:notesMasterId r:id="rId23"/>
   </p:notesMasterIdLst>
   <p:handoutMasterIdLst>
-    <p:handoutMasterId r:id="rId23"/>
+    <p:handoutMasterId r:id="rId24"/>
   </p:handoutMasterIdLst>
   <p:sldIdLst>
     <p:sldId id="256" r:id="rId2"/>
     <p:sldId id="264" r:id="rId3"/>
     <p:sldId id="265" r:id="rId4"/>
-    <p:sldId id="274" r:id="rId5"/>
-    <p:sldId id="258" r:id="rId6"/>
-    <p:sldId id="278" r:id="rId7"/>
-    <p:sldId id="259" r:id="rId8"/>
-    <p:sldId id="263" r:id="rId9"/>
-    <p:sldId id="260" r:id="rId10"/>
-    <p:sldId id="275" r:id="rId11"/>
-    <p:sldId id="276" r:id="rId12"/>
-    <p:sldId id="261" r:id="rId13"/>
-    <p:sldId id="266" r:id="rId14"/>
-    <p:sldId id="267" r:id="rId15"/>
-    <p:sldId id="272" r:id="rId16"/>
-    <p:sldId id="268" r:id="rId17"/>
-    <p:sldId id="269" r:id="rId18"/>
-    <p:sldId id="270" r:id="rId19"/>
-    <p:sldId id="271" r:id="rId20"/>
-    <p:sldId id="273" r:id="rId21"/>
+    <p:sldId id="279" r:id="rId5"/>
+    <p:sldId id="274" r:id="rId6"/>
+    <p:sldId id="258" r:id="rId7"/>
+    <p:sldId id="278" r:id="rId8"/>
+    <p:sldId id="259" r:id="rId9"/>
+    <p:sldId id="263" r:id="rId10"/>
+    <p:sldId id="260" r:id="rId11"/>
+    <p:sldId id="275" r:id="rId12"/>
+    <p:sldId id="276" r:id="rId13"/>
+    <p:sldId id="261" r:id="rId14"/>
+    <p:sldId id="266" r:id="rId15"/>
+    <p:sldId id="267" r:id="rId16"/>
+    <p:sldId id="272" r:id="rId17"/>
+    <p:sldId id="268" r:id="rId18"/>
+    <p:sldId id="269" r:id="rId19"/>
+    <p:sldId id="270" r:id="rId20"/>
+    <p:sldId id="271" r:id="rId21"/>
+    <p:sldId id="273" r:id="rId22"/>
   </p:sldIdLst>
   <p:sldSz cx="9906000" cy="6858000" type="A4"/>
   <p:notesSz cx="6797675" cy="9928225"/>
@@ -795,17 +796,26 @@
           <a:lstStyle/>
           <a:p>
             <a:fld id="{B29728C0-65BA-45FD-B098-9105FCC3E08C}" type="slidenum">
-              <a:rPr lang="zh-CN" altLang="en-US" smtClean="0"/>
-              <a:t>5</a:t>
+              <a:rPr lang="zh-CN" altLang="en-US" smtClean="0">
+                <a:solidFill>
+                  <a:prstClr val="black"/>
+                </a:solidFill>
+              </a:rPr>
+              <a:pPr/>
+              <a:t>4</a:t>
             </a:fld>
-            <a:endParaRPr lang="zh-CN" altLang="en-US"/>
+            <a:endParaRPr lang="zh-CN" altLang="en-US">
+              <a:solidFill>
+                <a:prstClr val="black"/>
+              </a:solidFill>
+            </a:endParaRPr>
           </a:p>
         </p:txBody>
       </p:sp>
     </p:spTree>
     <p:extLst>
       <p:ext uri="{BB962C8B-B14F-4D97-AF65-F5344CB8AC3E}">
-        <p14:creationId xmlns:p14="http://schemas.microsoft.com/office/powerpoint/2010/main" val="380741083"/>
+        <p14:creationId xmlns:p14="http://schemas.microsoft.com/office/powerpoint/2010/main" val="2667443713"/>
       </p:ext>
     </p:extLst>
   </p:cSld>
@@ -880,7 +890,7 @@
           <a:p>
             <a:fld id="{B29728C0-65BA-45FD-B098-9105FCC3E08C}" type="slidenum">
               <a:rPr lang="zh-CN" altLang="en-US" smtClean="0"/>
-              <a:t>9</a:t>
+              <a:t>6</a:t>
             </a:fld>
             <a:endParaRPr lang="zh-CN" altLang="en-US"/>
           </a:p>
@@ -889,7 +899,7 @@
     </p:spTree>
     <p:extLst>
       <p:ext uri="{BB962C8B-B14F-4D97-AF65-F5344CB8AC3E}">
-        <p14:creationId xmlns:p14="http://schemas.microsoft.com/office/powerpoint/2010/main" val="2667443713"/>
+        <p14:creationId xmlns:p14="http://schemas.microsoft.com/office/powerpoint/2010/main" val="380741083"/>
       </p:ext>
     </p:extLst>
   </p:cSld>
@@ -943,7 +953,7 @@
           <a:bodyPr/>
           <a:lstStyle/>
           <a:p>
-            <a:endParaRPr lang="zh-CN" altLang="en-US"/>
+            <a:endParaRPr lang="zh-CN" altLang="en-US" dirty="0"/>
           </a:p>
         </p:txBody>
       </p:sp>
@@ -964,7 +974,7 @@
           <a:p>
             <a:fld id="{B29728C0-65BA-45FD-B098-9105FCC3E08C}" type="slidenum">
               <a:rPr lang="zh-CN" altLang="en-US" smtClean="0"/>
-              <a:t>12</a:t>
+              <a:t>10</a:t>
             </a:fld>
             <a:endParaRPr lang="zh-CN" altLang="en-US"/>
           </a:p>
@@ -973,7 +983,7 @@
     </p:spTree>
     <p:extLst>
       <p:ext uri="{BB962C8B-B14F-4D97-AF65-F5344CB8AC3E}">
-        <p14:creationId xmlns:p14="http://schemas.microsoft.com/office/powerpoint/2010/main" val="3512877577"/>
+        <p14:creationId xmlns:p14="http://schemas.microsoft.com/office/powerpoint/2010/main" val="2667443713"/>
       </p:ext>
     </p:extLst>
   </p:cSld>
@@ -1048,7 +1058,91 @@
           <a:p>
             <a:fld id="{B29728C0-65BA-45FD-B098-9105FCC3E08C}" type="slidenum">
               <a:rPr lang="zh-CN" altLang="en-US" smtClean="0"/>
-              <a:t>20</a:t>
+              <a:t>13</a:t>
+            </a:fld>
+            <a:endParaRPr lang="zh-CN" altLang="en-US"/>
+          </a:p>
+        </p:txBody>
+      </p:sp>
+    </p:spTree>
+    <p:extLst>
+      <p:ext uri="{BB962C8B-B14F-4D97-AF65-F5344CB8AC3E}">
+        <p14:creationId xmlns:p14="http://schemas.microsoft.com/office/powerpoint/2010/main" val="3512877577"/>
+      </p:ext>
+    </p:extLst>
+  </p:cSld>
+  <p:clrMapOvr>
+    <a:masterClrMapping/>
+  </p:clrMapOvr>
+</p:notes>
+</file>
+
+<file path=ppt/notesSlides/notesSlide6.xml><?xml version="1.0" encoding="utf-8"?>
+<p:notes xmlns:a="http://schemas.openxmlformats.org/drawingml/2006/main" xmlns:r="http://schemas.openxmlformats.org/officeDocument/2006/relationships" xmlns:p="http://schemas.openxmlformats.org/presentationml/2006/main">
+  <p:cSld>
+    <p:spTree>
+      <p:nvGrpSpPr>
+        <p:cNvPr id="1" name=""/>
+        <p:cNvGrpSpPr/>
+        <p:nvPr/>
+      </p:nvGrpSpPr>
+      <p:grpSpPr>
+        <a:xfrm>
+          <a:off x="0" y="0"/>
+          <a:ext cx="0" cy="0"/>
+          <a:chOff x="0" y="0"/>
+          <a:chExt cx="0" cy="0"/>
+        </a:xfrm>
+      </p:grpSpPr>
+      <p:sp>
+        <p:nvSpPr>
+          <p:cNvPr id="2" name="幻灯片图像占位符 1"/>
+          <p:cNvSpPr>
+            <a:spLocks noGrp="1" noRot="1" noChangeAspect="1"/>
+          </p:cNvSpPr>
+          <p:nvPr>
+            <p:ph type="sldImg"/>
+          </p:nvPr>
+        </p:nvSpPr>
+        <p:spPr/>
+      </p:sp>
+      <p:sp>
+        <p:nvSpPr>
+          <p:cNvPr id="3" name="备注占位符 2"/>
+          <p:cNvSpPr>
+            <a:spLocks noGrp="1"/>
+          </p:cNvSpPr>
+          <p:nvPr>
+            <p:ph type="body" idx="1"/>
+          </p:nvPr>
+        </p:nvSpPr>
+        <p:spPr/>
+        <p:txBody>
+          <a:bodyPr/>
+          <a:lstStyle/>
+          <a:p>
+            <a:endParaRPr lang="zh-CN" altLang="en-US"/>
+          </a:p>
+        </p:txBody>
+      </p:sp>
+      <p:sp>
+        <p:nvSpPr>
+          <p:cNvPr id="4" name="灯片编号占位符 3"/>
+          <p:cNvSpPr>
+            <a:spLocks noGrp="1"/>
+          </p:cNvSpPr>
+          <p:nvPr>
+            <p:ph type="sldNum" sz="quarter" idx="10"/>
+          </p:nvPr>
+        </p:nvSpPr>
+        <p:spPr/>
+        <p:txBody>
+          <a:bodyPr/>
+          <a:lstStyle/>
+          <a:p>
+            <a:fld id="{B29728C0-65BA-45FD-B098-9105FCC3E08C}" type="slidenum">
+              <a:rPr lang="zh-CN" altLang="en-US" smtClean="0"/>
+              <a:t>21</a:t>
             </a:fld>
             <a:endParaRPr lang="zh-CN" altLang="en-US"/>
           </a:p>
@@ -4855,6 +4949,1692 @@
       </p:grpSpPr>
       <p:sp>
         <p:nvSpPr>
+          <p:cNvPr id="46" name="TextBox 45"/>
+          <p:cNvSpPr txBox="1"/>
+          <p:nvPr/>
+        </p:nvSpPr>
+        <p:spPr>
+          <a:xfrm>
+            <a:off x="858888" y="5589565"/>
+            <a:ext cx="1551096" cy="369332"/>
+          </a:xfrm>
+          <a:prstGeom prst="rect">
+            <a:avLst/>
+          </a:prstGeom>
+          <a:noFill/>
+        </p:spPr>
+        <p:txBody>
+          <a:bodyPr wrap="square" rtlCol="0">
+            <a:spAutoFit/>
+          </a:bodyPr>
+          <a:lstStyle/>
+          <a:p>
+            <a:pPr algn="ctr"/>
+            <a:r>
+              <a:rPr lang="zh-CN" altLang="en-US" dirty="0" smtClean="0"/>
+              <a:t>任务栏草图</a:t>
+            </a:r>
+            <a:endParaRPr lang="zh-CN" altLang="en-US" dirty="0"/>
+          </a:p>
+        </p:txBody>
+      </p:sp>
+      <p:grpSp>
+        <p:nvGrpSpPr>
+          <p:cNvPr id="3" name="组合 2"/>
+          <p:cNvGrpSpPr/>
+          <p:nvPr/>
+        </p:nvGrpSpPr>
+        <p:grpSpPr>
+          <a:xfrm>
+            <a:off x="221366" y="236306"/>
+            <a:ext cx="2674640" cy="4968552"/>
+            <a:chOff x="7041232" y="445876"/>
+            <a:chExt cx="2674640" cy="4968552"/>
+          </a:xfrm>
+        </p:grpSpPr>
+        <p:sp>
+          <p:nvSpPr>
+            <p:cNvPr id="5" name="矩形 4"/>
+            <p:cNvSpPr/>
+            <p:nvPr/>
+          </p:nvSpPr>
+          <p:spPr>
+            <a:xfrm>
+              <a:off x="7041232" y="445876"/>
+              <a:ext cx="2664296" cy="4968552"/>
+            </a:xfrm>
+            <a:prstGeom prst="rect">
+              <a:avLst/>
+            </a:prstGeom>
+            <a:solidFill>
+              <a:schemeClr val="accent5">
+                <a:lumMod val="40000"/>
+                <a:lumOff val="60000"/>
+              </a:schemeClr>
+            </a:solidFill>
+            <a:ln>
+              <a:solidFill>
+                <a:schemeClr val="tx1">
+                  <a:lumMod val="75000"/>
+                  <a:lumOff val="25000"/>
+                </a:schemeClr>
+              </a:solidFill>
+            </a:ln>
+          </p:spPr>
+          <p:style>
+            <a:lnRef idx="2">
+              <a:schemeClr val="accent1">
+                <a:shade val="50000"/>
+              </a:schemeClr>
+            </a:lnRef>
+            <a:fillRef idx="1">
+              <a:schemeClr val="accent1"/>
+            </a:fillRef>
+            <a:effectRef idx="0">
+              <a:schemeClr val="accent1"/>
+            </a:effectRef>
+            <a:fontRef idx="minor">
+              <a:schemeClr val="lt1"/>
+            </a:fontRef>
+          </p:style>
+          <p:txBody>
+            <a:bodyPr rtlCol="0" anchor="ctr"/>
+            <a:lstStyle/>
+            <a:p>
+              <a:pPr algn="ctr"/>
+              <a:endParaRPr lang="zh-CN" altLang="en-US" dirty="0"/>
+            </a:p>
+          </p:txBody>
+        </p:sp>
+        <p:sp>
+          <p:nvSpPr>
+            <p:cNvPr id="37" name="矩形 36"/>
+            <p:cNvSpPr/>
+            <p:nvPr/>
+          </p:nvSpPr>
+          <p:spPr>
+            <a:xfrm>
+              <a:off x="7113240" y="476672"/>
+              <a:ext cx="2520280" cy="1609133"/>
+            </a:xfrm>
+            <a:prstGeom prst="rect">
+              <a:avLst/>
+            </a:prstGeom>
+            <a:solidFill>
+              <a:schemeClr val="accent5">
+                <a:lumMod val="60000"/>
+                <a:lumOff val="40000"/>
+              </a:schemeClr>
+            </a:solidFill>
+            <a:ln>
+              <a:noFill/>
+            </a:ln>
+          </p:spPr>
+          <p:style>
+            <a:lnRef idx="2">
+              <a:schemeClr val="accent1">
+                <a:shade val="50000"/>
+              </a:schemeClr>
+            </a:lnRef>
+            <a:fillRef idx="1">
+              <a:schemeClr val="accent1"/>
+            </a:fillRef>
+            <a:effectRef idx="0">
+              <a:schemeClr val="accent1"/>
+            </a:effectRef>
+            <a:fontRef idx="minor">
+              <a:schemeClr val="lt1"/>
+            </a:fontRef>
+          </p:style>
+          <p:txBody>
+            <a:bodyPr rtlCol="0" anchor="ctr"/>
+            <a:lstStyle/>
+            <a:p>
+              <a:pPr algn="ctr"/>
+              <a:endParaRPr lang="zh-CN" altLang="en-US"/>
+            </a:p>
+          </p:txBody>
+        </p:sp>
+        <p:sp>
+          <p:nvSpPr>
+            <p:cNvPr id="38" name="矩形 37"/>
+            <p:cNvSpPr/>
+            <p:nvPr/>
+          </p:nvSpPr>
+          <p:spPr>
+            <a:xfrm>
+              <a:off x="7123584" y="2683548"/>
+              <a:ext cx="2520280" cy="457420"/>
+            </a:xfrm>
+            <a:prstGeom prst="rect">
+              <a:avLst/>
+            </a:prstGeom>
+            <a:solidFill>
+              <a:schemeClr val="accent5">
+                <a:lumMod val="60000"/>
+                <a:lumOff val="40000"/>
+              </a:schemeClr>
+            </a:solidFill>
+            <a:ln>
+              <a:noFill/>
+            </a:ln>
+          </p:spPr>
+          <p:style>
+            <a:lnRef idx="2">
+              <a:schemeClr val="accent1">
+                <a:shade val="50000"/>
+              </a:schemeClr>
+            </a:lnRef>
+            <a:fillRef idx="1">
+              <a:schemeClr val="accent1"/>
+            </a:fillRef>
+            <a:effectRef idx="0">
+              <a:schemeClr val="accent1"/>
+            </a:effectRef>
+            <a:fontRef idx="minor">
+              <a:schemeClr val="lt1"/>
+            </a:fontRef>
+          </p:style>
+          <p:txBody>
+            <a:bodyPr rtlCol="0" anchor="ctr"/>
+            <a:lstStyle/>
+            <a:p>
+              <a:pPr algn="ctr"/>
+              <a:r>
+                <a:rPr lang="zh-CN" altLang="en-US" sz="1400" dirty="0" smtClean="0">
+                  <a:latin typeface="+mn-ea"/>
+                </a:rPr>
+                <a:t>去完成任务</a:t>
+              </a:r>
+              <a:r>
+                <a:rPr lang="en-US" altLang="zh-CN" sz="1400" dirty="0" smtClean="0">
+                  <a:latin typeface="+mn-ea"/>
+                </a:rPr>
+                <a:t>1 </a:t>
+              </a:r>
+              <a:r>
+                <a:rPr lang="zh-CN" altLang="en-US" sz="1400" dirty="0" smtClean="0">
+                  <a:latin typeface="+mn-ea"/>
+                </a:rPr>
+                <a:t>获</a:t>
+              </a:r>
+              <a:r>
+                <a:rPr lang="en-US" altLang="zh-CN" sz="1400" dirty="0" smtClean="0">
+                  <a:latin typeface="+mn-ea"/>
+                </a:rPr>
+                <a:t>150</a:t>
+              </a:r>
+              <a:r>
+                <a:rPr lang="zh-CN" altLang="en-US" sz="1400" dirty="0" smtClean="0">
+                  <a:latin typeface="+mn-ea"/>
+                </a:rPr>
+                <a:t>积分</a:t>
+              </a:r>
+              <a:endParaRPr lang="zh-CN" altLang="en-US" sz="1400" dirty="0">
+                <a:latin typeface="+mn-ea"/>
+              </a:endParaRPr>
+            </a:p>
+          </p:txBody>
+        </p:sp>
+        <p:sp>
+          <p:nvSpPr>
+            <p:cNvPr id="40" name="矩形 39"/>
+            <p:cNvSpPr/>
+            <p:nvPr/>
+          </p:nvSpPr>
+          <p:spPr>
+            <a:xfrm>
+              <a:off x="7123584" y="3187604"/>
+              <a:ext cx="2520280" cy="457420"/>
+            </a:xfrm>
+            <a:prstGeom prst="rect">
+              <a:avLst/>
+            </a:prstGeom>
+            <a:solidFill>
+              <a:schemeClr val="accent5">
+                <a:lumMod val="60000"/>
+                <a:lumOff val="40000"/>
+              </a:schemeClr>
+            </a:solidFill>
+            <a:ln>
+              <a:noFill/>
+            </a:ln>
+          </p:spPr>
+          <p:style>
+            <a:lnRef idx="2">
+              <a:schemeClr val="accent1">
+                <a:shade val="50000"/>
+              </a:schemeClr>
+            </a:lnRef>
+            <a:fillRef idx="1">
+              <a:schemeClr val="accent1"/>
+            </a:fillRef>
+            <a:effectRef idx="0">
+              <a:schemeClr val="accent1"/>
+            </a:effectRef>
+            <a:fontRef idx="minor">
+              <a:schemeClr val="lt1"/>
+            </a:fontRef>
+          </p:style>
+          <p:txBody>
+            <a:bodyPr rtlCol="0" anchor="ctr"/>
+            <a:lstStyle/>
+            <a:p>
+              <a:pPr algn="ctr"/>
+              <a:r>
+                <a:rPr lang="zh-CN" altLang="en-US" sz="1400" dirty="0" smtClean="0">
+                  <a:latin typeface="+mn-ea"/>
+                </a:rPr>
+                <a:t>去完成任务</a:t>
+              </a:r>
+              <a:r>
+                <a:rPr lang="en-US" altLang="zh-CN" sz="1400" dirty="0" smtClean="0">
+                  <a:latin typeface="+mn-ea"/>
+                </a:rPr>
+                <a:t>2 </a:t>
+              </a:r>
+              <a:r>
+                <a:rPr lang="zh-CN" altLang="en-US" sz="1400" dirty="0" smtClean="0">
+                  <a:latin typeface="+mn-ea"/>
+                </a:rPr>
+                <a:t>获</a:t>
+              </a:r>
+              <a:r>
+                <a:rPr lang="en-US" altLang="zh-CN" sz="1400" dirty="0" smtClean="0">
+                  <a:latin typeface="+mn-ea"/>
+                </a:rPr>
+                <a:t>100</a:t>
+              </a:r>
+              <a:r>
+                <a:rPr lang="zh-CN" altLang="en-US" sz="1400" dirty="0" smtClean="0">
+                  <a:latin typeface="+mn-ea"/>
+                </a:rPr>
+                <a:t>积分</a:t>
+              </a:r>
+              <a:endParaRPr lang="zh-CN" altLang="en-US" sz="1400" dirty="0">
+                <a:latin typeface="+mn-ea"/>
+              </a:endParaRPr>
+            </a:p>
+          </p:txBody>
+        </p:sp>
+        <p:sp>
+          <p:nvSpPr>
+            <p:cNvPr id="41" name="矩形 40"/>
+            <p:cNvSpPr/>
+            <p:nvPr/>
+          </p:nvSpPr>
+          <p:spPr>
+            <a:xfrm>
+              <a:off x="7123584" y="3691660"/>
+              <a:ext cx="2520280" cy="457420"/>
+            </a:xfrm>
+            <a:prstGeom prst="rect">
+              <a:avLst/>
+            </a:prstGeom>
+            <a:solidFill>
+              <a:schemeClr val="accent5">
+                <a:lumMod val="60000"/>
+                <a:lumOff val="40000"/>
+              </a:schemeClr>
+            </a:solidFill>
+            <a:ln>
+              <a:noFill/>
+            </a:ln>
+          </p:spPr>
+          <p:style>
+            <a:lnRef idx="2">
+              <a:schemeClr val="accent1">
+                <a:shade val="50000"/>
+              </a:schemeClr>
+            </a:lnRef>
+            <a:fillRef idx="1">
+              <a:schemeClr val="accent1"/>
+            </a:fillRef>
+            <a:effectRef idx="0">
+              <a:schemeClr val="accent1"/>
+            </a:effectRef>
+            <a:fontRef idx="minor">
+              <a:schemeClr val="lt1"/>
+            </a:fontRef>
+          </p:style>
+          <p:txBody>
+            <a:bodyPr rtlCol="0" anchor="ctr"/>
+            <a:lstStyle/>
+            <a:p>
+              <a:pPr algn="ctr"/>
+              <a:r>
+                <a:rPr lang="zh-CN" altLang="en-US" sz="1400" dirty="0" smtClean="0">
+                  <a:latin typeface="+mn-ea"/>
+                </a:rPr>
+                <a:t>去完成任务</a:t>
+              </a:r>
+              <a:r>
+                <a:rPr lang="en-US" altLang="zh-CN" sz="1400" dirty="0" smtClean="0">
+                  <a:latin typeface="+mn-ea"/>
+                </a:rPr>
+                <a:t>3 </a:t>
+              </a:r>
+              <a:r>
+                <a:rPr lang="zh-CN" altLang="en-US" sz="1400" dirty="0" smtClean="0">
+                  <a:latin typeface="+mn-ea"/>
+                </a:rPr>
+                <a:t>获</a:t>
+              </a:r>
+              <a:r>
+                <a:rPr lang="en-US" altLang="zh-CN" sz="1400" dirty="0" smtClean="0">
+                  <a:latin typeface="+mn-ea"/>
+                </a:rPr>
+                <a:t>200</a:t>
+              </a:r>
+              <a:r>
+                <a:rPr lang="zh-CN" altLang="en-US" sz="1400" dirty="0" smtClean="0">
+                  <a:latin typeface="+mn-ea"/>
+                </a:rPr>
+                <a:t>积分</a:t>
+              </a:r>
+              <a:endParaRPr lang="zh-CN" altLang="en-US" sz="1400" dirty="0">
+                <a:latin typeface="+mn-ea"/>
+              </a:endParaRPr>
+            </a:p>
+          </p:txBody>
+        </p:sp>
+        <p:sp>
+          <p:nvSpPr>
+            <p:cNvPr id="42" name="矩形 41"/>
+            <p:cNvSpPr/>
+            <p:nvPr/>
+          </p:nvSpPr>
+          <p:spPr>
+            <a:xfrm>
+              <a:off x="7123584" y="4221088"/>
+              <a:ext cx="2520280" cy="457420"/>
+            </a:xfrm>
+            <a:prstGeom prst="rect">
+              <a:avLst/>
+            </a:prstGeom>
+            <a:solidFill>
+              <a:schemeClr val="accent5">
+                <a:lumMod val="60000"/>
+                <a:lumOff val="40000"/>
+              </a:schemeClr>
+            </a:solidFill>
+            <a:ln>
+              <a:noFill/>
+            </a:ln>
+          </p:spPr>
+          <p:style>
+            <a:lnRef idx="2">
+              <a:schemeClr val="accent1">
+                <a:shade val="50000"/>
+              </a:schemeClr>
+            </a:lnRef>
+            <a:fillRef idx="1">
+              <a:schemeClr val="accent1"/>
+            </a:fillRef>
+            <a:effectRef idx="0">
+              <a:schemeClr val="accent1"/>
+            </a:effectRef>
+            <a:fontRef idx="minor">
+              <a:schemeClr val="lt1"/>
+            </a:fontRef>
+          </p:style>
+          <p:txBody>
+            <a:bodyPr rtlCol="0" anchor="ctr"/>
+            <a:lstStyle/>
+            <a:p>
+              <a:pPr algn="ctr"/>
+              <a:r>
+                <a:rPr lang="zh-CN" altLang="en-US" sz="1400" dirty="0" smtClean="0">
+                  <a:latin typeface="+mn-ea"/>
+                </a:rPr>
+                <a:t>去完成任务</a:t>
+              </a:r>
+              <a:r>
+                <a:rPr lang="en-US" altLang="zh-CN" sz="1400" dirty="0" smtClean="0">
+                  <a:latin typeface="+mn-ea"/>
+                </a:rPr>
+                <a:t>4 </a:t>
+              </a:r>
+              <a:r>
+                <a:rPr lang="zh-CN" altLang="en-US" sz="1400" dirty="0" smtClean="0">
+                  <a:latin typeface="+mn-ea"/>
+                </a:rPr>
+                <a:t>获</a:t>
+              </a:r>
+              <a:r>
+                <a:rPr lang="en-US" altLang="zh-CN" sz="1400" dirty="0" smtClean="0">
+                  <a:latin typeface="+mn-ea"/>
+                </a:rPr>
+                <a:t>300</a:t>
+              </a:r>
+              <a:r>
+                <a:rPr lang="zh-CN" altLang="en-US" sz="1400" dirty="0" smtClean="0">
+                  <a:latin typeface="+mn-ea"/>
+                </a:rPr>
+                <a:t>积分</a:t>
+              </a:r>
+              <a:endParaRPr lang="zh-CN" altLang="en-US" sz="1400" dirty="0">
+                <a:latin typeface="+mn-ea"/>
+              </a:endParaRPr>
+            </a:p>
+          </p:txBody>
+        </p:sp>
+        <p:sp>
+          <p:nvSpPr>
+            <p:cNvPr id="43" name="矩形 42"/>
+            <p:cNvSpPr/>
+            <p:nvPr/>
+          </p:nvSpPr>
+          <p:spPr>
+            <a:xfrm>
+              <a:off x="7123584" y="4725144"/>
+              <a:ext cx="2520280" cy="457420"/>
+            </a:xfrm>
+            <a:prstGeom prst="rect">
+              <a:avLst/>
+            </a:prstGeom>
+            <a:solidFill>
+              <a:schemeClr val="accent5">
+                <a:lumMod val="75000"/>
+              </a:schemeClr>
+            </a:solidFill>
+            <a:ln>
+              <a:solidFill>
+                <a:schemeClr val="accent5">
+                  <a:lumMod val="75000"/>
+                </a:schemeClr>
+              </a:solidFill>
+            </a:ln>
+          </p:spPr>
+          <p:style>
+            <a:lnRef idx="2">
+              <a:schemeClr val="accent1">
+                <a:shade val="50000"/>
+              </a:schemeClr>
+            </a:lnRef>
+            <a:fillRef idx="1">
+              <a:schemeClr val="accent1"/>
+            </a:fillRef>
+            <a:effectRef idx="0">
+              <a:schemeClr val="accent1"/>
+            </a:effectRef>
+            <a:fontRef idx="minor">
+              <a:schemeClr val="lt1"/>
+            </a:fontRef>
+          </p:style>
+          <p:txBody>
+            <a:bodyPr rtlCol="0" anchor="ctr"/>
+            <a:lstStyle/>
+            <a:p>
+              <a:pPr algn="ctr"/>
+              <a:r>
+                <a:rPr lang="zh-CN" altLang="en-US" sz="1400" dirty="0" smtClean="0">
+                  <a:latin typeface="+mn-ea"/>
+                </a:rPr>
+                <a:t>联系客服</a:t>
+              </a:r>
+              <a:endParaRPr lang="zh-CN" altLang="en-US" sz="1400" dirty="0">
+                <a:latin typeface="+mn-ea"/>
+              </a:endParaRPr>
+            </a:p>
+          </p:txBody>
+        </p:sp>
+        <p:sp>
+          <p:nvSpPr>
+            <p:cNvPr id="45" name="矩形 44"/>
+            <p:cNvSpPr/>
+            <p:nvPr/>
+          </p:nvSpPr>
+          <p:spPr>
+            <a:xfrm>
+              <a:off x="7087580" y="485708"/>
+              <a:ext cx="2628292" cy="351004"/>
+            </a:xfrm>
+            <a:prstGeom prst="rect">
+              <a:avLst/>
+            </a:prstGeom>
+            <a:solidFill>
+              <a:schemeClr val="accent5">
+                <a:lumMod val="75000"/>
+              </a:schemeClr>
+            </a:solidFill>
+            <a:ln>
+              <a:noFill/>
+            </a:ln>
+          </p:spPr>
+          <p:style>
+            <a:lnRef idx="2">
+              <a:schemeClr val="accent1">
+                <a:shade val="50000"/>
+              </a:schemeClr>
+            </a:lnRef>
+            <a:fillRef idx="1">
+              <a:schemeClr val="accent1"/>
+            </a:fillRef>
+            <a:effectRef idx="0">
+              <a:schemeClr val="accent1"/>
+            </a:effectRef>
+            <a:fontRef idx="minor">
+              <a:schemeClr val="lt1"/>
+            </a:fontRef>
+          </p:style>
+          <p:txBody>
+            <a:bodyPr rtlCol="0" anchor="ctr"/>
+            <a:lstStyle/>
+            <a:p>
+              <a:pPr algn="ctr"/>
+              <a:r>
+                <a:rPr lang="zh-CN" altLang="en-US" dirty="0" smtClean="0">
+                  <a:solidFill>
+                    <a:schemeClr val="bg1"/>
+                  </a:solidFill>
+                </a:rPr>
+                <a:t>任务列表</a:t>
+              </a:r>
+              <a:endParaRPr lang="zh-CN" altLang="en-US" dirty="0">
+                <a:solidFill>
+                  <a:schemeClr val="bg1"/>
+                </a:solidFill>
+              </a:endParaRPr>
+            </a:p>
+          </p:txBody>
+        </p:sp>
+        <p:sp>
+          <p:nvSpPr>
+            <p:cNvPr id="50" name="TextBox 49"/>
+            <p:cNvSpPr txBox="1"/>
+            <p:nvPr/>
+          </p:nvSpPr>
+          <p:spPr>
+            <a:xfrm>
+              <a:off x="7123584" y="2257856"/>
+              <a:ext cx="2509936" cy="375541"/>
+            </a:xfrm>
+            <a:prstGeom prst="rect">
+              <a:avLst/>
+            </a:prstGeom>
+            <a:noFill/>
+          </p:spPr>
+          <p:txBody>
+            <a:bodyPr wrap="square" rtlCol="0">
+              <a:spAutoFit/>
+            </a:bodyPr>
+            <a:lstStyle/>
+            <a:p>
+              <a:r>
+                <a:rPr lang="zh-CN" altLang="en-US" dirty="0" smtClean="0"/>
+                <a:t>点击即可进入目标页面</a:t>
+              </a:r>
+              <a:endParaRPr lang="zh-CN" altLang="en-US" dirty="0"/>
+            </a:p>
+          </p:txBody>
+        </p:sp>
+        <p:sp>
+          <p:nvSpPr>
+            <p:cNvPr id="2" name="圆角矩形 1"/>
+            <p:cNvSpPr/>
+            <p:nvPr/>
+          </p:nvSpPr>
+          <p:spPr>
+            <a:xfrm>
+              <a:off x="7113240" y="1052736"/>
+              <a:ext cx="2592288" cy="914400"/>
+            </a:xfrm>
+            <a:prstGeom prst="roundRect">
+              <a:avLst/>
+            </a:prstGeom>
+            <a:solidFill>
+              <a:schemeClr val="bg1"/>
+            </a:solidFill>
+            <a:ln>
+              <a:solidFill>
+                <a:schemeClr val="accent5">
+                  <a:lumMod val="75000"/>
+                </a:schemeClr>
+              </a:solidFill>
+            </a:ln>
+          </p:spPr>
+          <p:style>
+            <a:lnRef idx="2">
+              <a:schemeClr val="accent1">
+                <a:shade val="50000"/>
+              </a:schemeClr>
+            </a:lnRef>
+            <a:fillRef idx="1">
+              <a:schemeClr val="accent1"/>
+            </a:fillRef>
+            <a:effectRef idx="0">
+              <a:schemeClr val="accent1"/>
+            </a:effectRef>
+            <a:fontRef idx="minor">
+              <a:schemeClr val="lt1"/>
+            </a:fontRef>
+          </p:style>
+          <p:txBody>
+            <a:bodyPr rtlCol="0" anchor="ctr"/>
+            <a:lstStyle/>
+            <a:p>
+              <a:pPr algn="ctr"/>
+              <a:r>
+                <a:rPr lang="zh-CN" altLang="en-US" sz="1600" b="1" dirty="0" smtClean="0">
+                  <a:solidFill>
+                    <a:schemeClr val="tx1"/>
+                  </a:solidFill>
+                </a:rPr>
+                <a:t>领取邀请准会员任务</a:t>
+              </a:r>
+              <a:endParaRPr lang="en-US" altLang="zh-CN" sz="1600" b="1" dirty="0" smtClean="0">
+                <a:solidFill>
+                  <a:schemeClr val="tx1"/>
+                </a:solidFill>
+              </a:endParaRPr>
+            </a:p>
+            <a:p>
+              <a:r>
+                <a:rPr lang="zh-CN" altLang="en-US" sz="1000" dirty="0" smtClean="0">
+                  <a:solidFill>
+                    <a:schemeClr val="tx1"/>
+                  </a:solidFill>
+                  <a:latin typeface="楷体" pitchFamily="49" charset="-122"/>
+                  <a:ea typeface="楷体" pitchFamily="49" charset="-122"/>
+                </a:rPr>
+                <a:t>分享转发邀请链接，汇集你朋友圈的股友</a:t>
+              </a:r>
+              <a:r>
+                <a:rPr lang="en-US" altLang="zh-CN" sz="1000" dirty="0" smtClean="0">
+                  <a:solidFill>
+                    <a:schemeClr val="tx1"/>
+                  </a:solidFill>
+                  <a:latin typeface="楷体" pitchFamily="49" charset="-122"/>
+                  <a:ea typeface="楷体" pitchFamily="49" charset="-122"/>
+                </a:rPr>
+                <a:t>…</a:t>
+              </a:r>
+              <a:r>
+                <a:rPr lang="zh-CN" altLang="en-US" sz="1000" dirty="0" smtClean="0">
+                  <a:solidFill>
+                    <a:schemeClr val="tx1"/>
+                  </a:solidFill>
+                  <a:latin typeface="楷体" pitchFamily="49" charset="-122"/>
+                  <a:ea typeface="楷体" pitchFamily="49" charset="-122"/>
+                </a:rPr>
+                <a:t>。</a:t>
+              </a:r>
+              <a:endParaRPr lang="zh-CN" altLang="en-US" sz="1000" dirty="0">
+                <a:solidFill>
+                  <a:schemeClr val="tx1"/>
+                </a:solidFill>
+                <a:latin typeface="楷体" pitchFamily="49" charset="-122"/>
+                <a:ea typeface="楷体" pitchFamily="49" charset="-122"/>
+              </a:endParaRPr>
+            </a:p>
+          </p:txBody>
+        </p:sp>
+      </p:grpSp>
+      <p:sp>
+        <p:nvSpPr>
+          <p:cNvPr id="39" name="TextBox 38"/>
+          <p:cNvSpPr txBox="1"/>
+          <p:nvPr/>
+        </p:nvSpPr>
+        <p:spPr>
+          <a:xfrm>
+            <a:off x="6179807" y="256348"/>
+            <a:ext cx="3463696" cy="6186309"/>
+          </a:xfrm>
+          <a:prstGeom prst="rect">
+            <a:avLst/>
+          </a:prstGeom>
+          <a:solidFill>
+            <a:schemeClr val="bg1"/>
+          </a:solidFill>
+          <a:ln>
+            <a:solidFill>
+              <a:schemeClr val="accent5">
+                <a:lumMod val="75000"/>
+              </a:schemeClr>
+            </a:solidFill>
+          </a:ln>
+        </p:spPr>
+        <p:txBody>
+          <a:bodyPr wrap="square" rtlCol="0">
+            <a:spAutoFit/>
+          </a:bodyPr>
+          <a:lstStyle/>
+          <a:p>
+            <a:pPr>
+              <a:lnSpc>
+                <a:spcPct val="150000"/>
+              </a:lnSpc>
+            </a:pPr>
+            <a:r>
+              <a:rPr lang="zh-CN" altLang="en-US" sz="1200" dirty="0" smtClean="0">
+                <a:latin typeface="+mn-ea"/>
+              </a:rPr>
+              <a:t>用户主页点击任务列表进入此页</a:t>
+            </a:r>
+            <a:endParaRPr lang="en-US" altLang="zh-CN" sz="1200" dirty="0" smtClean="0">
+              <a:latin typeface="+mn-ea"/>
+            </a:endParaRPr>
+          </a:p>
+          <a:p>
+            <a:pPr>
+              <a:lnSpc>
+                <a:spcPct val="150000"/>
+              </a:lnSpc>
+            </a:pPr>
+            <a:r>
+              <a:rPr lang="zh-CN" altLang="en-US" sz="1200" dirty="0" smtClean="0">
+                <a:latin typeface="+mn-ea"/>
+              </a:rPr>
+              <a:t>功能说明：</a:t>
+            </a:r>
+            <a:endParaRPr lang="en-US" altLang="zh-CN" sz="1200" dirty="0" smtClean="0">
+              <a:latin typeface="+mn-ea"/>
+            </a:endParaRPr>
+          </a:p>
+          <a:p>
+            <a:r>
+              <a:rPr lang="en-US" altLang="zh-CN" sz="1200" dirty="0"/>
+              <a:t>1</a:t>
+            </a:r>
+            <a:r>
+              <a:rPr lang="zh-CN" altLang="en-US" sz="1200" dirty="0"/>
+              <a:t>、</a:t>
+            </a:r>
+            <a:r>
+              <a:rPr lang="zh-CN" altLang="en-US" sz="1200" b="1" dirty="0"/>
+              <a:t>第一次</a:t>
+            </a:r>
+            <a:r>
+              <a:rPr lang="zh-CN" altLang="en-US" sz="1200" dirty="0"/>
+              <a:t>点“任务列表”全部跳转到填写会资料送积分任务</a:t>
+            </a:r>
+            <a:r>
+              <a:rPr lang="zh-CN" altLang="en-US" sz="1200" dirty="0" smtClean="0"/>
+              <a:t>页面，</a:t>
+            </a:r>
+            <a:r>
+              <a:rPr lang="zh-CN" altLang="en-US" sz="1200" dirty="0"/>
+              <a:t>强制完成后填写设置资料才跳转“任务列表”页面</a:t>
+            </a:r>
+            <a:r>
+              <a:rPr lang="zh-CN" altLang="en-US" sz="1200" dirty="0" smtClean="0"/>
+              <a:t>。</a:t>
+            </a:r>
+            <a:endParaRPr lang="en-US" altLang="zh-CN" sz="1200" dirty="0" smtClean="0"/>
+          </a:p>
+          <a:p>
+            <a:endParaRPr lang="en-US" altLang="zh-CN" sz="1200" dirty="0"/>
+          </a:p>
+          <a:p>
+            <a:r>
+              <a:rPr lang="zh-CN" altLang="en-US" sz="1200" dirty="0"/>
+              <a:t>未完成资料填写的</a:t>
+            </a:r>
+            <a:r>
+              <a:rPr lang="zh-CN" altLang="en-US" sz="1200" dirty="0" smtClean="0"/>
+              <a:t>，其余任务</a:t>
+            </a:r>
+            <a:r>
+              <a:rPr lang="zh-CN" altLang="en-US" sz="1200" dirty="0"/>
+              <a:t>选项均为不可选状态。</a:t>
+            </a:r>
+            <a:endParaRPr lang="en-US" altLang="zh-CN" sz="1200" dirty="0"/>
+          </a:p>
+          <a:p>
+            <a:endParaRPr lang="en-US" altLang="zh-CN" sz="1200" dirty="0"/>
+          </a:p>
+          <a:p>
+            <a:r>
+              <a:rPr lang="en-US" altLang="zh-CN" sz="1200" dirty="0"/>
+              <a:t>2</a:t>
+            </a:r>
+            <a:r>
+              <a:rPr lang="zh-CN" altLang="en-US" sz="1200" dirty="0"/>
+              <a:t>、会员用户已经填写过资料的直接打开任务列表页面。</a:t>
+            </a:r>
+          </a:p>
+          <a:p>
+            <a:pPr>
+              <a:lnSpc>
+                <a:spcPct val="150000"/>
+              </a:lnSpc>
+            </a:pPr>
+            <a:endParaRPr lang="en-US" altLang="zh-CN" sz="1200" dirty="0" smtClean="0">
+              <a:latin typeface="+mn-ea"/>
+            </a:endParaRPr>
+          </a:p>
+          <a:p>
+            <a:pPr>
+              <a:lnSpc>
+                <a:spcPct val="150000"/>
+              </a:lnSpc>
+            </a:pPr>
+            <a:r>
+              <a:rPr lang="en-US" altLang="zh-CN" sz="1200" dirty="0" smtClean="0">
+                <a:latin typeface="+mn-ea"/>
+              </a:rPr>
+              <a:t>3</a:t>
+            </a:r>
+            <a:r>
+              <a:rPr lang="zh-CN" altLang="en-US" sz="1200" dirty="0" smtClean="0">
+                <a:latin typeface="+mn-ea"/>
+              </a:rPr>
+              <a:t>、点击任务标题标签弹出“任务说明”，用户同时只可领取一个任务，领取其他任务之前必须完成或放弃当前进行中的任务。</a:t>
+            </a:r>
+            <a:r>
+              <a:rPr lang="en-US" altLang="zh-CN" sz="1200" dirty="0" smtClean="0">
+                <a:latin typeface="+mn-ea"/>
+              </a:rPr>
+              <a:t/>
+            </a:r>
+            <a:br>
+              <a:rPr lang="en-US" altLang="zh-CN" sz="1200" dirty="0" smtClean="0">
+                <a:latin typeface="+mn-ea"/>
+              </a:rPr>
+            </a:br>
+            <a:r>
+              <a:rPr lang="en-US" altLang="zh-CN" sz="1200" dirty="0" smtClean="0">
+                <a:latin typeface="+mn-ea"/>
+              </a:rPr>
+              <a:t>4</a:t>
+            </a:r>
+            <a:r>
+              <a:rPr lang="zh-CN" altLang="en-US" sz="1200" dirty="0" smtClean="0">
+                <a:latin typeface="+mn-ea"/>
+              </a:rPr>
+              <a:t>、任务说明包括：</a:t>
+            </a:r>
+            <a:r>
+              <a:rPr lang="en-US" altLang="zh-CN" sz="1200" dirty="0" smtClean="0">
+                <a:latin typeface="+mn-ea"/>
+              </a:rPr>
+              <a:t/>
+            </a:r>
+            <a:br>
+              <a:rPr lang="en-US" altLang="zh-CN" sz="1200" dirty="0" smtClean="0">
+                <a:latin typeface="+mn-ea"/>
+              </a:rPr>
+            </a:br>
+            <a:r>
+              <a:rPr lang="zh-CN" altLang="en-US" sz="1200" dirty="0" smtClean="0">
+                <a:latin typeface="+mn-ea"/>
+              </a:rPr>
+              <a:t>任务名、任务描述、任务条件、任务奖励，任务由后台发布。</a:t>
+            </a:r>
+            <a:endParaRPr lang="en-US" altLang="zh-CN" sz="1200" dirty="0" smtClean="0">
+              <a:latin typeface="+mn-ea"/>
+            </a:endParaRPr>
+          </a:p>
+          <a:p>
+            <a:pPr>
+              <a:lnSpc>
+                <a:spcPct val="150000"/>
+              </a:lnSpc>
+            </a:pPr>
+            <a:r>
+              <a:rPr lang="en-US" altLang="zh-CN" sz="1200" dirty="0" smtClean="0">
+                <a:latin typeface="+mn-ea"/>
+              </a:rPr>
+              <a:t>5</a:t>
+            </a:r>
+            <a:r>
+              <a:rPr lang="zh-CN" altLang="en-US" sz="1200" dirty="0" smtClean="0">
+                <a:latin typeface="+mn-ea"/>
+              </a:rPr>
+              <a:t>、完成任务：点击完成任务按钮，弹出上传任务资料界面。</a:t>
+            </a:r>
+            <a:endParaRPr lang="en-US" altLang="zh-CN" sz="1200" dirty="0" smtClean="0">
+              <a:latin typeface="+mn-ea"/>
+            </a:endParaRPr>
+          </a:p>
+          <a:p>
+            <a:pPr>
+              <a:lnSpc>
+                <a:spcPct val="150000"/>
+              </a:lnSpc>
+            </a:pPr>
+            <a:endParaRPr lang="en-US" altLang="zh-CN" sz="1200" dirty="0" smtClean="0">
+              <a:latin typeface="+mn-ea"/>
+            </a:endParaRPr>
+          </a:p>
+          <a:p>
+            <a:pPr>
+              <a:lnSpc>
+                <a:spcPct val="150000"/>
+              </a:lnSpc>
+            </a:pPr>
+            <a:r>
+              <a:rPr lang="en-US" altLang="zh-CN" sz="1200" dirty="0" smtClean="0">
+                <a:latin typeface="+mn-ea"/>
+              </a:rPr>
+              <a:t>6</a:t>
+            </a:r>
+            <a:r>
+              <a:rPr lang="zh-CN" altLang="en-US" sz="1200" dirty="0" smtClean="0">
+                <a:latin typeface="+mn-ea"/>
+              </a:rPr>
+              <a:t>、联系客服功能推送</a:t>
+            </a:r>
+            <a:r>
+              <a:rPr lang="zh-CN" altLang="en-US" sz="1200" dirty="0" smtClean="0">
+                <a:solidFill>
+                  <a:srgbClr val="FF0000"/>
+                </a:solidFill>
+                <a:latin typeface="+mn-ea"/>
+              </a:rPr>
+              <a:t>任务客服微信号</a:t>
+            </a:r>
+            <a:r>
+              <a:rPr lang="zh-CN" altLang="en-US" sz="1200" dirty="0" smtClean="0">
+                <a:latin typeface="+mn-ea"/>
+              </a:rPr>
+              <a:t>或者</a:t>
+            </a:r>
+            <a:r>
+              <a:rPr lang="zh-CN" altLang="en-US" sz="1200" dirty="0" smtClean="0">
+                <a:solidFill>
+                  <a:srgbClr val="FF0000"/>
+                </a:solidFill>
+                <a:latin typeface="+mn-ea"/>
+              </a:rPr>
+              <a:t>客服二维码</a:t>
+            </a:r>
+            <a:endParaRPr lang="en-US" altLang="zh-CN" sz="1200" dirty="0" smtClean="0">
+              <a:solidFill>
+                <a:srgbClr val="FF0000"/>
+              </a:solidFill>
+              <a:latin typeface="+mn-ea"/>
+            </a:endParaRPr>
+          </a:p>
+          <a:p>
+            <a:pPr>
+              <a:lnSpc>
+                <a:spcPct val="150000"/>
+              </a:lnSpc>
+            </a:pPr>
+            <a:r>
+              <a:rPr lang="zh-CN" altLang="en-US" sz="1200" dirty="0" smtClean="0">
+                <a:latin typeface="+mn-ea"/>
+              </a:rPr>
+              <a:t>点击任意任务，进入任务详情页</a:t>
+            </a:r>
+            <a:endParaRPr lang="en-US" altLang="zh-CN" sz="1200" dirty="0">
+              <a:latin typeface="+mn-ea"/>
+            </a:endParaRPr>
+          </a:p>
+          <a:p>
+            <a:pPr>
+              <a:lnSpc>
+                <a:spcPct val="150000"/>
+              </a:lnSpc>
+            </a:pPr>
+            <a:r>
+              <a:rPr lang="zh-CN" altLang="en-US" sz="1200" dirty="0" smtClean="0">
+                <a:solidFill>
+                  <a:srgbClr val="FF0000"/>
+                </a:solidFill>
+                <a:latin typeface="+mn-ea"/>
+              </a:rPr>
+              <a:t>左上角或合适位置需添加返回上一页按钮</a:t>
+            </a:r>
+            <a:endParaRPr lang="zh-CN" altLang="en-US" sz="1200" dirty="0">
+              <a:solidFill>
+                <a:srgbClr val="FF0000"/>
+              </a:solidFill>
+              <a:latin typeface="+mn-ea"/>
+            </a:endParaRPr>
+          </a:p>
+        </p:txBody>
+      </p:sp>
+      <p:grpSp>
+        <p:nvGrpSpPr>
+          <p:cNvPr id="12" name="组合 11"/>
+          <p:cNvGrpSpPr/>
+          <p:nvPr/>
+        </p:nvGrpSpPr>
+        <p:grpSpPr>
+          <a:xfrm>
+            <a:off x="3099063" y="341378"/>
+            <a:ext cx="2728377" cy="5417531"/>
+            <a:chOff x="8038489" y="193297"/>
+            <a:chExt cx="1656184" cy="3979144"/>
+          </a:xfrm>
+        </p:grpSpPr>
+        <p:grpSp>
+          <p:nvGrpSpPr>
+            <p:cNvPr id="9" name="组合 8"/>
+            <p:cNvGrpSpPr/>
+            <p:nvPr/>
+          </p:nvGrpSpPr>
+          <p:grpSpPr>
+            <a:xfrm>
+              <a:off x="8038489" y="193297"/>
+              <a:ext cx="1656184" cy="3234785"/>
+              <a:chOff x="8049344" y="698271"/>
+              <a:chExt cx="1656184" cy="3234785"/>
+            </a:xfrm>
+          </p:grpSpPr>
+          <p:sp>
+            <p:nvSpPr>
+              <p:cNvPr id="6" name="圆角矩形 5"/>
+              <p:cNvSpPr/>
+              <p:nvPr/>
+            </p:nvSpPr>
+            <p:spPr>
+              <a:xfrm>
+                <a:off x="8049344" y="698271"/>
+                <a:ext cx="1656184" cy="3234785"/>
+              </a:xfrm>
+              <a:prstGeom prst="roundRect">
+                <a:avLst/>
+              </a:prstGeom>
+              <a:solidFill>
+                <a:schemeClr val="accent5">
+                  <a:lumMod val="40000"/>
+                  <a:lumOff val="60000"/>
+                </a:schemeClr>
+              </a:solidFill>
+              <a:ln>
+                <a:solidFill>
+                  <a:schemeClr val="accent5">
+                    <a:lumMod val="50000"/>
+                  </a:schemeClr>
+                </a:solidFill>
+              </a:ln>
+            </p:spPr>
+            <p:style>
+              <a:lnRef idx="2">
+                <a:schemeClr val="accent1">
+                  <a:shade val="50000"/>
+                </a:schemeClr>
+              </a:lnRef>
+              <a:fillRef idx="1">
+                <a:schemeClr val="accent1"/>
+              </a:fillRef>
+              <a:effectRef idx="0">
+                <a:schemeClr val="accent1"/>
+              </a:effectRef>
+              <a:fontRef idx="minor">
+                <a:schemeClr val="lt1"/>
+              </a:fontRef>
+            </p:style>
+            <p:txBody>
+              <a:bodyPr rtlCol="0" anchor="ctr"/>
+              <a:lstStyle/>
+              <a:p>
+                <a:pPr algn="ctr"/>
+                <a:endParaRPr lang="zh-CN" altLang="en-US"/>
+              </a:p>
+            </p:txBody>
+          </p:sp>
+          <p:sp>
+            <p:nvSpPr>
+              <p:cNvPr id="7" name="矩形 6"/>
+              <p:cNvSpPr/>
+              <p:nvPr/>
+            </p:nvSpPr>
+            <p:spPr>
+              <a:xfrm>
+                <a:off x="8193360" y="836712"/>
+                <a:ext cx="1368152" cy="216024"/>
+              </a:xfrm>
+              <a:prstGeom prst="rect">
+                <a:avLst/>
+              </a:prstGeom>
+              <a:solidFill>
+                <a:schemeClr val="accent5">
+                  <a:lumMod val="75000"/>
+                </a:schemeClr>
+              </a:solidFill>
+              <a:ln>
+                <a:solidFill>
+                  <a:schemeClr val="accent5">
+                    <a:lumMod val="50000"/>
+                  </a:schemeClr>
+                </a:solidFill>
+              </a:ln>
+            </p:spPr>
+            <p:style>
+              <a:lnRef idx="2">
+                <a:schemeClr val="accent1">
+                  <a:shade val="50000"/>
+                </a:schemeClr>
+              </a:lnRef>
+              <a:fillRef idx="1">
+                <a:schemeClr val="accent1"/>
+              </a:fillRef>
+              <a:effectRef idx="0">
+                <a:schemeClr val="accent1"/>
+              </a:effectRef>
+              <a:fontRef idx="minor">
+                <a:schemeClr val="lt1"/>
+              </a:fontRef>
+            </p:style>
+            <p:txBody>
+              <a:bodyPr rtlCol="0" anchor="ctr"/>
+              <a:lstStyle/>
+              <a:p>
+                <a:pPr algn="ctr"/>
+                <a:r>
+                  <a:rPr lang="zh-CN" altLang="en-US" sz="1100" dirty="0" smtClean="0"/>
+                  <a:t>任务说明</a:t>
+                </a:r>
+                <a:endParaRPr lang="zh-CN" altLang="en-US" sz="1100" dirty="0"/>
+              </a:p>
+            </p:txBody>
+          </p:sp>
+          <p:sp>
+            <p:nvSpPr>
+              <p:cNvPr id="8" name="矩形 7"/>
+              <p:cNvSpPr/>
+              <p:nvPr/>
+            </p:nvSpPr>
+            <p:spPr>
+              <a:xfrm>
+                <a:off x="8193360" y="1155471"/>
+                <a:ext cx="1368152" cy="2058424"/>
+              </a:xfrm>
+              <a:prstGeom prst="rect">
+                <a:avLst/>
+              </a:prstGeom>
+              <a:solidFill>
+                <a:schemeClr val="accent5">
+                  <a:lumMod val="75000"/>
+                </a:schemeClr>
+              </a:solidFill>
+              <a:ln>
+                <a:solidFill>
+                  <a:schemeClr val="accent5">
+                    <a:lumMod val="40000"/>
+                    <a:lumOff val="60000"/>
+                  </a:schemeClr>
+                </a:solidFill>
+              </a:ln>
+            </p:spPr>
+            <p:style>
+              <a:lnRef idx="2">
+                <a:schemeClr val="accent1">
+                  <a:shade val="50000"/>
+                </a:schemeClr>
+              </a:lnRef>
+              <a:fillRef idx="1">
+                <a:schemeClr val="accent1"/>
+              </a:fillRef>
+              <a:effectRef idx="0">
+                <a:schemeClr val="accent1"/>
+              </a:effectRef>
+              <a:fontRef idx="minor">
+                <a:schemeClr val="lt1"/>
+              </a:fontRef>
+            </p:style>
+            <p:txBody>
+              <a:bodyPr rtlCol="0" anchor="ctr"/>
+              <a:lstStyle/>
+              <a:p>
+                <a:pPr algn="ctr"/>
+                <a:r>
+                  <a:rPr lang="zh-CN" altLang="en-US" sz="900" dirty="0">
+                    <a:latin typeface="+mn-ea"/>
+                  </a:rPr>
+                  <a:t>任务</a:t>
+                </a:r>
+                <a:r>
+                  <a:rPr lang="zh-CN" altLang="en-US" sz="900" dirty="0" smtClean="0">
+                    <a:latin typeface="+mn-ea"/>
+                  </a:rPr>
+                  <a:t>名</a:t>
+                </a:r>
+                <a:r>
+                  <a:rPr lang="en-US" altLang="zh-CN" sz="900" dirty="0" smtClean="0">
+                    <a:latin typeface="+mn-ea"/>
+                  </a:rPr>
+                  <a:t>+</a:t>
+                </a:r>
+                <a:r>
+                  <a:rPr lang="zh-CN" altLang="en-US" sz="900" dirty="0" smtClean="0">
+                    <a:latin typeface="+mn-ea"/>
+                  </a:rPr>
+                  <a:t>编号</a:t>
+                </a:r>
+                <a:endParaRPr lang="en-US" altLang="zh-CN" sz="900" dirty="0" smtClean="0">
+                  <a:latin typeface="+mn-ea"/>
+                </a:endParaRPr>
+              </a:p>
+              <a:p>
+                <a:pPr algn="ctr"/>
+                <a:r>
+                  <a:rPr lang="en-US" altLang="zh-CN" sz="900" dirty="0" smtClean="0">
+                    <a:latin typeface="+mn-ea"/>
+                  </a:rPr>
+                  <a:t>TD0009</a:t>
+                </a:r>
+                <a:r>
+                  <a:rPr lang="zh-CN" altLang="en-US" sz="900" dirty="0" smtClean="0">
+                    <a:latin typeface="+mn-ea"/>
+                  </a:rPr>
+                  <a:t>邀请</a:t>
+                </a:r>
+                <a:r>
+                  <a:rPr lang="zh-CN" altLang="en-US" sz="900" dirty="0">
+                    <a:latin typeface="+mn-ea"/>
+                  </a:rPr>
+                  <a:t>朋友关注</a:t>
+                </a:r>
+                <a:r>
+                  <a:rPr lang="en-US" altLang="zh-CN" sz="900" dirty="0">
+                    <a:latin typeface="+mn-ea"/>
+                  </a:rPr>
+                  <a:t>D</a:t>
+                </a:r>
+                <a:r>
+                  <a:rPr lang="zh-CN" altLang="en-US" sz="900" dirty="0">
+                    <a:latin typeface="+mn-ea"/>
+                  </a:rPr>
+                  <a:t>小调信息资讯</a:t>
+                </a:r>
+                <a:endParaRPr lang="en-US" altLang="zh-CN" sz="900" dirty="0">
+                  <a:latin typeface="+mn-ea"/>
+                </a:endParaRPr>
+              </a:p>
+              <a:p>
+                <a:pPr algn="ctr"/>
+                <a:endParaRPr lang="en-US" altLang="zh-CN" sz="900" dirty="0" smtClean="0">
+                  <a:latin typeface="+mn-ea"/>
+                </a:endParaRPr>
+              </a:p>
+              <a:p>
+                <a:pPr algn="ctr"/>
+                <a:endParaRPr lang="en-US" altLang="zh-CN" sz="900" dirty="0" smtClean="0">
+                  <a:latin typeface="+mn-ea"/>
+                </a:endParaRPr>
+              </a:p>
+              <a:p>
+                <a:pPr algn="ctr"/>
+                <a:r>
+                  <a:rPr lang="zh-CN" altLang="en-US" sz="900" dirty="0" smtClean="0">
+                    <a:latin typeface="+mn-ea"/>
+                  </a:rPr>
+                  <a:t>任务描述</a:t>
+                </a:r>
+                <a:endParaRPr lang="en-US" altLang="zh-CN" sz="900" dirty="0" smtClean="0">
+                  <a:latin typeface="+mn-ea"/>
+                </a:endParaRPr>
+              </a:p>
+              <a:p>
+                <a:pPr algn="ctr"/>
+                <a:r>
+                  <a:rPr lang="zh-CN" altLang="en-US" sz="900" dirty="0">
+                    <a:latin typeface="+mn-ea"/>
+                  </a:rPr>
+                  <a:t>邀请朋友关注</a:t>
+                </a:r>
+                <a:r>
+                  <a:rPr lang="en-US" altLang="zh-CN" sz="900" dirty="0">
+                    <a:latin typeface="+mn-ea"/>
+                  </a:rPr>
+                  <a:t>D</a:t>
+                </a:r>
+                <a:r>
+                  <a:rPr lang="zh-CN" altLang="en-US" sz="900" dirty="0">
+                    <a:latin typeface="+mn-ea"/>
+                  </a:rPr>
+                  <a:t>小调信息资讯</a:t>
+                </a:r>
+                <a:endParaRPr lang="en-US" altLang="zh-CN" sz="900" dirty="0">
+                  <a:latin typeface="+mn-ea"/>
+                </a:endParaRPr>
+              </a:p>
+              <a:p>
+                <a:pPr algn="ctr"/>
+                <a:endParaRPr lang="en-US" altLang="zh-CN" sz="900" dirty="0">
+                  <a:latin typeface="+mn-ea"/>
+                </a:endParaRPr>
+              </a:p>
+              <a:p>
+                <a:pPr algn="ctr"/>
+                <a:r>
+                  <a:rPr lang="zh-CN" altLang="en-US" sz="900" dirty="0" smtClean="0">
+                    <a:latin typeface="+mn-ea"/>
+                  </a:rPr>
+                  <a:t>任务条件：</a:t>
+                </a:r>
+                <a:endParaRPr lang="en-US" altLang="zh-CN" sz="900" dirty="0" smtClean="0">
+                  <a:latin typeface="+mn-ea"/>
+                </a:endParaRPr>
+              </a:p>
+              <a:p>
+                <a:pPr algn="ctr"/>
+                <a:r>
+                  <a:rPr lang="zh-CN" altLang="en-US" sz="900" dirty="0">
+                    <a:latin typeface="+mn-ea"/>
+                  </a:rPr>
+                  <a:t>本</a:t>
+                </a:r>
+                <a:r>
+                  <a:rPr lang="zh-CN" altLang="en-US" sz="900" dirty="0" smtClean="0">
+                    <a:latin typeface="+mn-ea"/>
+                  </a:rPr>
+                  <a:t>任务只需完成邀请准会员</a:t>
+                </a:r>
+                <a:r>
+                  <a:rPr lang="en-US" altLang="zh-CN" sz="900" dirty="0" smtClean="0">
+                    <a:latin typeface="+mn-ea"/>
+                  </a:rPr>
+                  <a:t>3</a:t>
+                </a:r>
+                <a:r>
+                  <a:rPr lang="zh-CN" altLang="en-US" sz="900" dirty="0" smtClean="0">
+                    <a:latin typeface="+mn-ea"/>
+                  </a:rPr>
+                  <a:t>人 </a:t>
+                </a:r>
+                <a:endParaRPr lang="en-US" altLang="zh-CN" sz="900" dirty="0" smtClean="0">
+                  <a:latin typeface="+mn-ea"/>
+                </a:endParaRPr>
+              </a:p>
+              <a:p>
+                <a:pPr algn="ctr"/>
+                <a:endParaRPr lang="en-US" altLang="zh-CN" sz="900" dirty="0" smtClean="0">
+                  <a:latin typeface="+mn-ea"/>
+                </a:endParaRPr>
+              </a:p>
+              <a:p>
+                <a:pPr algn="ctr"/>
+                <a:r>
+                  <a:rPr lang="zh-CN" altLang="en-US" sz="900" dirty="0" smtClean="0">
+                    <a:latin typeface="+mn-ea"/>
+                  </a:rPr>
+                  <a:t>任务奖励：</a:t>
+                </a:r>
+                <a:endParaRPr lang="en-US" altLang="zh-CN" sz="900" dirty="0" smtClean="0">
+                  <a:latin typeface="+mn-ea"/>
+                </a:endParaRPr>
+              </a:p>
+              <a:p>
+                <a:pPr algn="ctr"/>
+                <a:r>
+                  <a:rPr lang="en-US" altLang="zh-CN" sz="900" dirty="0" smtClean="0">
+                    <a:latin typeface="+mn-ea"/>
+                  </a:rPr>
+                  <a:t>600</a:t>
+                </a:r>
+                <a:r>
+                  <a:rPr lang="zh-CN" altLang="en-US" sz="900" dirty="0" smtClean="0">
+                    <a:latin typeface="+mn-ea"/>
+                  </a:rPr>
+                  <a:t>积分</a:t>
+                </a:r>
+                <a:endParaRPr lang="zh-CN" altLang="en-US" sz="900" dirty="0">
+                  <a:latin typeface="+mn-ea"/>
+                </a:endParaRPr>
+              </a:p>
+            </p:txBody>
+          </p:sp>
+        </p:grpSp>
+        <p:sp>
+          <p:nvSpPr>
+            <p:cNvPr id="10" name="圆角矩形 9"/>
+            <p:cNvSpPr/>
+            <p:nvPr/>
+          </p:nvSpPr>
+          <p:spPr>
+            <a:xfrm>
+              <a:off x="8220049" y="2785307"/>
+              <a:ext cx="1285289" cy="262683"/>
+            </a:xfrm>
+            <a:prstGeom prst="roundRect">
+              <a:avLst/>
+            </a:prstGeom>
+            <a:solidFill>
+              <a:schemeClr val="accent5">
+                <a:lumMod val="75000"/>
+              </a:schemeClr>
+            </a:solidFill>
+            <a:ln>
+              <a:solidFill>
+                <a:schemeClr val="accent5">
+                  <a:lumMod val="40000"/>
+                  <a:lumOff val="60000"/>
+                </a:schemeClr>
+              </a:solidFill>
+            </a:ln>
+          </p:spPr>
+          <p:style>
+            <a:lnRef idx="2">
+              <a:schemeClr val="accent1">
+                <a:shade val="50000"/>
+              </a:schemeClr>
+            </a:lnRef>
+            <a:fillRef idx="1">
+              <a:schemeClr val="accent1"/>
+            </a:fillRef>
+            <a:effectRef idx="0">
+              <a:schemeClr val="accent1"/>
+            </a:effectRef>
+            <a:fontRef idx="minor">
+              <a:schemeClr val="lt1"/>
+            </a:fontRef>
+          </p:style>
+          <p:txBody>
+            <a:bodyPr rtlCol="0" anchor="ctr"/>
+            <a:lstStyle/>
+            <a:p>
+              <a:pPr algn="ctr"/>
+              <a:r>
+                <a:rPr lang="zh-CN" altLang="en-US" sz="1400" dirty="0" smtClean="0"/>
+                <a:t>领取</a:t>
+              </a:r>
+              <a:r>
+                <a:rPr lang="en-US" altLang="zh-CN" sz="1400" dirty="0" smtClean="0"/>
+                <a:t>/</a:t>
+              </a:r>
+              <a:r>
+                <a:rPr lang="zh-CN" altLang="en-US" sz="1400" dirty="0" smtClean="0"/>
+                <a:t>完成任务</a:t>
+              </a:r>
+              <a:endParaRPr lang="zh-CN" altLang="en-US" sz="1400" dirty="0"/>
+            </a:p>
+          </p:txBody>
+        </p:sp>
+        <p:sp>
+          <p:nvSpPr>
+            <p:cNvPr id="32" name="圆角矩形 31"/>
+            <p:cNvSpPr/>
+            <p:nvPr/>
+          </p:nvSpPr>
+          <p:spPr>
+            <a:xfrm>
+              <a:off x="8252847" y="3072553"/>
+              <a:ext cx="1285289" cy="262683"/>
+            </a:xfrm>
+            <a:prstGeom prst="roundRect">
+              <a:avLst/>
+            </a:prstGeom>
+            <a:solidFill>
+              <a:schemeClr val="bg1">
+                <a:lumMod val="75000"/>
+              </a:schemeClr>
+            </a:solidFill>
+            <a:ln>
+              <a:solidFill>
+                <a:schemeClr val="accent5">
+                  <a:lumMod val="40000"/>
+                  <a:lumOff val="60000"/>
+                </a:schemeClr>
+              </a:solidFill>
+            </a:ln>
+          </p:spPr>
+          <p:style>
+            <a:lnRef idx="2">
+              <a:schemeClr val="accent1">
+                <a:shade val="50000"/>
+              </a:schemeClr>
+            </a:lnRef>
+            <a:fillRef idx="1">
+              <a:schemeClr val="accent1"/>
+            </a:fillRef>
+            <a:effectRef idx="0">
+              <a:schemeClr val="accent1"/>
+            </a:effectRef>
+            <a:fontRef idx="minor">
+              <a:schemeClr val="lt1"/>
+            </a:fontRef>
+          </p:style>
+          <p:txBody>
+            <a:bodyPr rtlCol="0" anchor="ctr"/>
+            <a:lstStyle/>
+            <a:p>
+              <a:pPr algn="ctr"/>
+              <a:r>
+                <a:rPr lang="zh-CN" altLang="en-US" sz="1400" dirty="0" smtClean="0"/>
+                <a:t>放弃任务</a:t>
+              </a:r>
+              <a:endParaRPr lang="zh-CN" altLang="en-US" sz="1400" dirty="0"/>
+            </a:p>
+          </p:txBody>
+        </p:sp>
+        <p:sp>
+          <p:nvSpPr>
+            <p:cNvPr id="11" name="TextBox 10"/>
+            <p:cNvSpPr txBox="1"/>
+            <p:nvPr/>
+          </p:nvSpPr>
+          <p:spPr>
+            <a:xfrm>
+              <a:off x="8182506" y="3864664"/>
+              <a:ext cx="1368152" cy="307777"/>
+            </a:xfrm>
+            <a:prstGeom prst="rect">
+              <a:avLst/>
+            </a:prstGeom>
+            <a:noFill/>
+          </p:spPr>
+          <p:txBody>
+            <a:bodyPr wrap="square" rtlCol="0">
+              <a:spAutoFit/>
+            </a:bodyPr>
+            <a:lstStyle/>
+            <a:p>
+              <a:pPr algn="ctr"/>
+              <a:r>
+                <a:rPr lang="zh-CN" altLang="en-US" sz="1400" dirty="0" smtClean="0"/>
+                <a:t>任务说明页</a:t>
+              </a:r>
+              <a:endParaRPr lang="zh-CN" altLang="en-US" sz="1400" dirty="0"/>
+            </a:p>
+          </p:txBody>
+        </p:sp>
+      </p:grpSp>
+      <p:sp>
+        <p:nvSpPr>
+          <p:cNvPr id="13" name="日期占位符 12"/>
+          <p:cNvSpPr>
+            <a:spLocks noGrp="1"/>
+          </p:cNvSpPr>
+          <p:nvPr>
+            <p:ph type="dt" sz="half" idx="10"/>
+          </p:nvPr>
+        </p:nvSpPr>
+        <p:spPr/>
+        <p:txBody>
+          <a:bodyPr/>
+          <a:lstStyle/>
+          <a:p>
+            <a:fld id="{62B3F82D-7961-4B47-8B89-D20C88EB9FA9}" type="datetime1">
+              <a:rPr lang="zh-CN" altLang="en-US" smtClean="0"/>
+              <a:t>2018/5/25</a:t>
+            </a:fld>
+            <a:endParaRPr lang="zh-CN" altLang="en-US"/>
+          </a:p>
+        </p:txBody>
+      </p:sp>
+      <p:sp>
+        <p:nvSpPr>
+          <p:cNvPr id="14" name="灯片编号占位符 13"/>
+          <p:cNvSpPr>
+            <a:spLocks noGrp="1"/>
+          </p:cNvSpPr>
+          <p:nvPr>
+            <p:ph type="sldNum" sz="quarter" idx="12"/>
+          </p:nvPr>
+        </p:nvSpPr>
+        <p:spPr/>
+        <p:txBody>
+          <a:bodyPr/>
+          <a:lstStyle/>
+          <a:p>
+            <a:fld id="{0C913308-F349-4B6D-A68A-DD1791B4A57B}" type="slidenum">
+              <a:rPr lang="zh-CN" altLang="en-US" smtClean="0"/>
+              <a:t>10</a:t>
+            </a:fld>
+            <a:endParaRPr lang="zh-CN" altLang="en-US"/>
+          </a:p>
+        </p:txBody>
+      </p:sp>
+      <p:sp>
+        <p:nvSpPr>
+          <p:cNvPr id="15" name="页脚占位符 14"/>
+          <p:cNvSpPr>
+            <a:spLocks noGrp="1"/>
+          </p:cNvSpPr>
+          <p:nvPr>
+            <p:ph type="ftr" sz="quarter" idx="11"/>
+          </p:nvPr>
+        </p:nvSpPr>
+        <p:spPr/>
+        <p:txBody>
+          <a:bodyPr/>
+          <a:lstStyle/>
+          <a:p>
+            <a:r>
+              <a:rPr lang="zh-CN" altLang="en-US" smtClean="0"/>
+              <a:t>干货公会会员前端草图</a:t>
+            </a:r>
+            <a:endParaRPr lang="zh-CN" altLang="en-US"/>
+          </a:p>
+        </p:txBody>
+      </p:sp>
+    </p:spTree>
+    <p:extLst>
+      <p:ext uri="{BB962C8B-B14F-4D97-AF65-F5344CB8AC3E}">
+        <p14:creationId xmlns:p14="http://schemas.microsoft.com/office/powerpoint/2010/main" val="1590304202"/>
+      </p:ext>
+    </p:extLst>
+  </p:cSld>
+  <p:clrMapOvr>
+    <a:masterClrMapping/>
+  </p:clrMapOvr>
+  <p:timing>
+    <p:tnLst>
+      <p:par>
+        <p:cTn id="1" dur="indefinite" restart="never" nodeType="tmRoot"/>
+      </p:par>
+    </p:tnLst>
+  </p:timing>
+</p:sld>
+</file>
+
+<file path=ppt/slides/slide11.xml><?xml version="1.0" encoding="utf-8"?>
+<p:sld xmlns:a="http://schemas.openxmlformats.org/drawingml/2006/main" xmlns:r="http://schemas.openxmlformats.org/officeDocument/2006/relationships" xmlns:p="http://schemas.openxmlformats.org/presentationml/2006/main">
+  <p:cSld>
+    <p:spTree>
+      <p:nvGrpSpPr>
+        <p:cNvPr id="1" name=""/>
+        <p:cNvGrpSpPr/>
+        <p:nvPr/>
+      </p:nvGrpSpPr>
+      <p:grpSpPr>
+        <a:xfrm>
+          <a:off x="0" y="0"/>
+          <a:ext cx="0" cy="0"/>
+          <a:chOff x="0" y="0"/>
+          <a:chExt cx="0" cy="0"/>
+        </a:xfrm>
+      </p:grpSpPr>
+      <p:sp>
+        <p:nvSpPr>
           <p:cNvPr id="4" name="日期占位符 3"/>
           <p:cNvSpPr>
             <a:spLocks noGrp="1"/>
@@ -4916,7 +6696,7 @@
           <a:p>
             <a:fld id="{0C913308-F349-4B6D-A68A-DD1791B4A57B}" type="slidenum">
               <a:rPr lang="zh-CN" altLang="en-US" smtClean="0"/>
-              <a:t>10</a:t>
+              <a:t>11</a:t>
             </a:fld>
             <a:endParaRPr lang="zh-CN" altLang="en-US"/>
           </a:p>
@@ -5497,7 +7277,7 @@
 </p:sld>
 </file>
 
-<file path=ppt/slides/slide11.xml><?xml version="1.0" encoding="utf-8"?>
+<file path=ppt/slides/slide12.xml><?xml version="1.0" encoding="utf-8"?>
 <p:sld xmlns:a="http://schemas.openxmlformats.org/drawingml/2006/main" xmlns:r="http://schemas.openxmlformats.org/officeDocument/2006/relationships" xmlns:p="http://schemas.openxmlformats.org/presentationml/2006/main">
   <p:cSld>
     <p:spTree>
@@ -5577,7 +7357,7 @@
           <a:p>
             <a:fld id="{0C913308-F349-4B6D-A68A-DD1791B4A57B}" type="slidenum">
               <a:rPr lang="zh-CN" altLang="en-US" smtClean="0"/>
-              <a:t>11</a:t>
+              <a:t>12</a:t>
             </a:fld>
             <a:endParaRPr lang="zh-CN" altLang="en-US"/>
           </a:p>
@@ -7060,7 +8840,7 @@
 </p:sld>
 </file>
 
-<file path=ppt/slides/slide12.xml><?xml version="1.0" encoding="utf-8"?>
+<file path=ppt/slides/slide13.xml><?xml version="1.0" encoding="utf-8"?>
 <p:sld xmlns:a="http://schemas.openxmlformats.org/drawingml/2006/main" xmlns:r="http://schemas.openxmlformats.org/officeDocument/2006/relationships" xmlns:p="http://schemas.openxmlformats.org/presentationml/2006/main">
   <p:cSld>
     <p:spTree>
@@ -7120,18 +8900,15 @@
                   </a:schemeClr>
                 </a:solidFill>
               </a:rPr>
-              <a:t>成绩管理</a:t>
-            </a:r>
-            <a:r>
-              <a:rPr lang="zh-CN" altLang="en-US" dirty="0">
-                <a:solidFill>
-                  <a:schemeClr val="accent5">
-                    <a:lumMod val="50000"/>
-                  </a:schemeClr>
-                </a:solidFill>
-              </a:rPr>
-              <a:t>前端</a:t>
-            </a:r>
+              <a:t>每日涨停成绩表</a:t>
+            </a:r>
+            <a:endParaRPr lang="zh-CN" altLang="en-US" dirty="0">
+              <a:solidFill>
+                <a:schemeClr val="accent5">
+                  <a:lumMod val="50000"/>
+                </a:schemeClr>
+              </a:solidFill>
+            </a:endParaRPr>
           </a:p>
         </p:txBody>
       </p:sp>
@@ -7384,7 +9161,7 @@
         </p:nvSpPr>
         <p:spPr>
           <a:xfrm>
-            <a:off x="2936776" y="5594803"/>
+            <a:off x="3137101" y="354161"/>
             <a:ext cx="3309439" cy="369332"/>
           </a:xfrm>
           <a:prstGeom prst="rect">
@@ -7447,7 +9224,7 @@
           <a:p>
             <a:fld id="{0C913308-F349-4B6D-A68A-DD1791B4A57B}" type="slidenum">
               <a:rPr lang="zh-CN" altLang="en-US" smtClean="0"/>
-              <a:t>12</a:t>
+              <a:t>13</a:t>
             </a:fld>
             <a:endParaRPr lang="zh-CN" altLang="en-US"/>
           </a:p>
@@ -8204,7 +9981,7 @@
 </p:sld>
 </file>
 
-<file path=ppt/slides/slide13.xml><?xml version="1.0" encoding="utf-8"?>
+<file path=ppt/slides/slide14.xml><?xml version="1.0" encoding="utf-8"?>
 <p:sld xmlns:a="http://schemas.openxmlformats.org/drawingml/2006/main" xmlns:r="http://schemas.openxmlformats.org/officeDocument/2006/relationships" xmlns:p="http://schemas.openxmlformats.org/presentationml/2006/main">
   <p:cSld>
     <p:spTree>
@@ -8716,7 +10493,7 @@
           <a:p>
             <a:fld id="{0C913308-F349-4B6D-A68A-DD1791B4A57B}" type="slidenum">
               <a:rPr lang="zh-CN" altLang="en-US" smtClean="0"/>
-              <a:t>13</a:t>
+              <a:t>14</a:t>
             </a:fld>
             <a:endParaRPr lang="zh-CN" altLang="en-US"/>
           </a:p>
@@ -8765,7 +10542,7 @@
 </p:sld>
 </file>
 
-<file path=ppt/slides/slide14.xml><?xml version="1.0" encoding="utf-8"?>
+<file path=ppt/slides/slide15.xml><?xml version="1.0" encoding="utf-8"?>
 <p:sld xmlns:a="http://schemas.openxmlformats.org/drawingml/2006/main" xmlns:r="http://schemas.openxmlformats.org/officeDocument/2006/relationships" xmlns:p="http://schemas.openxmlformats.org/presentationml/2006/main">
   <p:cSld>
     <p:spTree>
@@ -12293,7 +14070,7 @@
           <a:p>
             <a:fld id="{0C913308-F349-4B6D-A68A-DD1791B4A57B}" type="slidenum">
               <a:rPr lang="zh-CN" altLang="en-US" smtClean="0"/>
-              <a:t>14</a:t>
+              <a:t>15</a:t>
             </a:fld>
             <a:endParaRPr lang="zh-CN" altLang="en-US" dirty="0"/>
           </a:p>
@@ -12342,7 +14119,7 @@
 </p:sld>
 </file>
 
-<file path=ppt/slides/slide15.xml><?xml version="1.0" encoding="utf-8"?>
+<file path=ppt/slides/slide16.xml><?xml version="1.0" encoding="utf-8"?>
 <p:sld xmlns:a="http://schemas.openxmlformats.org/drawingml/2006/main" xmlns:r="http://schemas.openxmlformats.org/officeDocument/2006/relationships" xmlns:p="http://schemas.openxmlformats.org/presentationml/2006/main">
   <p:cSld>
     <p:spTree>
@@ -13141,7 +14918,7 @@
           <a:p>
             <a:fld id="{0C913308-F349-4B6D-A68A-DD1791B4A57B}" type="slidenum">
               <a:rPr lang="zh-CN" altLang="en-US" smtClean="0"/>
-              <a:t>15</a:t>
+              <a:t>16</a:t>
             </a:fld>
             <a:endParaRPr lang="zh-CN" altLang="en-US"/>
           </a:p>
@@ -13190,7 +14967,7 @@
 </p:sld>
 </file>
 
-<file path=ppt/slides/slide16.xml><?xml version="1.0" encoding="utf-8"?>
+<file path=ppt/slides/slide17.xml><?xml version="1.0" encoding="utf-8"?>
 <p:sld xmlns:a="http://schemas.openxmlformats.org/drawingml/2006/main" xmlns:r="http://schemas.openxmlformats.org/officeDocument/2006/relationships" xmlns:p="http://schemas.openxmlformats.org/presentationml/2006/main">
   <p:cSld>
     <p:spTree>
@@ -14093,7 +15870,7 @@
           <a:p>
             <a:fld id="{0C913308-F349-4B6D-A68A-DD1791B4A57B}" type="slidenum">
               <a:rPr lang="zh-CN" altLang="en-US" smtClean="0"/>
-              <a:t>16</a:t>
+              <a:t>17</a:t>
             </a:fld>
             <a:endParaRPr lang="zh-CN" altLang="en-US"/>
           </a:p>
@@ -14142,7 +15919,7 @@
 </p:sld>
 </file>
 
-<file path=ppt/slides/slide17.xml><?xml version="1.0" encoding="utf-8"?>
+<file path=ppt/slides/slide18.xml><?xml version="1.0" encoding="utf-8"?>
 <p:sld xmlns:a="http://schemas.openxmlformats.org/drawingml/2006/main" xmlns:r="http://schemas.openxmlformats.org/officeDocument/2006/relationships" xmlns:p="http://schemas.openxmlformats.org/presentationml/2006/main">
   <p:cSld>
     <p:spTree>
@@ -15076,7 +16853,7 @@
           <a:p>
             <a:fld id="{0C913308-F349-4B6D-A68A-DD1791B4A57B}" type="slidenum">
               <a:rPr lang="zh-CN" altLang="en-US" smtClean="0"/>
-              <a:t>17</a:t>
+              <a:t>18</a:t>
             </a:fld>
             <a:endParaRPr lang="zh-CN" altLang="en-US"/>
           </a:p>
@@ -15125,7 +16902,7 @@
 </p:sld>
 </file>
 
-<file path=ppt/slides/slide18.xml><?xml version="1.0" encoding="utf-8"?>
+<file path=ppt/slides/slide19.xml><?xml version="1.0" encoding="utf-8"?>
 <p:sld xmlns:a="http://schemas.openxmlformats.org/drawingml/2006/main" xmlns:r="http://schemas.openxmlformats.org/officeDocument/2006/relationships" xmlns:p="http://schemas.openxmlformats.org/presentationml/2006/main">
   <p:cSld>
     <p:spTree>
@@ -15999,7 +17776,7 @@
           <a:p>
             <a:fld id="{0C913308-F349-4B6D-A68A-DD1791B4A57B}" type="slidenum">
               <a:rPr lang="zh-CN" altLang="en-US" smtClean="0"/>
-              <a:t>18</a:t>
+              <a:t>19</a:t>
             </a:fld>
             <a:endParaRPr lang="zh-CN" altLang="en-US"/>
           </a:p>
@@ -16048,7 +17825,816 @@
 </p:sld>
 </file>
 
-<file path=ppt/slides/slide19.xml><?xml version="1.0" encoding="utf-8"?>
+<file path=ppt/slides/slide2.xml><?xml version="1.0" encoding="utf-8"?>
+<p:sld xmlns:a="http://schemas.openxmlformats.org/drawingml/2006/main" xmlns:r="http://schemas.openxmlformats.org/officeDocument/2006/relationships" xmlns:p="http://schemas.openxmlformats.org/presentationml/2006/main">
+  <p:cSld>
+    <p:spTree>
+      <p:nvGrpSpPr>
+        <p:cNvPr id="1" name=""/>
+        <p:cNvGrpSpPr/>
+        <p:nvPr/>
+      </p:nvGrpSpPr>
+      <p:grpSpPr>
+        <a:xfrm>
+          <a:off x="0" y="0"/>
+          <a:ext cx="0" cy="0"/>
+          <a:chOff x="0" y="0"/>
+          <a:chExt cx="0" cy="0"/>
+        </a:xfrm>
+      </p:grpSpPr>
+      <p:sp>
+        <p:nvSpPr>
+          <p:cNvPr id="4" name="矩形 3"/>
+          <p:cNvSpPr/>
+          <p:nvPr/>
+        </p:nvSpPr>
+        <p:spPr>
+          <a:xfrm>
+            <a:off x="704528" y="531168"/>
+            <a:ext cx="3672408" cy="4824537"/>
+          </a:xfrm>
+          <a:prstGeom prst="rect">
+            <a:avLst/>
+          </a:prstGeom>
+          <a:solidFill>
+            <a:schemeClr val="accent5">
+              <a:lumMod val="20000"/>
+              <a:lumOff val="80000"/>
+            </a:schemeClr>
+          </a:solidFill>
+          <a:ln>
+            <a:solidFill>
+              <a:schemeClr val="tx1">
+                <a:lumMod val="65000"/>
+                <a:lumOff val="35000"/>
+              </a:schemeClr>
+            </a:solidFill>
+          </a:ln>
+        </p:spPr>
+        <p:style>
+          <a:lnRef idx="2">
+            <a:schemeClr val="accent1">
+              <a:shade val="50000"/>
+            </a:schemeClr>
+          </a:lnRef>
+          <a:fillRef idx="1">
+            <a:schemeClr val="accent1"/>
+          </a:fillRef>
+          <a:effectRef idx="0">
+            <a:schemeClr val="accent1"/>
+          </a:effectRef>
+          <a:fontRef idx="minor">
+            <a:schemeClr val="lt1"/>
+          </a:fontRef>
+        </p:style>
+        <p:txBody>
+          <a:bodyPr rtlCol="0" anchor="ctr"/>
+          <a:lstStyle/>
+          <a:p>
+            <a:pPr algn="ctr"/>
+            <a:endParaRPr lang="zh-CN" altLang="en-US"/>
+          </a:p>
+        </p:txBody>
+      </p:sp>
+      <p:sp>
+        <p:nvSpPr>
+          <p:cNvPr id="6" name="矩形 5"/>
+          <p:cNvSpPr/>
+          <p:nvPr/>
+        </p:nvSpPr>
+        <p:spPr>
+          <a:xfrm>
+            <a:off x="2072678" y="1539281"/>
+            <a:ext cx="1800201" cy="400690"/>
+          </a:xfrm>
+          <a:prstGeom prst="rect">
+            <a:avLst/>
+          </a:prstGeom>
+          <a:solidFill>
+            <a:schemeClr val="accent5">
+              <a:lumMod val="40000"/>
+              <a:lumOff val="60000"/>
+            </a:schemeClr>
+          </a:solidFill>
+        </p:spPr>
+        <p:style>
+          <a:lnRef idx="2">
+            <a:schemeClr val="accent1">
+              <a:shade val="50000"/>
+            </a:schemeClr>
+          </a:lnRef>
+          <a:fillRef idx="1">
+            <a:schemeClr val="accent1"/>
+          </a:fillRef>
+          <a:effectRef idx="0">
+            <a:schemeClr val="accent1"/>
+          </a:effectRef>
+          <a:fontRef idx="minor">
+            <a:schemeClr val="lt1"/>
+          </a:fontRef>
+        </p:style>
+        <p:txBody>
+          <a:bodyPr rtlCol="0" anchor="ctr"/>
+          <a:lstStyle/>
+          <a:p>
+            <a:pPr algn="ctr"/>
+            <a:r>
+              <a:rPr lang="zh-CN" altLang="en-US" sz="1100" dirty="0" smtClean="0">
+                <a:solidFill>
+                  <a:schemeClr val="tx1"/>
+                </a:solidFill>
+                <a:latin typeface="+mn-ea"/>
+              </a:rPr>
+              <a:t>注册</a:t>
+            </a:r>
+            <a:r>
+              <a:rPr lang="en-US" altLang="zh-CN" sz="1100" dirty="0" smtClean="0">
+                <a:solidFill>
+                  <a:schemeClr val="tx1"/>
+                </a:solidFill>
+                <a:latin typeface="+mn-ea"/>
+              </a:rPr>
+              <a:t>ID</a:t>
+            </a:r>
+            <a:r>
+              <a:rPr lang="zh-CN" altLang="en-US" sz="1100" dirty="0" smtClean="0">
+                <a:solidFill>
+                  <a:schemeClr val="tx1"/>
+                </a:solidFill>
+                <a:latin typeface="+mn-ea"/>
+              </a:rPr>
+              <a:t>随机生成</a:t>
+            </a:r>
+            <a:endParaRPr lang="zh-CN" altLang="en-US" sz="1100" dirty="0">
+              <a:solidFill>
+                <a:schemeClr val="tx1"/>
+              </a:solidFill>
+              <a:latin typeface="+mn-ea"/>
+            </a:endParaRPr>
+          </a:p>
+        </p:txBody>
+      </p:sp>
+      <p:sp>
+        <p:nvSpPr>
+          <p:cNvPr id="7" name="矩形 6"/>
+          <p:cNvSpPr/>
+          <p:nvPr/>
+        </p:nvSpPr>
+        <p:spPr>
+          <a:xfrm>
+            <a:off x="2080617" y="2043129"/>
+            <a:ext cx="1789755" cy="400690"/>
+          </a:xfrm>
+          <a:prstGeom prst="rect">
+            <a:avLst/>
+          </a:prstGeom>
+          <a:solidFill>
+            <a:schemeClr val="accent5">
+              <a:lumMod val="40000"/>
+              <a:lumOff val="60000"/>
+            </a:schemeClr>
+          </a:solidFill>
+        </p:spPr>
+        <p:style>
+          <a:lnRef idx="2">
+            <a:schemeClr val="accent1">
+              <a:shade val="50000"/>
+            </a:schemeClr>
+          </a:lnRef>
+          <a:fillRef idx="1">
+            <a:schemeClr val="accent1"/>
+          </a:fillRef>
+          <a:effectRef idx="0">
+            <a:schemeClr val="accent1"/>
+          </a:effectRef>
+          <a:fontRef idx="minor">
+            <a:schemeClr val="lt1"/>
+          </a:fontRef>
+        </p:style>
+        <p:txBody>
+          <a:bodyPr rtlCol="0" anchor="ctr"/>
+          <a:lstStyle/>
+          <a:p>
+            <a:pPr algn="ctr"/>
+            <a:r>
+              <a:rPr lang="en-US" altLang="zh-CN" sz="1100" dirty="0" smtClean="0">
+                <a:solidFill>
+                  <a:schemeClr val="tx1"/>
+                </a:solidFill>
+              </a:rPr>
+              <a:t>KEY</a:t>
+            </a:r>
+            <a:endParaRPr lang="zh-CN" altLang="en-US" sz="1100" dirty="0">
+              <a:solidFill>
+                <a:schemeClr val="tx1"/>
+              </a:solidFill>
+            </a:endParaRPr>
+          </a:p>
+        </p:txBody>
+      </p:sp>
+      <p:sp>
+        <p:nvSpPr>
+          <p:cNvPr id="8" name="TextBox 7"/>
+          <p:cNvSpPr txBox="1"/>
+          <p:nvPr/>
+        </p:nvSpPr>
+        <p:spPr>
+          <a:xfrm>
+            <a:off x="1352599" y="3915545"/>
+            <a:ext cx="2517773" cy="369332"/>
+          </a:xfrm>
+          <a:prstGeom prst="rect">
+            <a:avLst/>
+          </a:prstGeom>
+          <a:solidFill>
+            <a:schemeClr val="accent5">
+              <a:lumMod val="40000"/>
+              <a:lumOff val="60000"/>
+            </a:schemeClr>
+          </a:solidFill>
+          <a:ln>
+            <a:solidFill>
+              <a:schemeClr val="accent1">
+                <a:lumMod val="75000"/>
+              </a:schemeClr>
+            </a:solidFill>
+          </a:ln>
+        </p:spPr>
+        <p:txBody>
+          <a:bodyPr wrap="square" rtlCol="0">
+            <a:spAutoFit/>
+          </a:bodyPr>
+          <a:lstStyle/>
+          <a:p>
+            <a:pPr algn="ctr"/>
+            <a:r>
+              <a:rPr lang="zh-CN" altLang="en-US" dirty="0" smtClean="0"/>
+              <a:t>确认，下一步</a:t>
+            </a:r>
+            <a:endParaRPr lang="zh-CN" altLang="en-US" dirty="0"/>
+          </a:p>
+        </p:txBody>
+      </p:sp>
+      <p:sp>
+        <p:nvSpPr>
+          <p:cNvPr id="9" name="TextBox 8"/>
+          <p:cNvSpPr txBox="1"/>
+          <p:nvPr/>
+        </p:nvSpPr>
+        <p:spPr>
+          <a:xfrm>
+            <a:off x="848543" y="1641033"/>
+            <a:ext cx="1008111" cy="276999"/>
+          </a:xfrm>
+          <a:prstGeom prst="rect">
+            <a:avLst/>
+          </a:prstGeom>
+          <a:noFill/>
+        </p:spPr>
+        <p:txBody>
+          <a:bodyPr wrap="square" rtlCol="0">
+            <a:spAutoFit/>
+          </a:bodyPr>
+          <a:lstStyle/>
+          <a:p>
+            <a:pPr algn="ctr"/>
+            <a:r>
+              <a:rPr lang="zh-CN" altLang="en-US" sz="1200" dirty="0" smtClean="0"/>
+              <a:t>干货公会</a:t>
+            </a:r>
+            <a:r>
+              <a:rPr lang="en-US" altLang="zh-CN" sz="1200" dirty="0" smtClean="0"/>
+              <a:t>ID</a:t>
+            </a:r>
+            <a:endParaRPr lang="zh-CN" altLang="en-US" sz="1200" dirty="0"/>
+          </a:p>
+        </p:txBody>
+      </p:sp>
+      <p:sp>
+        <p:nvSpPr>
+          <p:cNvPr id="10" name="TextBox 9"/>
+          <p:cNvSpPr txBox="1"/>
+          <p:nvPr/>
+        </p:nvSpPr>
+        <p:spPr>
+          <a:xfrm>
+            <a:off x="1245903" y="2206979"/>
+            <a:ext cx="792088" cy="246221"/>
+          </a:xfrm>
+          <a:prstGeom prst="rect">
+            <a:avLst/>
+          </a:prstGeom>
+          <a:noFill/>
+        </p:spPr>
+        <p:txBody>
+          <a:bodyPr wrap="square" rtlCol="0">
+            <a:spAutoFit/>
+          </a:bodyPr>
+          <a:lstStyle/>
+          <a:p>
+            <a:pPr algn="ctr"/>
+            <a:r>
+              <a:rPr lang="zh-CN" altLang="en-US" sz="1000" dirty="0" smtClean="0"/>
+              <a:t>设置密码</a:t>
+            </a:r>
+            <a:endParaRPr lang="zh-CN" altLang="en-US" sz="1000" dirty="0"/>
+          </a:p>
+        </p:txBody>
+      </p:sp>
+      <p:sp>
+        <p:nvSpPr>
+          <p:cNvPr id="11" name="TextBox 10"/>
+          <p:cNvSpPr txBox="1"/>
+          <p:nvPr/>
+        </p:nvSpPr>
+        <p:spPr>
+          <a:xfrm>
+            <a:off x="1225460" y="2622433"/>
+            <a:ext cx="792088" cy="246221"/>
+          </a:xfrm>
+          <a:prstGeom prst="rect">
+            <a:avLst/>
+          </a:prstGeom>
+          <a:noFill/>
+        </p:spPr>
+        <p:txBody>
+          <a:bodyPr wrap="square" rtlCol="0">
+            <a:spAutoFit/>
+          </a:bodyPr>
+          <a:lstStyle/>
+          <a:p>
+            <a:pPr algn="ctr"/>
+            <a:r>
+              <a:rPr lang="zh-CN" altLang="en-US" sz="1000" dirty="0"/>
+              <a:t>确认</a:t>
+            </a:r>
+            <a:r>
+              <a:rPr lang="zh-CN" altLang="en-US" sz="1000" dirty="0" smtClean="0"/>
+              <a:t>密码</a:t>
+            </a:r>
+            <a:endParaRPr lang="zh-CN" altLang="en-US" sz="1000" dirty="0"/>
+          </a:p>
+        </p:txBody>
+      </p:sp>
+      <p:sp>
+        <p:nvSpPr>
+          <p:cNvPr id="12" name="矩形 11"/>
+          <p:cNvSpPr/>
+          <p:nvPr/>
+        </p:nvSpPr>
+        <p:spPr>
+          <a:xfrm>
+            <a:off x="2080618" y="2547393"/>
+            <a:ext cx="1789755" cy="400690"/>
+          </a:xfrm>
+          <a:prstGeom prst="rect">
+            <a:avLst/>
+          </a:prstGeom>
+          <a:solidFill>
+            <a:schemeClr val="accent5">
+              <a:lumMod val="40000"/>
+              <a:lumOff val="60000"/>
+            </a:schemeClr>
+          </a:solidFill>
+        </p:spPr>
+        <p:style>
+          <a:lnRef idx="2">
+            <a:schemeClr val="accent1">
+              <a:shade val="50000"/>
+            </a:schemeClr>
+          </a:lnRef>
+          <a:fillRef idx="1">
+            <a:schemeClr val="accent1"/>
+          </a:fillRef>
+          <a:effectRef idx="0">
+            <a:schemeClr val="accent1"/>
+          </a:effectRef>
+          <a:fontRef idx="minor">
+            <a:schemeClr val="lt1"/>
+          </a:fontRef>
+        </p:style>
+        <p:txBody>
+          <a:bodyPr rtlCol="0" anchor="ctr"/>
+          <a:lstStyle/>
+          <a:p>
+            <a:pPr algn="ctr"/>
+            <a:r>
+              <a:rPr lang="en-US" altLang="zh-CN" sz="1100" dirty="0" smtClean="0">
+                <a:solidFill>
+                  <a:schemeClr val="tx1"/>
+                </a:solidFill>
+              </a:rPr>
+              <a:t>KEY</a:t>
+            </a:r>
+            <a:endParaRPr lang="zh-CN" altLang="en-US" sz="1100" dirty="0">
+              <a:solidFill>
+                <a:schemeClr val="tx1"/>
+              </a:solidFill>
+            </a:endParaRPr>
+          </a:p>
+        </p:txBody>
+      </p:sp>
+      <p:sp>
+        <p:nvSpPr>
+          <p:cNvPr id="13" name="TextBox 12"/>
+          <p:cNvSpPr txBox="1"/>
+          <p:nvPr/>
+        </p:nvSpPr>
+        <p:spPr>
+          <a:xfrm>
+            <a:off x="1236258" y="3069942"/>
+            <a:ext cx="792088" cy="246221"/>
+          </a:xfrm>
+          <a:prstGeom prst="rect">
+            <a:avLst/>
+          </a:prstGeom>
+          <a:noFill/>
+        </p:spPr>
+        <p:txBody>
+          <a:bodyPr wrap="square" rtlCol="0">
+            <a:spAutoFit/>
+          </a:bodyPr>
+          <a:lstStyle/>
+          <a:p>
+            <a:pPr algn="ctr"/>
+            <a:r>
+              <a:rPr lang="zh-CN" altLang="en-US" sz="1000" dirty="0" smtClean="0"/>
+              <a:t>手机号</a:t>
+            </a:r>
+            <a:endParaRPr lang="zh-CN" altLang="en-US" sz="1000" dirty="0"/>
+          </a:p>
+        </p:txBody>
+      </p:sp>
+      <p:sp>
+        <p:nvSpPr>
+          <p:cNvPr id="14" name="矩形 13"/>
+          <p:cNvSpPr/>
+          <p:nvPr/>
+        </p:nvSpPr>
+        <p:spPr>
+          <a:xfrm>
+            <a:off x="2091416" y="3010799"/>
+            <a:ext cx="1789755" cy="400690"/>
+          </a:xfrm>
+          <a:prstGeom prst="rect">
+            <a:avLst/>
+          </a:prstGeom>
+          <a:solidFill>
+            <a:schemeClr val="accent5">
+              <a:lumMod val="40000"/>
+              <a:lumOff val="60000"/>
+            </a:schemeClr>
+          </a:solidFill>
+        </p:spPr>
+        <p:style>
+          <a:lnRef idx="2">
+            <a:schemeClr val="accent1">
+              <a:shade val="50000"/>
+            </a:schemeClr>
+          </a:lnRef>
+          <a:fillRef idx="1">
+            <a:schemeClr val="accent1"/>
+          </a:fillRef>
+          <a:effectRef idx="0">
+            <a:schemeClr val="accent1"/>
+          </a:effectRef>
+          <a:fontRef idx="minor">
+            <a:schemeClr val="lt1"/>
+          </a:fontRef>
+        </p:style>
+        <p:txBody>
+          <a:bodyPr rtlCol="0" anchor="ctr"/>
+          <a:lstStyle/>
+          <a:p>
+            <a:pPr algn="ctr"/>
+            <a:r>
+              <a:rPr lang="zh-CN" altLang="en-US" sz="1100" dirty="0" smtClean="0">
+                <a:solidFill>
+                  <a:schemeClr val="tx1"/>
+                </a:solidFill>
+              </a:rPr>
+              <a:t>找回密码专用</a:t>
+            </a:r>
+            <a:endParaRPr lang="zh-CN" altLang="en-US" sz="1100" dirty="0">
+              <a:solidFill>
+                <a:schemeClr val="tx1"/>
+              </a:solidFill>
+            </a:endParaRPr>
+          </a:p>
+        </p:txBody>
+      </p:sp>
+      <p:sp>
+        <p:nvSpPr>
+          <p:cNvPr id="15" name="矩形 14"/>
+          <p:cNvSpPr/>
+          <p:nvPr/>
+        </p:nvSpPr>
+        <p:spPr>
+          <a:xfrm>
+            <a:off x="2072677" y="1035225"/>
+            <a:ext cx="1800201" cy="400690"/>
+          </a:xfrm>
+          <a:prstGeom prst="rect">
+            <a:avLst/>
+          </a:prstGeom>
+          <a:solidFill>
+            <a:schemeClr val="accent5">
+              <a:lumMod val="40000"/>
+              <a:lumOff val="60000"/>
+            </a:schemeClr>
+          </a:solidFill>
+        </p:spPr>
+        <p:style>
+          <a:lnRef idx="2">
+            <a:schemeClr val="accent1">
+              <a:shade val="50000"/>
+            </a:schemeClr>
+          </a:lnRef>
+          <a:fillRef idx="1">
+            <a:schemeClr val="accent1"/>
+          </a:fillRef>
+          <a:effectRef idx="0">
+            <a:schemeClr val="accent1"/>
+          </a:effectRef>
+          <a:fontRef idx="minor">
+            <a:schemeClr val="lt1"/>
+          </a:fontRef>
+        </p:style>
+        <p:txBody>
+          <a:bodyPr rtlCol="0" anchor="ctr"/>
+          <a:lstStyle/>
+          <a:p>
+            <a:pPr algn="ctr"/>
+            <a:r>
+              <a:rPr lang="zh-CN" altLang="en-US" sz="1100" dirty="0" smtClean="0">
+                <a:solidFill>
+                  <a:schemeClr val="tx1"/>
+                </a:solidFill>
+                <a:latin typeface="+mn-ea"/>
+              </a:rPr>
+              <a:t>用户自定义，排除重复名</a:t>
+            </a:r>
+            <a:endParaRPr lang="zh-CN" altLang="en-US" sz="1100" dirty="0">
+              <a:solidFill>
+                <a:schemeClr val="tx1"/>
+              </a:solidFill>
+              <a:latin typeface="+mn-ea"/>
+            </a:endParaRPr>
+          </a:p>
+        </p:txBody>
+      </p:sp>
+      <p:sp>
+        <p:nvSpPr>
+          <p:cNvPr id="16" name="TextBox 15"/>
+          <p:cNvSpPr txBox="1"/>
+          <p:nvPr/>
+        </p:nvSpPr>
+        <p:spPr>
+          <a:xfrm>
+            <a:off x="1236258" y="1251249"/>
+            <a:ext cx="692405" cy="276999"/>
+          </a:xfrm>
+          <a:prstGeom prst="rect">
+            <a:avLst/>
+          </a:prstGeom>
+          <a:noFill/>
+        </p:spPr>
+        <p:txBody>
+          <a:bodyPr wrap="square" rtlCol="0">
+            <a:spAutoFit/>
+          </a:bodyPr>
+          <a:lstStyle/>
+          <a:p>
+            <a:pPr algn="ctr"/>
+            <a:r>
+              <a:rPr lang="zh-CN" altLang="en-US" sz="1200" dirty="0"/>
+              <a:t>用户名</a:t>
+            </a:r>
+          </a:p>
+        </p:txBody>
+      </p:sp>
+      <p:sp>
+        <p:nvSpPr>
+          <p:cNvPr id="2" name="TextBox 1"/>
+          <p:cNvSpPr txBox="1"/>
+          <p:nvPr/>
+        </p:nvSpPr>
+        <p:spPr>
+          <a:xfrm>
+            <a:off x="4188476" y="5859353"/>
+            <a:ext cx="1457037" cy="369332"/>
+          </a:xfrm>
+          <a:prstGeom prst="rect">
+            <a:avLst/>
+          </a:prstGeom>
+          <a:noFill/>
+        </p:spPr>
+        <p:txBody>
+          <a:bodyPr wrap="square" rtlCol="0">
+            <a:spAutoFit/>
+          </a:bodyPr>
+          <a:lstStyle/>
+          <a:p>
+            <a:pPr algn="ctr"/>
+            <a:r>
+              <a:rPr lang="zh-CN" altLang="en-US" dirty="0" smtClean="0"/>
+              <a:t>注册内容页</a:t>
+            </a:r>
+            <a:endParaRPr lang="zh-CN" altLang="en-US" dirty="0"/>
+          </a:p>
+        </p:txBody>
+      </p:sp>
+      <p:sp>
+        <p:nvSpPr>
+          <p:cNvPr id="5" name="日期占位符 4"/>
+          <p:cNvSpPr>
+            <a:spLocks noGrp="1"/>
+          </p:cNvSpPr>
+          <p:nvPr>
+            <p:ph type="dt" sz="half" idx="10"/>
+          </p:nvPr>
+        </p:nvSpPr>
+        <p:spPr/>
+        <p:txBody>
+          <a:bodyPr/>
+          <a:lstStyle/>
+          <a:p>
+            <a:fld id="{7FEBB546-136E-4CDA-B07B-CC0E16320D8B}" type="datetime1">
+              <a:rPr lang="zh-CN" altLang="en-US" smtClean="0"/>
+              <a:t>2018/5/25</a:t>
+            </a:fld>
+            <a:endParaRPr lang="zh-CN" altLang="en-US"/>
+          </a:p>
+        </p:txBody>
+      </p:sp>
+      <p:sp>
+        <p:nvSpPr>
+          <p:cNvPr id="17" name="灯片编号占位符 16"/>
+          <p:cNvSpPr>
+            <a:spLocks noGrp="1"/>
+          </p:cNvSpPr>
+          <p:nvPr>
+            <p:ph type="sldNum" sz="quarter" idx="12"/>
+          </p:nvPr>
+        </p:nvSpPr>
+        <p:spPr/>
+        <p:txBody>
+          <a:bodyPr/>
+          <a:lstStyle/>
+          <a:p>
+            <a:fld id="{0C913308-F349-4B6D-A68A-DD1791B4A57B}" type="slidenum">
+              <a:rPr lang="zh-CN" altLang="en-US" smtClean="0"/>
+              <a:t>2</a:t>
+            </a:fld>
+            <a:endParaRPr lang="zh-CN" altLang="en-US"/>
+          </a:p>
+        </p:txBody>
+      </p:sp>
+      <p:sp>
+        <p:nvSpPr>
+          <p:cNvPr id="18" name="页脚占位符 17"/>
+          <p:cNvSpPr>
+            <a:spLocks noGrp="1"/>
+          </p:cNvSpPr>
+          <p:nvPr>
+            <p:ph type="ftr" sz="quarter" idx="11"/>
+          </p:nvPr>
+        </p:nvSpPr>
+        <p:spPr/>
+        <p:txBody>
+          <a:bodyPr/>
+          <a:lstStyle/>
+          <a:p>
+            <a:r>
+              <a:rPr lang="zh-CN" altLang="en-US" smtClean="0"/>
+              <a:t>干货公会会员前端草图</a:t>
+            </a:r>
+            <a:endParaRPr lang="zh-CN" altLang="en-US"/>
+          </a:p>
+        </p:txBody>
+      </p:sp>
+      <p:sp>
+        <p:nvSpPr>
+          <p:cNvPr id="3" name="TextBox 2"/>
+          <p:cNvSpPr txBox="1"/>
+          <p:nvPr/>
+        </p:nvSpPr>
+        <p:spPr>
+          <a:xfrm>
+            <a:off x="5529064" y="764704"/>
+            <a:ext cx="3600400" cy="1600438"/>
+          </a:xfrm>
+          <a:prstGeom prst="rect">
+            <a:avLst/>
+          </a:prstGeom>
+          <a:noFill/>
+        </p:spPr>
+        <p:txBody>
+          <a:bodyPr wrap="square" rtlCol="0">
+            <a:spAutoFit/>
+          </a:bodyPr>
+          <a:lstStyle/>
+          <a:p>
+            <a:r>
+              <a:rPr lang="en-US" altLang="zh-CN" sz="1400" dirty="0" smtClean="0"/>
+              <a:t>1</a:t>
+            </a:r>
+            <a:r>
+              <a:rPr lang="zh-CN" altLang="en-US" sz="1400" dirty="0" smtClean="0"/>
+              <a:t>、用户名：用户自家义设置，不可重复</a:t>
+            </a:r>
+            <a:endParaRPr lang="en-US" altLang="zh-CN" sz="1400" dirty="0" smtClean="0"/>
+          </a:p>
+          <a:p>
+            <a:r>
+              <a:rPr lang="en-US" altLang="zh-CN" sz="1400" dirty="0" smtClean="0"/>
+              <a:t>2</a:t>
+            </a:r>
+            <a:r>
+              <a:rPr lang="zh-CN" altLang="en-US" sz="1400" dirty="0" smtClean="0"/>
+              <a:t>、</a:t>
+            </a:r>
+            <a:r>
+              <a:rPr lang="en-US" altLang="zh-CN" sz="1400" dirty="0" smtClean="0"/>
+              <a:t>ID:</a:t>
+            </a:r>
+            <a:r>
+              <a:rPr lang="zh-CN" altLang="en-US" sz="1400" dirty="0" smtClean="0"/>
+              <a:t>为系统自动生成，</a:t>
+            </a:r>
+            <a:r>
+              <a:rPr lang="en-US" altLang="zh-CN" sz="1400" dirty="0" smtClean="0"/>
+              <a:t>ID</a:t>
+            </a:r>
+            <a:r>
+              <a:rPr lang="zh-CN" altLang="en-US" sz="1400" dirty="0" smtClean="0"/>
+              <a:t>不可重复。用户不能更改</a:t>
+            </a:r>
+            <a:endParaRPr lang="en-US" altLang="zh-CN" sz="1400" dirty="0" smtClean="0"/>
+          </a:p>
+          <a:p>
+            <a:r>
+              <a:rPr lang="en-US" altLang="zh-CN" sz="1400" dirty="0" smtClean="0"/>
+              <a:t>3</a:t>
+            </a:r>
+            <a:r>
+              <a:rPr lang="zh-CN" altLang="en-US" sz="1400" dirty="0" smtClean="0"/>
+              <a:t>、密码：字母数字符号限</a:t>
+            </a:r>
+            <a:r>
+              <a:rPr lang="en-US" altLang="zh-CN" sz="1400" dirty="0" smtClean="0"/>
+              <a:t>16</a:t>
+            </a:r>
+            <a:r>
+              <a:rPr lang="zh-CN" altLang="en-US" sz="1400" dirty="0" smtClean="0"/>
+              <a:t>位字符</a:t>
+            </a:r>
+            <a:endParaRPr lang="en-US" altLang="zh-CN" sz="1400" dirty="0" smtClean="0"/>
+          </a:p>
+          <a:p>
+            <a:r>
+              <a:rPr lang="en-US" altLang="zh-CN" sz="1400" dirty="0" smtClean="0"/>
+              <a:t>4</a:t>
+            </a:r>
+            <a:r>
+              <a:rPr lang="zh-CN" altLang="en-US" sz="1400" dirty="0" smtClean="0"/>
+              <a:t>、手机号：为用户手机号。</a:t>
+            </a:r>
+            <a:endParaRPr lang="en-US" altLang="zh-CN" sz="1400" dirty="0" smtClean="0"/>
+          </a:p>
+          <a:p>
+            <a:endParaRPr lang="en-US" altLang="zh-CN" sz="1400" dirty="0"/>
+          </a:p>
+          <a:p>
+            <a:r>
+              <a:rPr lang="zh-CN" altLang="en-US" sz="1400" dirty="0" smtClean="0"/>
+              <a:t>以上为必填，未填写不可确认提交</a:t>
+            </a:r>
+            <a:endParaRPr lang="zh-CN" altLang="en-US" sz="1400" dirty="0"/>
+          </a:p>
+        </p:txBody>
+      </p:sp>
+    </p:spTree>
+    <p:extLst>
+      <p:ext uri="{BB962C8B-B14F-4D97-AF65-F5344CB8AC3E}">
+        <p14:creationId xmlns:p14="http://schemas.microsoft.com/office/powerpoint/2010/main" val="181041436"/>
+      </p:ext>
+    </p:extLst>
+  </p:cSld>
+  <p:clrMapOvr>
+    <a:masterClrMapping/>
+  </p:clrMapOvr>
+  <p:timing>
+    <p:tnLst>
+      <p:par>
+        <p:cTn id="1" dur="indefinite" restart="never" nodeType="tmRoot"/>
+      </p:par>
+    </p:tnLst>
+  </p:timing>
+</p:sld>
+</file>
+
+<file path=ppt/slides/slide20.xml><?xml version="1.0" encoding="utf-8"?>
 <p:sld xmlns:a="http://schemas.openxmlformats.org/drawingml/2006/main" xmlns:r="http://schemas.openxmlformats.org/officeDocument/2006/relationships" xmlns:p="http://schemas.openxmlformats.org/presentationml/2006/main">
   <p:cSld>
     <p:spTree>
@@ -16608,7 +19194,7 @@
           <a:p>
             <a:fld id="{0C913308-F349-4B6D-A68A-DD1791B4A57B}" type="slidenum">
               <a:rPr lang="zh-CN" altLang="en-US" smtClean="0"/>
-              <a:t>19</a:t>
+              <a:t>20</a:t>
             </a:fld>
             <a:endParaRPr lang="zh-CN" altLang="en-US"/>
           </a:p>
@@ -16657,816 +19243,7 @@
 </p:sld>
 </file>
 
-<file path=ppt/slides/slide2.xml><?xml version="1.0" encoding="utf-8"?>
-<p:sld xmlns:a="http://schemas.openxmlformats.org/drawingml/2006/main" xmlns:r="http://schemas.openxmlformats.org/officeDocument/2006/relationships" xmlns:p="http://schemas.openxmlformats.org/presentationml/2006/main">
-  <p:cSld>
-    <p:spTree>
-      <p:nvGrpSpPr>
-        <p:cNvPr id="1" name=""/>
-        <p:cNvGrpSpPr/>
-        <p:nvPr/>
-      </p:nvGrpSpPr>
-      <p:grpSpPr>
-        <a:xfrm>
-          <a:off x="0" y="0"/>
-          <a:ext cx="0" cy="0"/>
-          <a:chOff x="0" y="0"/>
-          <a:chExt cx="0" cy="0"/>
-        </a:xfrm>
-      </p:grpSpPr>
-      <p:sp>
-        <p:nvSpPr>
-          <p:cNvPr id="4" name="矩形 3"/>
-          <p:cNvSpPr/>
-          <p:nvPr/>
-        </p:nvSpPr>
-        <p:spPr>
-          <a:xfrm>
-            <a:off x="704528" y="531168"/>
-            <a:ext cx="3672408" cy="4824537"/>
-          </a:xfrm>
-          <a:prstGeom prst="rect">
-            <a:avLst/>
-          </a:prstGeom>
-          <a:solidFill>
-            <a:schemeClr val="accent5">
-              <a:lumMod val="20000"/>
-              <a:lumOff val="80000"/>
-            </a:schemeClr>
-          </a:solidFill>
-          <a:ln>
-            <a:solidFill>
-              <a:schemeClr val="tx1">
-                <a:lumMod val="65000"/>
-                <a:lumOff val="35000"/>
-              </a:schemeClr>
-            </a:solidFill>
-          </a:ln>
-        </p:spPr>
-        <p:style>
-          <a:lnRef idx="2">
-            <a:schemeClr val="accent1">
-              <a:shade val="50000"/>
-            </a:schemeClr>
-          </a:lnRef>
-          <a:fillRef idx="1">
-            <a:schemeClr val="accent1"/>
-          </a:fillRef>
-          <a:effectRef idx="0">
-            <a:schemeClr val="accent1"/>
-          </a:effectRef>
-          <a:fontRef idx="minor">
-            <a:schemeClr val="lt1"/>
-          </a:fontRef>
-        </p:style>
-        <p:txBody>
-          <a:bodyPr rtlCol="0" anchor="ctr"/>
-          <a:lstStyle/>
-          <a:p>
-            <a:pPr algn="ctr"/>
-            <a:endParaRPr lang="zh-CN" altLang="en-US"/>
-          </a:p>
-        </p:txBody>
-      </p:sp>
-      <p:sp>
-        <p:nvSpPr>
-          <p:cNvPr id="6" name="矩形 5"/>
-          <p:cNvSpPr/>
-          <p:nvPr/>
-        </p:nvSpPr>
-        <p:spPr>
-          <a:xfrm>
-            <a:off x="2072678" y="1539281"/>
-            <a:ext cx="1800201" cy="400690"/>
-          </a:xfrm>
-          <a:prstGeom prst="rect">
-            <a:avLst/>
-          </a:prstGeom>
-          <a:solidFill>
-            <a:schemeClr val="accent5">
-              <a:lumMod val="40000"/>
-              <a:lumOff val="60000"/>
-            </a:schemeClr>
-          </a:solidFill>
-        </p:spPr>
-        <p:style>
-          <a:lnRef idx="2">
-            <a:schemeClr val="accent1">
-              <a:shade val="50000"/>
-            </a:schemeClr>
-          </a:lnRef>
-          <a:fillRef idx="1">
-            <a:schemeClr val="accent1"/>
-          </a:fillRef>
-          <a:effectRef idx="0">
-            <a:schemeClr val="accent1"/>
-          </a:effectRef>
-          <a:fontRef idx="minor">
-            <a:schemeClr val="lt1"/>
-          </a:fontRef>
-        </p:style>
-        <p:txBody>
-          <a:bodyPr rtlCol="0" anchor="ctr"/>
-          <a:lstStyle/>
-          <a:p>
-            <a:pPr algn="ctr"/>
-            <a:r>
-              <a:rPr lang="zh-CN" altLang="en-US" sz="1100" dirty="0" smtClean="0">
-                <a:solidFill>
-                  <a:schemeClr val="tx1"/>
-                </a:solidFill>
-                <a:latin typeface="+mn-ea"/>
-              </a:rPr>
-              <a:t>注册</a:t>
-            </a:r>
-            <a:r>
-              <a:rPr lang="en-US" altLang="zh-CN" sz="1100" dirty="0" smtClean="0">
-                <a:solidFill>
-                  <a:schemeClr val="tx1"/>
-                </a:solidFill>
-                <a:latin typeface="+mn-ea"/>
-              </a:rPr>
-              <a:t>ID</a:t>
-            </a:r>
-            <a:r>
-              <a:rPr lang="zh-CN" altLang="en-US" sz="1100" dirty="0" smtClean="0">
-                <a:solidFill>
-                  <a:schemeClr val="tx1"/>
-                </a:solidFill>
-                <a:latin typeface="+mn-ea"/>
-              </a:rPr>
-              <a:t>随机生成</a:t>
-            </a:r>
-            <a:endParaRPr lang="zh-CN" altLang="en-US" sz="1100" dirty="0">
-              <a:solidFill>
-                <a:schemeClr val="tx1"/>
-              </a:solidFill>
-              <a:latin typeface="+mn-ea"/>
-            </a:endParaRPr>
-          </a:p>
-        </p:txBody>
-      </p:sp>
-      <p:sp>
-        <p:nvSpPr>
-          <p:cNvPr id="7" name="矩形 6"/>
-          <p:cNvSpPr/>
-          <p:nvPr/>
-        </p:nvSpPr>
-        <p:spPr>
-          <a:xfrm>
-            <a:off x="2080617" y="2043129"/>
-            <a:ext cx="1789755" cy="400690"/>
-          </a:xfrm>
-          <a:prstGeom prst="rect">
-            <a:avLst/>
-          </a:prstGeom>
-          <a:solidFill>
-            <a:schemeClr val="accent5">
-              <a:lumMod val="40000"/>
-              <a:lumOff val="60000"/>
-            </a:schemeClr>
-          </a:solidFill>
-        </p:spPr>
-        <p:style>
-          <a:lnRef idx="2">
-            <a:schemeClr val="accent1">
-              <a:shade val="50000"/>
-            </a:schemeClr>
-          </a:lnRef>
-          <a:fillRef idx="1">
-            <a:schemeClr val="accent1"/>
-          </a:fillRef>
-          <a:effectRef idx="0">
-            <a:schemeClr val="accent1"/>
-          </a:effectRef>
-          <a:fontRef idx="minor">
-            <a:schemeClr val="lt1"/>
-          </a:fontRef>
-        </p:style>
-        <p:txBody>
-          <a:bodyPr rtlCol="0" anchor="ctr"/>
-          <a:lstStyle/>
-          <a:p>
-            <a:pPr algn="ctr"/>
-            <a:r>
-              <a:rPr lang="en-US" altLang="zh-CN" sz="1100" dirty="0" smtClean="0">
-                <a:solidFill>
-                  <a:schemeClr val="tx1"/>
-                </a:solidFill>
-              </a:rPr>
-              <a:t>KEY</a:t>
-            </a:r>
-            <a:endParaRPr lang="zh-CN" altLang="en-US" sz="1100" dirty="0">
-              <a:solidFill>
-                <a:schemeClr val="tx1"/>
-              </a:solidFill>
-            </a:endParaRPr>
-          </a:p>
-        </p:txBody>
-      </p:sp>
-      <p:sp>
-        <p:nvSpPr>
-          <p:cNvPr id="8" name="TextBox 7"/>
-          <p:cNvSpPr txBox="1"/>
-          <p:nvPr/>
-        </p:nvSpPr>
-        <p:spPr>
-          <a:xfrm>
-            <a:off x="1352599" y="3915545"/>
-            <a:ext cx="2517773" cy="369332"/>
-          </a:xfrm>
-          <a:prstGeom prst="rect">
-            <a:avLst/>
-          </a:prstGeom>
-          <a:solidFill>
-            <a:schemeClr val="accent5">
-              <a:lumMod val="40000"/>
-              <a:lumOff val="60000"/>
-            </a:schemeClr>
-          </a:solidFill>
-          <a:ln>
-            <a:solidFill>
-              <a:schemeClr val="accent1">
-                <a:lumMod val="75000"/>
-              </a:schemeClr>
-            </a:solidFill>
-          </a:ln>
-        </p:spPr>
-        <p:txBody>
-          <a:bodyPr wrap="square" rtlCol="0">
-            <a:spAutoFit/>
-          </a:bodyPr>
-          <a:lstStyle/>
-          <a:p>
-            <a:pPr algn="ctr"/>
-            <a:r>
-              <a:rPr lang="zh-CN" altLang="en-US" dirty="0" smtClean="0"/>
-              <a:t>确认，下一步</a:t>
-            </a:r>
-            <a:endParaRPr lang="zh-CN" altLang="en-US" dirty="0"/>
-          </a:p>
-        </p:txBody>
-      </p:sp>
-      <p:sp>
-        <p:nvSpPr>
-          <p:cNvPr id="9" name="TextBox 8"/>
-          <p:cNvSpPr txBox="1"/>
-          <p:nvPr/>
-        </p:nvSpPr>
-        <p:spPr>
-          <a:xfrm>
-            <a:off x="848543" y="1641033"/>
-            <a:ext cx="1008111" cy="276999"/>
-          </a:xfrm>
-          <a:prstGeom prst="rect">
-            <a:avLst/>
-          </a:prstGeom>
-          <a:noFill/>
-        </p:spPr>
-        <p:txBody>
-          <a:bodyPr wrap="square" rtlCol="0">
-            <a:spAutoFit/>
-          </a:bodyPr>
-          <a:lstStyle/>
-          <a:p>
-            <a:pPr algn="ctr"/>
-            <a:r>
-              <a:rPr lang="zh-CN" altLang="en-US" sz="1200" dirty="0" smtClean="0"/>
-              <a:t>干货公会</a:t>
-            </a:r>
-            <a:r>
-              <a:rPr lang="en-US" altLang="zh-CN" sz="1200" dirty="0" smtClean="0"/>
-              <a:t>ID</a:t>
-            </a:r>
-            <a:endParaRPr lang="zh-CN" altLang="en-US" sz="1200" dirty="0"/>
-          </a:p>
-        </p:txBody>
-      </p:sp>
-      <p:sp>
-        <p:nvSpPr>
-          <p:cNvPr id="10" name="TextBox 9"/>
-          <p:cNvSpPr txBox="1"/>
-          <p:nvPr/>
-        </p:nvSpPr>
-        <p:spPr>
-          <a:xfrm>
-            <a:off x="1245903" y="2206979"/>
-            <a:ext cx="792088" cy="246221"/>
-          </a:xfrm>
-          <a:prstGeom prst="rect">
-            <a:avLst/>
-          </a:prstGeom>
-          <a:noFill/>
-        </p:spPr>
-        <p:txBody>
-          <a:bodyPr wrap="square" rtlCol="0">
-            <a:spAutoFit/>
-          </a:bodyPr>
-          <a:lstStyle/>
-          <a:p>
-            <a:pPr algn="ctr"/>
-            <a:r>
-              <a:rPr lang="zh-CN" altLang="en-US" sz="1000" dirty="0" smtClean="0"/>
-              <a:t>设置密码</a:t>
-            </a:r>
-            <a:endParaRPr lang="zh-CN" altLang="en-US" sz="1000" dirty="0"/>
-          </a:p>
-        </p:txBody>
-      </p:sp>
-      <p:sp>
-        <p:nvSpPr>
-          <p:cNvPr id="11" name="TextBox 10"/>
-          <p:cNvSpPr txBox="1"/>
-          <p:nvPr/>
-        </p:nvSpPr>
-        <p:spPr>
-          <a:xfrm>
-            <a:off x="1225460" y="2622433"/>
-            <a:ext cx="792088" cy="246221"/>
-          </a:xfrm>
-          <a:prstGeom prst="rect">
-            <a:avLst/>
-          </a:prstGeom>
-          <a:noFill/>
-        </p:spPr>
-        <p:txBody>
-          <a:bodyPr wrap="square" rtlCol="0">
-            <a:spAutoFit/>
-          </a:bodyPr>
-          <a:lstStyle/>
-          <a:p>
-            <a:pPr algn="ctr"/>
-            <a:r>
-              <a:rPr lang="zh-CN" altLang="en-US" sz="1000" dirty="0"/>
-              <a:t>确认</a:t>
-            </a:r>
-            <a:r>
-              <a:rPr lang="zh-CN" altLang="en-US" sz="1000" dirty="0" smtClean="0"/>
-              <a:t>密码</a:t>
-            </a:r>
-            <a:endParaRPr lang="zh-CN" altLang="en-US" sz="1000" dirty="0"/>
-          </a:p>
-        </p:txBody>
-      </p:sp>
-      <p:sp>
-        <p:nvSpPr>
-          <p:cNvPr id="12" name="矩形 11"/>
-          <p:cNvSpPr/>
-          <p:nvPr/>
-        </p:nvSpPr>
-        <p:spPr>
-          <a:xfrm>
-            <a:off x="2080618" y="2547393"/>
-            <a:ext cx="1789755" cy="400690"/>
-          </a:xfrm>
-          <a:prstGeom prst="rect">
-            <a:avLst/>
-          </a:prstGeom>
-          <a:solidFill>
-            <a:schemeClr val="accent5">
-              <a:lumMod val="40000"/>
-              <a:lumOff val="60000"/>
-            </a:schemeClr>
-          </a:solidFill>
-        </p:spPr>
-        <p:style>
-          <a:lnRef idx="2">
-            <a:schemeClr val="accent1">
-              <a:shade val="50000"/>
-            </a:schemeClr>
-          </a:lnRef>
-          <a:fillRef idx="1">
-            <a:schemeClr val="accent1"/>
-          </a:fillRef>
-          <a:effectRef idx="0">
-            <a:schemeClr val="accent1"/>
-          </a:effectRef>
-          <a:fontRef idx="minor">
-            <a:schemeClr val="lt1"/>
-          </a:fontRef>
-        </p:style>
-        <p:txBody>
-          <a:bodyPr rtlCol="0" anchor="ctr"/>
-          <a:lstStyle/>
-          <a:p>
-            <a:pPr algn="ctr"/>
-            <a:r>
-              <a:rPr lang="en-US" altLang="zh-CN" sz="1100" dirty="0" smtClean="0">
-                <a:solidFill>
-                  <a:schemeClr val="tx1"/>
-                </a:solidFill>
-              </a:rPr>
-              <a:t>KEY</a:t>
-            </a:r>
-            <a:endParaRPr lang="zh-CN" altLang="en-US" sz="1100" dirty="0">
-              <a:solidFill>
-                <a:schemeClr val="tx1"/>
-              </a:solidFill>
-            </a:endParaRPr>
-          </a:p>
-        </p:txBody>
-      </p:sp>
-      <p:sp>
-        <p:nvSpPr>
-          <p:cNvPr id="13" name="TextBox 12"/>
-          <p:cNvSpPr txBox="1"/>
-          <p:nvPr/>
-        </p:nvSpPr>
-        <p:spPr>
-          <a:xfrm>
-            <a:off x="1236258" y="3069942"/>
-            <a:ext cx="792088" cy="246221"/>
-          </a:xfrm>
-          <a:prstGeom prst="rect">
-            <a:avLst/>
-          </a:prstGeom>
-          <a:noFill/>
-        </p:spPr>
-        <p:txBody>
-          <a:bodyPr wrap="square" rtlCol="0">
-            <a:spAutoFit/>
-          </a:bodyPr>
-          <a:lstStyle/>
-          <a:p>
-            <a:pPr algn="ctr"/>
-            <a:r>
-              <a:rPr lang="zh-CN" altLang="en-US" sz="1000" dirty="0" smtClean="0"/>
-              <a:t>手机号</a:t>
-            </a:r>
-            <a:endParaRPr lang="zh-CN" altLang="en-US" sz="1000" dirty="0"/>
-          </a:p>
-        </p:txBody>
-      </p:sp>
-      <p:sp>
-        <p:nvSpPr>
-          <p:cNvPr id="14" name="矩形 13"/>
-          <p:cNvSpPr/>
-          <p:nvPr/>
-        </p:nvSpPr>
-        <p:spPr>
-          <a:xfrm>
-            <a:off x="2091416" y="3010799"/>
-            <a:ext cx="1789755" cy="400690"/>
-          </a:xfrm>
-          <a:prstGeom prst="rect">
-            <a:avLst/>
-          </a:prstGeom>
-          <a:solidFill>
-            <a:schemeClr val="accent5">
-              <a:lumMod val="40000"/>
-              <a:lumOff val="60000"/>
-            </a:schemeClr>
-          </a:solidFill>
-        </p:spPr>
-        <p:style>
-          <a:lnRef idx="2">
-            <a:schemeClr val="accent1">
-              <a:shade val="50000"/>
-            </a:schemeClr>
-          </a:lnRef>
-          <a:fillRef idx="1">
-            <a:schemeClr val="accent1"/>
-          </a:fillRef>
-          <a:effectRef idx="0">
-            <a:schemeClr val="accent1"/>
-          </a:effectRef>
-          <a:fontRef idx="minor">
-            <a:schemeClr val="lt1"/>
-          </a:fontRef>
-        </p:style>
-        <p:txBody>
-          <a:bodyPr rtlCol="0" anchor="ctr"/>
-          <a:lstStyle/>
-          <a:p>
-            <a:pPr algn="ctr"/>
-            <a:r>
-              <a:rPr lang="zh-CN" altLang="en-US" sz="1100" dirty="0" smtClean="0">
-                <a:solidFill>
-                  <a:schemeClr val="tx1"/>
-                </a:solidFill>
-              </a:rPr>
-              <a:t>找回密码专用</a:t>
-            </a:r>
-            <a:endParaRPr lang="zh-CN" altLang="en-US" sz="1100" dirty="0">
-              <a:solidFill>
-                <a:schemeClr val="tx1"/>
-              </a:solidFill>
-            </a:endParaRPr>
-          </a:p>
-        </p:txBody>
-      </p:sp>
-      <p:sp>
-        <p:nvSpPr>
-          <p:cNvPr id="15" name="矩形 14"/>
-          <p:cNvSpPr/>
-          <p:nvPr/>
-        </p:nvSpPr>
-        <p:spPr>
-          <a:xfrm>
-            <a:off x="2072677" y="1035225"/>
-            <a:ext cx="1800201" cy="400690"/>
-          </a:xfrm>
-          <a:prstGeom prst="rect">
-            <a:avLst/>
-          </a:prstGeom>
-          <a:solidFill>
-            <a:schemeClr val="accent5">
-              <a:lumMod val="40000"/>
-              <a:lumOff val="60000"/>
-            </a:schemeClr>
-          </a:solidFill>
-        </p:spPr>
-        <p:style>
-          <a:lnRef idx="2">
-            <a:schemeClr val="accent1">
-              <a:shade val="50000"/>
-            </a:schemeClr>
-          </a:lnRef>
-          <a:fillRef idx="1">
-            <a:schemeClr val="accent1"/>
-          </a:fillRef>
-          <a:effectRef idx="0">
-            <a:schemeClr val="accent1"/>
-          </a:effectRef>
-          <a:fontRef idx="minor">
-            <a:schemeClr val="lt1"/>
-          </a:fontRef>
-        </p:style>
-        <p:txBody>
-          <a:bodyPr rtlCol="0" anchor="ctr"/>
-          <a:lstStyle/>
-          <a:p>
-            <a:pPr algn="ctr"/>
-            <a:r>
-              <a:rPr lang="zh-CN" altLang="en-US" sz="1100" dirty="0" smtClean="0">
-                <a:solidFill>
-                  <a:schemeClr val="tx1"/>
-                </a:solidFill>
-                <a:latin typeface="+mn-ea"/>
-              </a:rPr>
-              <a:t>用户自定义，排除重复名</a:t>
-            </a:r>
-            <a:endParaRPr lang="zh-CN" altLang="en-US" sz="1100" dirty="0">
-              <a:solidFill>
-                <a:schemeClr val="tx1"/>
-              </a:solidFill>
-              <a:latin typeface="+mn-ea"/>
-            </a:endParaRPr>
-          </a:p>
-        </p:txBody>
-      </p:sp>
-      <p:sp>
-        <p:nvSpPr>
-          <p:cNvPr id="16" name="TextBox 15"/>
-          <p:cNvSpPr txBox="1"/>
-          <p:nvPr/>
-        </p:nvSpPr>
-        <p:spPr>
-          <a:xfrm>
-            <a:off x="1236258" y="1251249"/>
-            <a:ext cx="692405" cy="276999"/>
-          </a:xfrm>
-          <a:prstGeom prst="rect">
-            <a:avLst/>
-          </a:prstGeom>
-          <a:noFill/>
-        </p:spPr>
-        <p:txBody>
-          <a:bodyPr wrap="square" rtlCol="0">
-            <a:spAutoFit/>
-          </a:bodyPr>
-          <a:lstStyle/>
-          <a:p>
-            <a:pPr algn="ctr"/>
-            <a:r>
-              <a:rPr lang="zh-CN" altLang="en-US" sz="1200" dirty="0"/>
-              <a:t>用户名</a:t>
-            </a:r>
-          </a:p>
-        </p:txBody>
-      </p:sp>
-      <p:sp>
-        <p:nvSpPr>
-          <p:cNvPr id="2" name="TextBox 1"/>
-          <p:cNvSpPr txBox="1"/>
-          <p:nvPr/>
-        </p:nvSpPr>
-        <p:spPr>
-          <a:xfrm>
-            <a:off x="4188476" y="5859353"/>
-            <a:ext cx="1457037" cy="369332"/>
-          </a:xfrm>
-          <a:prstGeom prst="rect">
-            <a:avLst/>
-          </a:prstGeom>
-          <a:noFill/>
-        </p:spPr>
-        <p:txBody>
-          <a:bodyPr wrap="square" rtlCol="0">
-            <a:spAutoFit/>
-          </a:bodyPr>
-          <a:lstStyle/>
-          <a:p>
-            <a:pPr algn="ctr"/>
-            <a:r>
-              <a:rPr lang="zh-CN" altLang="en-US" dirty="0" smtClean="0"/>
-              <a:t>注册内容页</a:t>
-            </a:r>
-            <a:endParaRPr lang="zh-CN" altLang="en-US" dirty="0"/>
-          </a:p>
-        </p:txBody>
-      </p:sp>
-      <p:sp>
-        <p:nvSpPr>
-          <p:cNvPr id="5" name="日期占位符 4"/>
-          <p:cNvSpPr>
-            <a:spLocks noGrp="1"/>
-          </p:cNvSpPr>
-          <p:nvPr>
-            <p:ph type="dt" sz="half" idx="10"/>
-          </p:nvPr>
-        </p:nvSpPr>
-        <p:spPr/>
-        <p:txBody>
-          <a:bodyPr/>
-          <a:lstStyle/>
-          <a:p>
-            <a:fld id="{7FEBB546-136E-4CDA-B07B-CC0E16320D8B}" type="datetime1">
-              <a:rPr lang="zh-CN" altLang="en-US" smtClean="0"/>
-              <a:t>2018/5/25</a:t>
-            </a:fld>
-            <a:endParaRPr lang="zh-CN" altLang="en-US"/>
-          </a:p>
-        </p:txBody>
-      </p:sp>
-      <p:sp>
-        <p:nvSpPr>
-          <p:cNvPr id="17" name="灯片编号占位符 16"/>
-          <p:cNvSpPr>
-            <a:spLocks noGrp="1"/>
-          </p:cNvSpPr>
-          <p:nvPr>
-            <p:ph type="sldNum" sz="quarter" idx="12"/>
-          </p:nvPr>
-        </p:nvSpPr>
-        <p:spPr/>
-        <p:txBody>
-          <a:bodyPr/>
-          <a:lstStyle/>
-          <a:p>
-            <a:fld id="{0C913308-F349-4B6D-A68A-DD1791B4A57B}" type="slidenum">
-              <a:rPr lang="zh-CN" altLang="en-US" smtClean="0"/>
-              <a:t>2</a:t>
-            </a:fld>
-            <a:endParaRPr lang="zh-CN" altLang="en-US"/>
-          </a:p>
-        </p:txBody>
-      </p:sp>
-      <p:sp>
-        <p:nvSpPr>
-          <p:cNvPr id="18" name="页脚占位符 17"/>
-          <p:cNvSpPr>
-            <a:spLocks noGrp="1"/>
-          </p:cNvSpPr>
-          <p:nvPr>
-            <p:ph type="ftr" sz="quarter" idx="11"/>
-          </p:nvPr>
-        </p:nvSpPr>
-        <p:spPr/>
-        <p:txBody>
-          <a:bodyPr/>
-          <a:lstStyle/>
-          <a:p>
-            <a:r>
-              <a:rPr lang="zh-CN" altLang="en-US" smtClean="0"/>
-              <a:t>干货公会会员前端草图</a:t>
-            </a:r>
-            <a:endParaRPr lang="zh-CN" altLang="en-US"/>
-          </a:p>
-        </p:txBody>
-      </p:sp>
-      <p:sp>
-        <p:nvSpPr>
-          <p:cNvPr id="3" name="TextBox 2"/>
-          <p:cNvSpPr txBox="1"/>
-          <p:nvPr/>
-        </p:nvSpPr>
-        <p:spPr>
-          <a:xfrm>
-            <a:off x="5529064" y="764704"/>
-            <a:ext cx="3600400" cy="1600438"/>
-          </a:xfrm>
-          <a:prstGeom prst="rect">
-            <a:avLst/>
-          </a:prstGeom>
-          <a:noFill/>
-        </p:spPr>
-        <p:txBody>
-          <a:bodyPr wrap="square" rtlCol="0">
-            <a:spAutoFit/>
-          </a:bodyPr>
-          <a:lstStyle/>
-          <a:p>
-            <a:r>
-              <a:rPr lang="en-US" altLang="zh-CN" sz="1400" dirty="0" smtClean="0"/>
-              <a:t>1</a:t>
-            </a:r>
-            <a:r>
-              <a:rPr lang="zh-CN" altLang="en-US" sz="1400" dirty="0" smtClean="0"/>
-              <a:t>、用户名：用户自家义设置，不可重复</a:t>
-            </a:r>
-            <a:endParaRPr lang="en-US" altLang="zh-CN" sz="1400" dirty="0" smtClean="0"/>
-          </a:p>
-          <a:p>
-            <a:r>
-              <a:rPr lang="en-US" altLang="zh-CN" sz="1400" dirty="0" smtClean="0"/>
-              <a:t>2</a:t>
-            </a:r>
-            <a:r>
-              <a:rPr lang="zh-CN" altLang="en-US" sz="1400" dirty="0" smtClean="0"/>
-              <a:t>、</a:t>
-            </a:r>
-            <a:r>
-              <a:rPr lang="en-US" altLang="zh-CN" sz="1400" dirty="0" smtClean="0"/>
-              <a:t>ID:</a:t>
-            </a:r>
-            <a:r>
-              <a:rPr lang="zh-CN" altLang="en-US" sz="1400" dirty="0" smtClean="0"/>
-              <a:t>为系统自动生成，</a:t>
-            </a:r>
-            <a:r>
-              <a:rPr lang="en-US" altLang="zh-CN" sz="1400" dirty="0" smtClean="0"/>
-              <a:t>ID</a:t>
-            </a:r>
-            <a:r>
-              <a:rPr lang="zh-CN" altLang="en-US" sz="1400" dirty="0" smtClean="0"/>
-              <a:t>不可重复。用户不能更改</a:t>
-            </a:r>
-            <a:endParaRPr lang="en-US" altLang="zh-CN" sz="1400" dirty="0" smtClean="0"/>
-          </a:p>
-          <a:p>
-            <a:r>
-              <a:rPr lang="en-US" altLang="zh-CN" sz="1400" dirty="0" smtClean="0"/>
-              <a:t>3</a:t>
-            </a:r>
-            <a:r>
-              <a:rPr lang="zh-CN" altLang="en-US" sz="1400" dirty="0" smtClean="0"/>
-              <a:t>、密码：字母数字符号限</a:t>
-            </a:r>
-            <a:r>
-              <a:rPr lang="en-US" altLang="zh-CN" sz="1400" dirty="0" smtClean="0"/>
-              <a:t>16</a:t>
-            </a:r>
-            <a:r>
-              <a:rPr lang="zh-CN" altLang="en-US" sz="1400" dirty="0" smtClean="0"/>
-              <a:t>位字符</a:t>
-            </a:r>
-            <a:endParaRPr lang="en-US" altLang="zh-CN" sz="1400" dirty="0" smtClean="0"/>
-          </a:p>
-          <a:p>
-            <a:r>
-              <a:rPr lang="en-US" altLang="zh-CN" sz="1400" dirty="0" smtClean="0"/>
-              <a:t>4</a:t>
-            </a:r>
-            <a:r>
-              <a:rPr lang="zh-CN" altLang="en-US" sz="1400" dirty="0" smtClean="0"/>
-              <a:t>、手机号：为用户手机号。</a:t>
-            </a:r>
-            <a:endParaRPr lang="en-US" altLang="zh-CN" sz="1400" dirty="0" smtClean="0"/>
-          </a:p>
-          <a:p>
-            <a:endParaRPr lang="en-US" altLang="zh-CN" sz="1400" dirty="0"/>
-          </a:p>
-          <a:p>
-            <a:r>
-              <a:rPr lang="zh-CN" altLang="en-US" sz="1400" dirty="0" smtClean="0"/>
-              <a:t>以上为必填，未填写不可确认提交</a:t>
-            </a:r>
-            <a:endParaRPr lang="zh-CN" altLang="en-US" sz="1400" dirty="0"/>
-          </a:p>
-        </p:txBody>
-      </p:sp>
-    </p:spTree>
-    <p:extLst>
-      <p:ext uri="{BB962C8B-B14F-4D97-AF65-F5344CB8AC3E}">
-        <p14:creationId xmlns:p14="http://schemas.microsoft.com/office/powerpoint/2010/main" val="181041436"/>
-      </p:ext>
-    </p:extLst>
-  </p:cSld>
-  <p:clrMapOvr>
-    <a:masterClrMapping/>
-  </p:clrMapOvr>
-  <p:timing>
-    <p:tnLst>
-      <p:par>
-        <p:cTn id="1" dur="indefinite" restart="never" nodeType="tmRoot"/>
-      </p:par>
-    </p:tnLst>
-  </p:timing>
-</p:sld>
-</file>
-
-<file path=ppt/slides/slide20.xml><?xml version="1.0" encoding="utf-8"?>
+<file path=ppt/slides/slide21.xml><?xml version="1.0" encoding="utf-8"?>
 <p:sld xmlns:a="http://schemas.openxmlformats.org/drawingml/2006/main" xmlns:r="http://schemas.openxmlformats.org/officeDocument/2006/relationships" xmlns:p="http://schemas.openxmlformats.org/presentationml/2006/main">
   <p:cSld>
     <p:spTree>
@@ -18036,7 +19813,7 @@
           <a:p>
             <a:fld id="{0C913308-F349-4B6D-A68A-DD1791B4A57B}" type="slidenum">
               <a:rPr lang="zh-CN" altLang="en-US" smtClean="0"/>
-              <a:t>20</a:t>
+              <a:t>21</a:t>
             </a:fld>
             <a:endParaRPr lang="zh-CN" altLang="en-US"/>
           </a:p>
@@ -19351,7 +21128,7 @@
         <p:spPr>
           <a:xfrm>
             <a:off x="3944888" y="385516"/>
-            <a:ext cx="5832648" cy="5447645"/>
+            <a:ext cx="5832648" cy="5632311"/>
           </a:xfrm>
           <a:prstGeom prst="rect">
             <a:avLst/>
@@ -19603,10 +21380,14 @@
             </a:r>
             <a:r>
               <a:rPr lang="zh-CN" altLang="en-US" sz="1200" dirty="0"/>
-              <a:t>可活动</a:t>
-            </a:r>
-            <a:r>
-              <a:rPr lang="zh-CN" altLang="en-US" sz="1200" dirty="0" smtClean="0"/>
+              <a:t>可</a:t>
+            </a:r>
+            <a:r>
+              <a:rPr lang="zh-CN" altLang="en-US" sz="1200"/>
+              <a:t>活动</a:t>
+            </a:r>
+            <a:r>
+              <a:rPr lang="zh-CN" altLang="en-US" sz="1200" smtClean="0"/>
               <a:t>页面</a:t>
             </a:r>
             <a:endParaRPr lang="en-US" altLang="zh-CN" sz="1200" b="1" dirty="0" smtClean="0">
@@ -19857,6 +21638,1440 @@
       </p:grpSpPr>
       <p:sp>
         <p:nvSpPr>
+          <p:cNvPr id="46" name="TextBox 45"/>
+          <p:cNvSpPr txBox="1"/>
+          <p:nvPr/>
+        </p:nvSpPr>
+        <p:spPr>
+          <a:xfrm>
+            <a:off x="858888" y="5589565"/>
+            <a:ext cx="1551096" cy="369332"/>
+          </a:xfrm>
+          <a:prstGeom prst="rect">
+            <a:avLst/>
+          </a:prstGeom>
+          <a:noFill/>
+        </p:spPr>
+        <p:txBody>
+          <a:bodyPr wrap="square" rtlCol="0">
+            <a:spAutoFit/>
+          </a:bodyPr>
+          <a:lstStyle/>
+          <a:p>
+            <a:pPr algn="ctr"/>
+            <a:r>
+              <a:rPr lang="zh-CN" altLang="en-US" dirty="0" smtClean="0">
+                <a:solidFill>
+                  <a:prstClr val="black"/>
+                </a:solidFill>
+              </a:rPr>
+              <a:t>任务栏草图</a:t>
+            </a:r>
+            <a:endParaRPr lang="zh-CN" altLang="en-US" dirty="0">
+              <a:solidFill>
+                <a:prstClr val="black"/>
+              </a:solidFill>
+            </a:endParaRPr>
+          </a:p>
+        </p:txBody>
+      </p:sp>
+      <p:grpSp>
+        <p:nvGrpSpPr>
+          <p:cNvPr id="3" name="组合 2"/>
+          <p:cNvGrpSpPr/>
+          <p:nvPr/>
+        </p:nvGrpSpPr>
+        <p:grpSpPr>
+          <a:xfrm>
+            <a:off x="221366" y="236306"/>
+            <a:ext cx="2674640" cy="4968552"/>
+            <a:chOff x="7041232" y="445876"/>
+            <a:chExt cx="2674640" cy="4968552"/>
+          </a:xfrm>
+        </p:grpSpPr>
+        <p:sp>
+          <p:nvSpPr>
+            <p:cNvPr id="5" name="矩形 4"/>
+            <p:cNvSpPr/>
+            <p:nvPr/>
+          </p:nvSpPr>
+          <p:spPr>
+            <a:xfrm>
+              <a:off x="7041232" y="445876"/>
+              <a:ext cx="2664296" cy="4968552"/>
+            </a:xfrm>
+            <a:prstGeom prst="rect">
+              <a:avLst/>
+            </a:prstGeom>
+            <a:solidFill>
+              <a:schemeClr val="accent5">
+                <a:lumMod val="40000"/>
+                <a:lumOff val="60000"/>
+              </a:schemeClr>
+            </a:solidFill>
+            <a:ln>
+              <a:solidFill>
+                <a:schemeClr val="tx1">
+                  <a:lumMod val="75000"/>
+                  <a:lumOff val="25000"/>
+                </a:schemeClr>
+              </a:solidFill>
+            </a:ln>
+          </p:spPr>
+          <p:style>
+            <a:lnRef idx="2">
+              <a:schemeClr val="accent1">
+                <a:shade val="50000"/>
+              </a:schemeClr>
+            </a:lnRef>
+            <a:fillRef idx="1">
+              <a:schemeClr val="accent1"/>
+            </a:fillRef>
+            <a:effectRef idx="0">
+              <a:schemeClr val="accent1"/>
+            </a:effectRef>
+            <a:fontRef idx="minor">
+              <a:schemeClr val="lt1"/>
+            </a:fontRef>
+          </p:style>
+          <p:txBody>
+            <a:bodyPr rtlCol="0" anchor="ctr"/>
+            <a:lstStyle/>
+            <a:p>
+              <a:pPr algn="ctr"/>
+              <a:endParaRPr lang="zh-CN" altLang="en-US" dirty="0">
+                <a:solidFill>
+                  <a:prstClr val="white"/>
+                </a:solidFill>
+              </a:endParaRPr>
+            </a:p>
+          </p:txBody>
+        </p:sp>
+        <p:sp>
+          <p:nvSpPr>
+            <p:cNvPr id="37" name="矩形 36"/>
+            <p:cNvSpPr/>
+            <p:nvPr/>
+          </p:nvSpPr>
+          <p:spPr>
+            <a:xfrm>
+              <a:off x="7113240" y="476672"/>
+              <a:ext cx="2520280" cy="1609133"/>
+            </a:xfrm>
+            <a:prstGeom prst="rect">
+              <a:avLst/>
+            </a:prstGeom>
+            <a:solidFill>
+              <a:schemeClr val="accent5">
+                <a:lumMod val="60000"/>
+                <a:lumOff val="40000"/>
+              </a:schemeClr>
+            </a:solidFill>
+            <a:ln>
+              <a:noFill/>
+            </a:ln>
+          </p:spPr>
+          <p:style>
+            <a:lnRef idx="2">
+              <a:schemeClr val="accent1">
+                <a:shade val="50000"/>
+              </a:schemeClr>
+            </a:lnRef>
+            <a:fillRef idx="1">
+              <a:schemeClr val="accent1"/>
+            </a:fillRef>
+            <a:effectRef idx="0">
+              <a:schemeClr val="accent1"/>
+            </a:effectRef>
+            <a:fontRef idx="minor">
+              <a:schemeClr val="lt1"/>
+            </a:fontRef>
+          </p:style>
+          <p:txBody>
+            <a:bodyPr rtlCol="0" anchor="ctr"/>
+            <a:lstStyle/>
+            <a:p>
+              <a:pPr algn="ctr"/>
+              <a:endParaRPr lang="zh-CN" altLang="en-US">
+                <a:solidFill>
+                  <a:prstClr val="white"/>
+                </a:solidFill>
+              </a:endParaRPr>
+            </a:p>
+          </p:txBody>
+        </p:sp>
+        <p:sp>
+          <p:nvSpPr>
+            <p:cNvPr id="38" name="矩形 37"/>
+            <p:cNvSpPr/>
+            <p:nvPr/>
+          </p:nvSpPr>
+          <p:spPr>
+            <a:xfrm>
+              <a:off x="7092346" y="910407"/>
+              <a:ext cx="2520280" cy="457420"/>
+            </a:xfrm>
+            <a:prstGeom prst="rect">
+              <a:avLst/>
+            </a:prstGeom>
+            <a:solidFill>
+              <a:schemeClr val="accent5">
+                <a:lumMod val="60000"/>
+                <a:lumOff val="40000"/>
+              </a:schemeClr>
+            </a:solidFill>
+            <a:ln>
+              <a:noFill/>
+            </a:ln>
+          </p:spPr>
+          <p:style>
+            <a:lnRef idx="2">
+              <a:schemeClr val="accent1">
+                <a:shade val="50000"/>
+              </a:schemeClr>
+            </a:lnRef>
+            <a:fillRef idx="1">
+              <a:schemeClr val="accent1"/>
+            </a:fillRef>
+            <a:effectRef idx="0">
+              <a:schemeClr val="accent1"/>
+            </a:effectRef>
+            <a:fontRef idx="minor">
+              <a:schemeClr val="lt1"/>
+            </a:fontRef>
+          </p:style>
+          <p:txBody>
+            <a:bodyPr rtlCol="0" anchor="ctr"/>
+            <a:lstStyle/>
+            <a:p>
+              <a:pPr algn="ctr"/>
+              <a:r>
+                <a:rPr lang="zh-CN" altLang="en-US" sz="1400" dirty="0" smtClean="0">
+                  <a:solidFill>
+                    <a:prstClr val="white"/>
+                  </a:solidFill>
+                  <a:latin typeface="宋体"/>
+                </a:rPr>
+                <a:t>去完成任务</a:t>
+              </a:r>
+              <a:r>
+                <a:rPr lang="en-US" altLang="zh-CN" sz="1400" dirty="0" smtClean="0">
+                  <a:solidFill>
+                    <a:prstClr val="white"/>
+                  </a:solidFill>
+                  <a:latin typeface="宋体"/>
+                </a:rPr>
+                <a:t>1 </a:t>
+              </a:r>
+              <a:r>
+                <a:rPr lang="zh-CN" altLang="en-US" sz="1400" dirty="0" smtClean="0">
+                  <a:solidFill>
+                    <a:prstClr val="white"/>
+                  </a:solidFill>
+                  <a:latin typeface="宋体"/>
+                </a:rPr>
+                <a:t>获</a:t>
+              </a:r>
+              <a:r>
+                <a:rPr lang="en-US" altLang="zh-CN" sz="1400" dirty="0" smtClean="0">
+                  <a:solidFill>
+                    <a:prstClr val="white"/>
+                  </a:solidFill>
+                  <a:latin typeface="宋体"/>
+                </a:rPr>
+                <a:t>150</a:t>
+              </a:r>
+              <a:r>
+                <a:rPr lang="zh-CN" altLang="en-US" sz="1400" dirty="0" smtClean="0">
+                  <a:solidFill>
+                    <a:prstClr val="white"/>
+                  </a:solidFill>
+                  <a:latin typeface="宋体"/>
+                </a:rPr>
+                <a:t>积分</a:t>
+              </a:r>
+              <a:endParaRPr lang="zh-CN" altLang="en-US" sz="1400" dirty="0">
+                <a:solidFill>
+                  <a:prstClr val="white"/>
+                </a:solidFill>
+                <a:latin typeface="宋体"/>
+              </a:endParaRPr>
+            </a:p>
+          </p:txBody>
+        </p:sp>
+        <p:sp>
+          <p:nvSpPr>
+            <p:cNvPr id="40" name="矩形 39"/>
+            <p:cNvSpPr/>
+            <p:nvPr/>
+          </p:nvSpPr>
+          <p:spPr>
+            <a:xfrm>
+              <a:off x="7092346" y="1414463"/>
+              <a:ext cx="2520280" cy="457420"/>
+            </a:xfrm>
+            <a:prstGeom prst="rect">
+              <a:avLst/>
+            </a:prstGeom>
+            <a:solidFill>
+              <a:schemeClr val="accent5">
+                <a:lumMod val="60000"/>
+                <a:lumOff val="40000"/>
+              </a:schemeClr>
+            </a:solidFill>
+            <a:ln>
+              <a:noFill/>
+            </a:ln>
+          </p:spPr>
+          <p:style>
+            <a:lnRef idx="2">
+              <a:schemeClr val="accent1">
+                <a:shade val="50000"/>
+              </a:schemeClr>
+            </a:lnRef>
+            <a:fillRef idx="1">
+              <a:schemeClr val="accent1"/>
+            </a:fillRef>
+            <a:effectRef idx="0">
+              <a:schemeClr val="accent1"/>
+            </a:effectRef>
+            <a:fontRef idx="minor">
+              <a:schemeClr val="lt1"/>
+            </a:fontRef>
+          </p:style>
+          <p:txBody>
+            <a:bodyPr rtlCol="0" anchor="ctr"/>
+            <a:lstStyle/>
+            <a:p>
+              <a:pPr algn="ctr"/>
+              <a:r>
+                <a:rPr lang="zh-CN" altLang="en-US" sz="1400" dirty="0" smtClean="0">
+                  <a:solidFill>
+                    <a:prstClr val="white"/>
+                  </a:solidFill>
+                  <a:latin typeface="宋体"/>
+                </a:rPr>
+                <a:t>去完成任务</a:t>
+              </a:r>
+              <a:r>
+                <a:rPr lang="en-US" altLang="zh-CN" sz="1400" dirty="0" smtClean="0">
+                  <a:solidFill>
+                    <a:prstClr val="white"/>
+                  </a:solidFill>
+                  <a:latin typeface="宋体"/>
+                </a:rPr>
+                <a:t>2 </a:t>
+              </a:r>
+              <a:r>
+                <a:rPr lang="zh-CN" altLang="en-US" sz="1400" dirty="0" smtClean="0">
+                  <a:solidFill>
+                    <a:prstClr val="white"/>
+                  </a:solidFill>
+                  <a:latin typeface="宋体"/>
+                </a:rPr>
+                <a:t>获</a:t>
+              </a:r>
+              <a:r>
+                <a:rPr lang="en-US" altLang="zh-CN" sz="1400" dirty="0" smtClean="0">
+                  <a:solidFill>
+                    <a:prstClr val="white"/>
+                  </a:solidFill>
+                  <a:latin typeface="宋体"/>
+                </a:rPr>
+                <a:t>100</a:t>
+              </a:r>
+              <a:r>
+                <a:rPr lang="zh-CN" altLang="en-US" sz="1400" dirty="0" smtClean="0">
+                  <a:solidFill>
+                    <a:prstClr val="white"/>
+                  </a:solidFill>
+                  <a:latin typeface="宋体"/>
+                </a:rPr>
+                <a:t>积分</a:t>
+              </a:r>
+              <a:endParaRPr lang="zh-CN" altLang="en-US" sz="1400" dirty="0">
+                <a:solidFill>
+                  <a:prstClr val="white"/>
+                </a:solidFill>
+                <a:latin typeface="宋体"/>
+              </a:endParaRPr>
+            </a:p>
+          </p:txBody>
+        </p:sp>
+        <p:sp>
+          <p:nvSpPr>
+            <p:cNvPr id="41" name="矩形 40"/>
+            <p:cNvSpPr/>
+            <p:nvPr/>
+          </p:nvSpPr>
+          <p:spPr>
+            <a:xfrm>
+              <a:off x="7092346" y="1918519"/>
+              <a:ext cx="2520280" cy="457420"/>
+            </a:xfrm>
+            <a:prstGeom prst="rect">
+              <a:avLst/>
+            </a:prstGeom>
+            <a:solidFill>
+              <a:schemeClr val="accent5">
+                <a:lumMod val="60000"/>
+                <a:lumOff val="40000"/>
+              </a:schemeClr>
+            </a:solidFill>
+            <a:ln>
+              <a:noFill/>
+            </a:ln>
+          </p:spPr>
+          <p:style>
+            <a:lnRef idx="2">
+              <a:schemeClr val="accent1">
+                <a:shade val="50000"/>
+              </a:schemeClr>
+            </a:lnRef>
+            <a:fillRef idx="1">
+              <a:schemeClr val="accent1"/>
+            </a:fillRef>
+            <a:effectRef idx="0">
+              <a:schemeClr val="accent1"/>
+            </a:effectRef>
+            <a:fontRef idx="minor">
+              <a:schemeClr val="lt1"/>
+            </a:fontRef>
+          </p:style>
+          <p:txBody>
+            <a:bodyPr rtlCol="0" anchor="ctr"/>
+            <a:lstStyle/>
+            <a:p>
+              <a:pPr algn="ctr"/>
+              <a:r>
+                <a:rPr lang="zh-CN" altLang="en-US" sz="1400" dirty="0" smtClean="0">
+                  <a:solidFill>
+                    <a:prstClr val="white"/>
+                  </a:solidFill>
+                  <a:latin typeface="宋体"/>
+                </a:rPr>
+                <a:t>去完成任务</a:t>
+              </a:r>
+              <a:r>
+                <a:rPr lang="en-US" altLang="zh-CN" sz="1400" dirty="0" smtClean="0">
+                  <a:solidFill>
+                    <a:prstClr val="white"/>
+                  </a:solidFill>
+                  <a:latin typeface="宋体"/>
+                </a:rPr>
+                <a:t>3 </a:t>
+              </a:r>
+              <a:r>
+                <a:rPr lang="zh-CN" altLang="en-US" sz="1400" dirty="0" smtClean="0">
+                  <a:solidFill>
+                    <a:prstClr val="white"/>
+                  </a:solidFill>
+                  <a:latin typeface="宋体"/>
+                </a:rPr>
+                <a:t>获</a:t>
+              </a:r>
+              <a:r>
+                <a:rPr lang="en-US" altLang="zh-CN" sz="1400" dirty="0" smtClean="0">
+                  <a:solidFill>
+                    <a:prstClr val="white"/>
+                  </a:solidFill>
+                  <a:latin typeface="宋体"/>
+                </a:rPr>
+                <a:t>200</a:t>
+              </a:r>
+              <a:r>
+                <a:rPr lang="zh-CN" altLang="en-US" sz="1400" dirty="0" smtClean="0">
+                  <a:solidFill>
+                    <a:prstClr val="white"/>
+                  </a:solidFill>
+                  <a:latin typeface="宋体"/>
+                </a:rPr>
+                <a:t>积分</a:t>
+              </a:r>
+              <a:endParaRPr lang="zh-CN" altLang="en-US" sz="1400" dirty="0">
+                <a:solidFill>
+                  <a:prstClr val="white"/>
+                </a:solidFill>
+                <a:latin typeface="宋体"/>
+              </a:endParaRPr>
+            </a:p>
+          </p:txBody>
+        </p:sp>
+        <p:sp>
+          <p:nvSpPr>
+            <p:cNvPr id="42" name="矩形 41"/>
+            <p:cNvSpPr/>
+            <p:nvPr/>
+          </p:nvSpPr>
+          <p:spPr>
+            <a:xfrm>
+              <a:off x="7092346" y="2447947"/>
+              <a:ext cx="2520280" cy="457420"/>
+            </a:xfrm>
+            <a:prstGeom prst="rect">
+              <a:avLst/>
+            </a:prstGeom>
+            <a:solidFill>
+              <a:schemeClr val="accent5">
+                <a:lumMod val="60000"/>
+                <a:lumOff val="40000"/>
+              </a:schemeClr>
+            </a:solidFill>
+            <a:ln>
+              <a:noFill/>
+            </a:ln>
+          </p:spPr>
+          <p:style>
+            <a:lnRef idx="2">
+              <a:schemeClr val="accent1">
+                <a:shade val="50000"/>
+              </a:schemeClr>
+            </a:lnRef>
+            <a:fillRef idx="1">
+              <a:schemeClr val="accent1"/>
+            </a:fillRef>
+            <a:effectRef idx="0">
+              <a:schemeClr val="accent1"/>
+            </a:effectRef>
+            <a:fontRef idx="minor">
+              <a:schemeClr val="lt1"/>
+            </a:fontRef>
+          </p:style>
+          <p:txBody>
+            <a:bodyPr rtlCol="0" anchor="ctr"/>
+            <a:lstStyle/>
+            <a:p>
+              <a:pPr algn="ctr"/>
+              <a:r>
+                <a:rPr lang="zh-CN" altLang="en-US" sz="1400" dirty="0" smtClean="0">
+                  <a:solidFill>
+                    <a:prstClr val="white"/>
+                  </a:solidFill>
+                  <a:latin typeface="宋体"/>
+                </a:rPr>
+                <a:t>去完成任务</a:t>
+              </a:r>
+              <a:r>
+                <a:rPr lang="en-US" altLang="zh-CN" sz="1400" dirty="0" smtClean="0">
+                  <a:solidFill>
+                    <a:prstClr val="white"/>
+                  </a:solidFill>
+                  <a:latin typeface="宋体"/>
+                </a:rPr>
+                <a:t>4 </a:t>
+              </a:r>
+              <a:r>
+                <a:rPr lang="zh-CN" altLang="en-US" sz="1400" dirty="0" smtClean="0">
+                  <a:solidFill>
+                    <a:prstClr val="white"/>
+                  </a:solidFill>
+                  <a:latin typeface="宋体"/>
+                </a:rPr>
+                <a:t>获</a:t>
+              </a:r>
+              <a:r>
+                <a:rPr lang="en-US" altLang="zh-CN" sz="1400" dirty="0" smtClean="0">
+                  <a:solidFill>
+                    <a:prstClr val="white"/>
+                  </a:solidFill>
+                  <a:latin typeface="宋体"/>
+                </a:rPr>
+                <a:t>300</a:t>
+              </a:r>
+              <a:r>
+                <a:rPr lang="zh-CN" altLang="en-US" sz="1400" dirty="0" smtClean="0">
+                  <a:solidFill>
+                    <a:prstClr val="white"/>
+                  </a:solidFill>
+                  <a:latin typeface="宋体"/>
+                </a:rPr>
+                <a:t>积分</a:t>
+              </a:r>
+              <a:endParaRPr lang="zh-CN" altLang="en-US" sz="1400" dirty="0">
+                <a:solidFill>
+                  <a:prstClr val="white"/>
+                </a:solidFill>
+                <a:latin typeface="宋体"/>
+              </a:endParaRPr>
+            </a:p>
+          </p:txBody>
+        </p:sp>
+        <p:sp>
+          <p:nvSpPr>
+            <p:cNvPr id="43" name="矩形 42"/>
+            <p:cNvSpPr/>
+            <p:nvPr/>
+          </p:nvSpPr>
+          <p:spPr>
+            <a:xfrm>
+              <a:off x="7123584" y="4725144"/>
+              <a:ext cx="2520280" cy="457420"/>
+            </a:xfrm>
+            <a:prstGeom prst="rect">
+              <a:avLst/>
+            </a:prstGeom>
+            <a:solidFill>
+              <a:schemeClr val="accent5">
+                <a:lumMod val="75000"/>
+              </a:schemeClr>
+            </a:solidFill>
+            <a:ln>
+              <a:solidFill>
+                <a:schemeClr val="accent5">
+                  <a:lumMod val="75000"/>
+                </a:schemeClr>
+              </a:solidFill>
+            </a:ln>
+          </p:spPr>
+          <p:style>
+            <a:lnRef idx="2">
+              <a:schemeClr val="accent1">
+                <a:shade val="50000"/>
+              </a:schemeClr>
+            </a:lnRef>
+            <a:fillRef idx="1">
+              <a:schemeClr val="accent1"/>
+            </a:fillRef>
+            <a:effectRef idx="0">
+              <a:schemeClr val="accent1"/>
+            </a:effectRef>
+            <a:fontRef idx="minor">
+              <a:schemeClr val="lt1"/>
+            </a:fontRef>
+          </p:style>
+          <p:txBody>
+            <a:bodyPr rtlCol="0" anchor="ctr"/>
+            <a:lstStyle/>
+            <a:p>
+              <a:pPr algn="ctr"/>
+              <a:r>
+                <a:rPr lang="zh-CN" altLang="en-US" sz="1400" dirty="0" smtClean="0">
+                  <a:solidFill>
+                    <a:prstClr val="white"/>
+                  </a:solidFill>
+                  <a:latin typeface="宋体"/>
+                </a:rPr>
+                <a:t>联系客服</a:t>
+              </a:r>
+              <a:endParaRPr lang="zh-CN" altLang="en-US" sz="1400" dirty="0">
+                <a:solidFill>
+                  <a:prstClr val="white"/>
+                </a:solidFill>
+                <a:latin typeface="宋体"/>
+              </a:endParaRPr>
+            </a:p>
+          </p:txBody>
+        </p:sp>
+        <p:sp>
+          <p:nvSpPr>
+            <p:cNvPr id="45" name="矩形 44"/>
+            <p:cNvSpPr/>
+            <p:nvPr/>
+          </p:nvSpPr>
+          <p:spPr>
+            <a:xfrm>
+              <a:off x="7087580" y="485708"/>
+              <a:ext cx="2628292" cy="351004"/>
+            </a:xfrm>
+            <a:prstGeom prst="rect">
+              <a:avLst/>
+            </a:prstGeom>
+            <a:solidFill>
+              <a:schemeClr val="accent5">
+                <a:lumMod val="75000"/>
+              </a:schemeClr>
+            </a:solidFill>
+            <a:ln>
+              <a:noFill/>
+            </a:ln>
+          </p:spPr>
+          <p:style>
+            <a:lnRef idx="2">
+              <a:schemeClr val="accent1">
+                <a:shade val="50000"/>
+              </a:schemeClr>
+            </a:lnRef>
+            <a:fillRef idx="1">
+              <a:schemeClr val="accent1"/>
+            </a:fillRef>
+            <a:effectRef idx="0">
+              <a:schemeClr val="accent1"/>
+            </a:effectRef>
+            <a:fontRef idx="minor">
+              <a:schemeClr val="lt1"/>
+            </a:fontRef>
+          </p:style>
+          <p:txBody>
+            <a:bodyPr rtlCol="0" anchor="ctr"/>
+            <a:lstStyle/>
+            <a:p>
+              <a:pPr algn="ctr"/>
+              <a:r>
+                <a:rPr lang="zh-CN" altLang="en-US" dirty="0">
+                  <a:solidFill>
+                    <a:prstClr val="white"/>
+                  </a:solidFill>
+                </a:rPr>
+                <a:t>消息</a:t>
+              </a:r>
+              <a:r>
+                <a:rPr lang="zh-CN" altLang="en-US" dirty="0" smtClean="0">
+                  <a:solidFill>
+                    <a:prstClr val="white"/>
+                  </a:solidFill>
+                </a:rPr>
+                <a:t>列表</a:t>
+              </a:r>
+              <a:endParaRPr lang="zh-CN" altLang="en-US" dirty="0">
+                <a:solidFill>
+                  <a:prstClr val="white"/>
+                </a:solidFill>
+              </a:endParaRPr>
+            </a:p>
+          </p:txBody>
+        </p:sp>
+      </p:grpSp>
+      <p:sp>
+        <p:nvSpPr>
+          <p:cNvPr id="39" name="TextBox 38"/>
+          <p:cNvSpPr txBox="1"/>
+          <p:nvPr/>
+        </p:nvSpPr>
+        <p:spPr>
+          <a:xfrm>
+            <a:off x="6179807" y="256348"/>
+            <a:ext cx="3463696" cy="2308324"/>
+          </a:xfrm>
+          <a:prstGeom prst="rect">
+            <a:avLst/>
+          </a:prstGeom>
+          <a:solidFill>
+            <a:schemeClr val="bg1"/>
+          </a:solidFill>
+          <a:ln>
+            <a:solidFill>
+              <a:schemeClr val="accent5">
+                <a:lumMod val="75000"/>
+              </a:schemeClr>
+            </a:solidFill>
+          </a:ln>
+        </p:spPr>
+        <p:txBody>
+          <a:bodyPr wrap="square" rtlCol="0">
+            <a:spAutoFit/>
+          </a:bodyPr>
+          <a:lstStyle/>
+          <a:p>
+            <a:pPr>
+              <a:lnSpc>
+                <a:spcPct val="150000"/>
+              </a:lnSpc>
+            </a:pPr>
+            <a:r>
+              <a:rPr lang="zh-CN" altLang="en-US" sz="1200" dirty="0">
+                <a:latin typeface="+mn-ea"/>
+              </a:rPr>
+              <a:t>用户主页</a:t>
+            </a:r>
+            <a:r>
+              <a:rPr lang="zh-CN" altLang="en-US" sz="1200" dirty="0" smtClean="0">
+                <a:latin typeface="+mn-ea"/>
+              </a:rPr>
+              <a:t>点击消息按钮</a:t>
+            </a:r>
+            <a:r>
+              <a:rPr lang="zh-CN" altLang="en-US" sz="1200" dirty="0">
+                <a:latin typeface="+mn-ea"/>
+              </a:rPr>
+              <a:t>后进入此页。</a:t>
+            </a:r>
+            <a:endParaRPr lang="en-US" altLang="zh-CN" sz="1200" dirty="0">
+              <a:latin typeface="+mn-ea"/>
+            </a:endParaRPr>
+          </a:p>
+          <a:p>
+            <a:pPr>
+              <a:lnSpc>
+                <a:spcPct val="150000"/>
+              </a:lnSpc>
+            </a:pPr>
+            <a:r>
+              <a:rPr lang="zh-CN" altLang="en-US" sz="1200" dirty="0" smtClean="0">
+                <a:solidFill>
+                  <a:prstClr val="black"/>
+                </a:solidFill>
+                <a:latin typeface="宋体"/>
+              </a:rPr>
+              <a:t>消息列表显示后台反馈给用户的各种信息。</a:t>
+            </a:r>
+            <a:endParaRPr lang="en-US" altLang="zh-CN" sz="1200" dirty="0" smtClean="0">
+              <a:solidFill>
+                <a:prstClr val="black"/>
+              </a:solidFill>
+              <a:latin typeface="宋体"/>
+            </a:endParaRPr>
+          </a:p>
+          <a:p>
+            <a:pPr>
+              <a:lnSpc>
+                <a:spcPct val="150000"/>
+              </a:lnSpc>
+            </a:pPr>
+            <a:r>
+              <a:rPr lang="zh-CN" altLang="en-US" sz="1200" dirty="0" smtClean="0">
+                <a:solidFill>
+                  <a:prstClr val="black"/>
+                </a:solidFill>
+                <a:latin typeface="宋体"/>
+              </a:rPr>
+              <a:t>若有新未读信息应当着重显示。</a:t>
+            </a:r>
+            <a:endParaRPr lang="en-US" altLang="zh-CN" sz="1200" dirty="0" smtClean="0">
+              <a:solidFill>
+                <a:prstClr val="black"/>
+              </a:solidFill>
+              <a:latin typeface="宋体"/>
+            </a:endParaRPr>
+          </a:p>
+          <a:p>
+            <a:pPr>
+              <a:lnSpc>
+                <a:spcPct val="150000"/>
+              </a:lnSpc>
+            </a:pPr>
+            <a:r>
+              <a:rPr lang="en-US" altLang="zh-CN" sz="1200" dirty="0" smtClean="0">
+                <a:solidFill>
+                  <a:prstClr val="black"/>
+                </a:solidFill>
+                <a:latin typeface="宋体"/>
+              </a:rPr>
+              <a:t>1</a:t>
+            </a:r>
+            <a:r>
+              <a:rPr lang="zh-CN" altLang="en-US" sz="1200" dirty="0" smtClean="0">
+                <a:solidFill>
+                  <a:prstClr val="black"/>
+                </a:solidFill>
+                <a:latin typeface="宋体"/>
+              </a:rPr>
+              <a:t>、列表显示各消息</a:t>
+            </a:r>
+            <a:endParaRPr lang="en-US" altLang="zh-CN" sz="1200" dirty="0" smtClean="0">
+              <a:solidFill>
+                <a:prstClr val="black"/>
+              </a:solidFill>
+              <a:latin typeface="宋体"/>
+            </a:endParaRPr>
+          </a:p>
+          <a:p>
+            <a:pPr>
+              <a:lnSpc>
+                <a:spcPct val="150000"/>
+              </a:lnSpc>
+            </a:pPr>
+            <a:r>
+              <a:rPr lang="en-US" altLang="zh-CN" sz="1200" dirty="0">
+                <a:solidFill>
+                  <a:prstClr val="black"/>
+                </a:solidFill>
+                <a:latin typeface="宋体"/>
+              </a:rPr>
+              <a:t>2</a:t>
+            </a:r>
+            <a:r>
+              <a:rPr lang="zh-CN" altLang="en-US" sz="1200" dirty="0" smtClean="0">
+                <a:solidFill>
+                  <a:prstClr val="black"/>
+                </a:solidFill>
+                <a:latin typeface="宋体"/>
+              </a:rPr>
+              <a:t>、</a:t>
+            </a:r>
+            <a:r>
+              <a:rPr lang="zh-CN" altLang="en-US" sz="1200" dirty="0" smtClean="0">
+                <a:solidFill>
+                  <a:prstClr val="black"/>
+                </a:solidFill>
+                <a:latin typeface="宋体"/>
+              </a:rPr>
+              <a:t>联系客服功能推送</a:t>
+            </a:r>
+            <a:r>
+              <a:rPr lang="zh-CN" altLang="en-US" sz="1200" dirty="0" smtClean="0">
+                <a:solidFill>
+                  <a:srgbClr val="FF0000"/>
+                </a:solidFill>
+                <a:latin typeface="宋体"/>
+              </a:rPr>
+              <a:t>任务客服微信号</a:t>
+            </a:r>
+            <a:r>
+              <a:rPr lang="zh-CN" altLang="en-US" sz="1200" dirty="0" smtClean="0">
+                <a:solidFill>
+                  <a:prstClr val="black"/>
+                </a:solidFill>
+                <a:latin typeface="宋体"/>
+              </a:rPr>
+              <a:t>或者</a:t>
+            </a:r>
+            <a:r>
+              <a:rPr lang="zh-CN" altLang="en-US" sz="1200" dirty="0" smtClean="0">
+                <a:solidFill>
+                  <a:srgbClr val="FF0000"/>
+                </a:solidFill>
+                <a:latin typeface="宋体"/>
+              </a:rPr>
+              <a:t>客服二维码</a:t>
+            </a:r>
+            <a:endParaRPr lang="en-US" altLang="zh-CN" sz="1200" dirty="0" smtClean="0">
+              <a:solidFill>
+                <a:srgbClr val="FF0000"/>
+              </a:solidFill>
+              <a:latin typeface="宋体"/>
+            </a:endParaRPr>
+          </a:p>
+          <a:p>
+            <a:pPr>
+              <a:lnSpc>
+                <a:spcPct val="150000"/>
+              </a:lnSpc>
+            </a:pPr>
+            <a:r>
+              <a:rPr lang="zh-CN" altLang="en-US" sz="1200" dirty="0" smtClean="0">
+                <a:solidFill>
+                  <a:prstClr val="black"/>
+                </a:solidFill>
+                <a:latin typeface="宋体"/>
+              </a:rPr>
+              <a:t>点击</a:t>
+            </a:r>
+            <a:r>
+              <a:rPr lang="zh-CN" altLang="en-US" sz="1200" dirty="0" smtClean="0">
+                <a:solidFill>
+                  <a:prstClr val="black"/>
+                </a:solidFill>
+                <a:latin typeface="宋体"/>
+              </a:rPr>
+              <a:t>任意消息，进入消息内容页</a:t>
+            </a:r>
+            <a:endParaRPr lang="en-US" altLang="zh-CN" sz="1200" dirty="0">
+              <a:solidFill>
+                <a:prstClr val="black"/>
+              </a:solidFill>
+              <a:latin typeface="宋体"/>
+            </a:endParaRPr>
+          </a:p>
+          <a:p>
+            <a:pPr>
+              <a:lnSpc>
+                <a:spcPct val="150000"/>
+              </a:lnSpc>
+            </a:pPr>
+            <a:r>
+              <a:rPr lang="zh-CN" altLang="en-US" sz="1200" dirty="0" smtClean="0">
+                <a:solidFill>
+                  <a:srgbClr val="FF0000"/>
+                </a:solidFill>
+                <a:latin typeface="宋体"/>
+              </a:rPr>
+              <a:t>左上角或合适位置需添加返回上一页按钮</a:t>
+            </a:r>
+            <a:endParaRPr lang="zh-CN" altLang="en-US" sz="1200" dirty="0">
+              <a:solidFill>
+                <a:srgbClr val="FF0000"/>
+              </a:solidFill>
+              <a:latin typeface="宋体"/>
+            </a:endParaRPr>
+          </a:p>
+        </p:txBody>
+      </p:sp>
+      <p:grpSp>
+        <p:nvGrpSpPr>
+          <p:cNvPr id="12" name="组合 11"/>
+          <p:cNvGrpSpPr/>
+          <p:nvPr/>
+        </p:nvGrpSpPr>
+        <p:grpSpPr>
+          <a:xfrm>
+            <a:off x="3099063" y="341378"/>
+            <a:ext cx="2728377" cy="5417531"/>
+            <a:chOff x="8038489" y="193297"/>
+            <a:chExt cx="1656184" cy="3979144"/>
+          </a:xfrm>
+        </p:grpSpPr>
+        <p:grpSp>
+          <p:nvGrpSpPr>
+            <p:cNvPr id="9" name="组合 8"/>
+            <p:cNvGrpSpPr/>
+            <p:nvPr/>
+          </p:nvGrpSpPr>
+          <p:grpSpPr>
+            <a:xfrm>
+              <a:off x="8038489" y="193297"/>
+              <a:ext cx="1656184" cy="3234785"/>
+              <a:chOff x="8049344" y="698271"/>
+              <a:chExt cx="1656184" cy="3234785"/>
+            </a:xfrm>
+          </p:grpSpPr>
+          <p:sp>
+            <p:nvSpPr>
+              <p:cNvPr id="6" name="圆角矩形 5"/>
+              <p:cNvSpPr/>
+              <p:nvPr/>
+            </p:nvSpPr>
+            <p:spPr>
+              <a:xfrm>
+                <a:off x="8049344" y="698271"/>
+                <a:ext cx="1656184" cy="3234785"/>
+              </a:xfrm>
+              <a:prstGeom prst="roundRect">
+                <a:avLst/>
+              </a:prstGeom>
+              <a:solidFill>
+                <a:schemeClr val="accent5">
+                  <a:lumMod val="40000"/>
+                  <a:lumOff val="60000"/>
+                </a:schemeClr>
+              </a:solidFill>
+              <a:ln>
+                <a:solidFill>
+                  <a:schemeClr val="accent5">
+                    <a:lumMod val="50000"/>
+                  </a:schemeClr>
+                </a:solidFill>
+              </a:ln>
+            </p:spPr>
+            <p:style>
+              <a:lnRef idx="2">
+                <a:schemeClr val="accent1">
+                  <a:shade val="50000"/>
+                </a:schemeClr>
+              </a:lnRef>
+              <a:fillRef idx="1">
+                <a:schemeClr val="accent1"/>
+              </a:fillRef>
+              <a:effectRef idx="0">
+                <a:schemeClr val="accent1"/>
+              </a:effectRef>
+              <a:fontRef idx="minor">
+                <a:schemeClr val="lt1"/>
+              </a:fontRef>
+            </p:style>
+            <p:txBody>
+              <a:bodyPr rtlCol="0" anchor="ctr"/>
+              <a:lstStyle/>
+              <a:p>
+                <a:pPr algn="ctr"/>
+                <a:endParaRPr lang="zh-CN" altLang="en-US">
+                  <a:solidFill>
+                    <a:prstClr val="white"/>
+                  </a:solidFill>
+                </a:endParaRPr>
+              </a:p>
+            </p:txBody>
+          </p:sp>
+          <p:sp>
+            <p:nvSpPr>
+              <p:cNvPr id="7" name="矩形 6"/>
+              <p:cNvSpPr/>
+              <p:nvPr/>
+            </p:nvSpPr>
+            <p:spPr>
+              <a:xfrm>
+                <a:off x="8193360" y="836712"/>
+                <a:ext cx="1368152" cy="216024"/>
+              </a:xfrm>
+              <a:prstGeom prst="rect">
+                <a:avLst/>
+              </a:prstGeom>
+              <a:solidFill>
+                <a:schemeClr val="accent5">
+                  <a:lumMod val="75000"/>
+                </a:schemeClr>
+              </a:solidFill>
+              <a:ln>
+                <a:solidFill>
+                  <a:schemeClr val="accent5">
+                    <a:lumMod val="50000"/>
+                  </a:schemeClr>
+                </a:solidFill>
+              </a:ln>
+            </p:spPr>
+            <p:style>
+              <a:lnRef idx="2">
+                <a:schemeClr val="accent1">
+                  <a:shade val="50000"/>
+                </a:schemeClr>
+              </a:lnRef>
+              <a:fillRef idx="1">
+                <a:schemeClr val="accent1"/>
+              </a:fillRef>
+              <a:effectRef idx="0">
+                <a:schemeClr val="accent1"/>
+              </a:effectRef>
+              <a:fontRef idx="minor">
+                <a:schemeClr val="lt1"/>
+              </a:fontRef>
+            </p:style>
+            <p:txBody>
+              <a:bodyPr rtlCol="0" anchor="ctr"/>
+              <a:lstStyle/>
+              <a:p>
+                <a:pPr algn="ctr"/>
+                <a:r>
+                  <a:rPr lang="zh-CN" altLang="en-US" sz="1100" dirty="0" smtClean="0">
+                    <a:solidFill>
+                      <a:prstClr val="white"/>
+                    </a:solidFill>
+                  </a:rPr>
+                  <a:t>消息内容</a:t>
+                </a:r>
+                <a:endParaRPr lang="zh-CN" altLang="en-US" sz="1100" dirty="0">
+                  <a:solidFill>
+                    <a:prstClr val="white"/>
+                  </a:solidFill>
+                </a:endParaRPr>
+              </a:p>
+            </p:txBody>
+          </p:sp>
+          <p:sp>
+            <p:nvSpPr>
+              <p:cNvPr id="8" name="矩形 7"/>
+              <p:cNvSpPr/>
+              <p:nvPr/>
+            </p:nvSpPr>
+            <p:spPr>
+              <a:xfrm>
+                <a:off x="8193360" y="1155471"/>
+                <a:ext cx="1368152" cy="2058424"/>
+              </a:xfrm>
+              <a:prstGeom prst="rect">
+                <a:avLst/>
+              </a:prstGeom>
+              <a:solidFill>
+                <a:schemeClr val="accent5">
+                  <a:lumMod val="75000"/>
+                </a:schemeClr>
+              </a:solidFill>
+              <a:ln>
+                <a:solidFill>
+                  <a:schemeClr val="accent5">
+                    <a:lumMod val="40000"/>
+                    <a:lumOff val="60000"/>
+                  </a:schemeClr>
+                </a:solidFill>
+              </a:ln>
+            </p:spPr>
+            <p:style>
+              <a:lnRef idx="2">
+                <a:schemeClr val="accent1">
+                  <a:shade val="50000"/>
+                </a:schemeClr>
+              </a:lnRef>
+              <a:fillRef idx="1">
+                <a:schemeClr val="accent1"/>
+              </a:fillRef>
+              <a:effectRef idx="0">
+                <a:schemeClr val="accent1"/>
+              </a:effectRef>
+              <a:fontRef idx="minor">
+                <a:schemeClr val="lt1"/>
+              </a:fontRef>
+            </p:style>
+            <p:txBody>
+              <a:bodyPr rtlCol="0" anchor="ctr"/>
+              <a:lstStyle/>
+              <a:p>
+                <a:pPr algn="ctr"/>
+                <a:r>
+                  <a:rPr lang="zh-CN" altLang="en-US" sz="900" dirty="0" smtClean="0">
+                    <a:solidFill>
+                      <a:prstClr val="white"/>
+                    </a:solidFill>
+                    <a:latin typeface="宋体"/>
+                  </a:rPr>
+                  <a:t>恭喜你你申请的</a:t>
+                </a:r>
+                <a:r>
+                  <a:rPr lang="en-US" altLang="zh-CN" sz="900" dirty="0" smtClean="0">
+                    <a:solidFill>
+                      <a:prstClr val="white"/>
+                    </a:solidFill>
+                    <a:latin typeface="宋体"/>
+                  </a:rPr>
+                  <a:t>XXX</a:t>
+                </a:r>
+                <a:r>
+                  <a:rPr lang="zh-CN" altLang="en-US" sz="900" dirty="0" smtClean="0">
+                    <a:solidFill>
+                      <a:prstClr val="white"/>
+                    </a:solidFill>
+                    <a:latin typeface="宋体"/>
+                  </a:rPr>
+                  <a:t>服务已成功受理</a:t>
+                </a:r>
+                <a:endParaRPr lang="zh-CN" altLang="en-US" sz="900" dirty="0">
+                  <a:solidFill>
+                    <a:prstClr val="white"/>
+                  </a:solidFill>
+                  <a:latin typeface="宋体"/>
+                </a:endParaRPr>
+              </a:p>
+            </p:txBody>
+          </p:sp>
+        </p:grpSp>
+        <p:sp>
+          <p:nvSpPr>
+            <p:cNvPr id="10" name="圆角矩形 9"/>
+            <p:cNvSpPr/>
+            <p:nvPr/>
+          </p:nvSpPr>
+          <p:spPr>
+            <a:xfrm>
+              <a:off x="8220049" y="2785307"/>
+              <a:ext cx="1285289" cy="262683"/>
+            </a:xfrm>
+            <a:prstGeom prst="roundRect">
+              <a:avLst/>
+            </a:prstGeom>
+            <a:solidFill>
+              <a:schemeClr val="accent5">
+                <a:lumMod val="75000"/>
+              </a:schemeClr>
+            </a:solidFill>
+            <a:ln>
+              <a:solidFill>
+                <a:schemeClr val="accent5">
+                  <a:lumMod val="40000"/>
+                  <a:lumOff val="60000"/>
+                </a:schemeClr>
+              </a:solidFill>
+            </a:ln>
+          </p:spPr>
+          <p:style>
+            <a:lnRef idx="2">
+              <a:schemeClr val="accent1">
+                <a:shade val="50000"/>
+              </a:schemeClr>
+            </a:lnRef>
+            <a:fillRef idx="1">
+              <a:schemeClr val="accent1"/>
+            </a:fillRef>
+            <a:effectRef idx="0">
+              <a:schemeClr val="accent1"/>
+            </a:effectRef>
+            <a:fontRef idx="minor">
+              <a:schemeClr val="lt1"/>
+            </a:fontRef>
+          </p:style>
+          <p:txBody>
+            <a:bodyPr rtlCol="0" anchor="ctr"/>
+            <a:lstStyle/>
+            <a:p>
+              <a:pPr algn="ctr"/>
+              <a:r>
+                <a:rPr lang="zh-CN" altLang="en-US" sz="1400" dirty="0" smtClean="0">
+                  <a:solidFill>
+                    <a:prstClr val="white"/>
+                  </a:solidFill>
+                </a:rPr>
+                <a:t>确定</a:t>
+              </a:r>
+              <a:endParaRPr lang="zh-CN" altLang="en-US" sz="1400" dirty="0">
+                <a:solidFill>
+                  <a:prstClr val="white"/>
+                </a:solidFill>
+              </a:endParaRPr>
+            </a:p>
+          </p:txBody>
+        </p:sp>
+        <p:sp>
+          <p:nvSpPr>
+            <p:cNvPr id="11" name="TextBox 10"/>
+            <p:cNvSpPr txBox="1"/>
+            <p:nvPr/>
+          </p:nvSpPr>
+          <p:spPr>
+            <a:xfrm>
+              <a:off x="8182506" y="3864664"/>
+              <a:ext cx="1368152" cy="307777"/>
+            </a:xfrm>
+            <a:prstGeom prst="rect">
+              <a:avLst/>
+            </a:prstGeom>
+            <a:noFill/>
+          </p:spPr>
+          <p:txBody>
+            <a:bodyPr wrap="square" rtlCol="0">
+              <a:spAutoFit/>
+            </a:bodyPr>
+            <a:lstStyle/>
+            <a:p>
+              <a:pPr algn="ctr"/>
+              <a:r>
+                <a:rPr lang="zh-CN" altLang="en-US" sz="1400" dirty="0" smtClean="0">
+                  <a:solidFill>
+                    <a:prstClr val="black"/>
+                  </a:solidFill>
+                </a:rPr>
+                <a:t>任务说明页</a:t>
+              </a:r>
+              <a:endParaRPr lang="zh-CN" altLang="en-US" sz="1400" dirty="0">
+                <a:solidFill>
+                  <a:prstClr val="black"/>
+                </a:solidFill>
+              </a:endParaRPr>
+            </a:p>
+          </p:txBody>
+        </p:sp>
+      </p:grpSp>
+      <p:sp>
+        <p:nvSpPr>
+          <p:cNvPr id="13" name="日期占位符 12"/>
+          <p:cNvSpPr>
+            <a:spLocks noGrp="1"/>
+          </p:cNvSpPr>
+          <p:nvPr>
+            <p:ph type="dt" sz="half" idx="10"/>
+          </p:nvPr>
+        </p:nvSpPr>
+        <p:spPr/>
+        <p:txBody>
+          <a:bodyPr/>
+          <a:lstStyle/>
+          <a:p>
+            <a:fld id="{62B3F82D-7961-4B47-8B89-D20C88EB9FA9}" type="datetime1">
+              <a:rPr lang="zh-CN" altLang="en-US" smtClean="0">
+                <a:solidFill>
+                  <a:prstClr val="black">
+                    <a:tint val="75000"/>
+                  </a:prstClr>
+                </a:solidFill>
+              </a:rPr>
+              <a:pPr/>
+              <a:t>2018/5/25</a:t>
+            </a:fld>
+            <a:endParaRPr lang="zh-CN" altLang="en-US">
+              <a:solidFill>
+                <a:prstClr val="black">
+                  <a:tint val="75000"/>
+                </a:prstClr>
+              </a:solidFill>
+            </a:endParaRPr>
+          </a:p>
+        </p:txBody>
+      </p:sp>
+      <p:sp>
+        <p:nvSpPr>
+          <p:cNvPr id="14" name="灯片编号占位符 13"/>
+          <p:cNvSpPr>
+            <a:spLocks noGrp="1"/>
+          </p:cNvSpPr>
+          <p:nvPr>
+            <p:ph type="sldNum" sz="quarter" idx="12"/>
+          </p:nvPr>
+        </p:nvSpPr>
+        <p:spPr/>
+        <p:txBody>
+          <a:bodyPr/>
+          <a:lstStyle/>
+          <a:p>
+            <a:fld id="{0C913308-F349-4B6D-A68A-DD1791B4A57B}" type="slidenum">
+              <a:rPr lang="zh-CN" altLang="en-US" smtClean="0">
+                <a:solidFill>
+                  <a:prstClr val="black">
+                    <a:tint val="75000"/>
+                  </a:prstClr>
+                </a:solidFill>
+              </a:rPr>
+              <a:pPr/>
+              <a:t>4</a:t>
+            </a:fld>
+            <a:endParaRPr lang="zh-CN" altLang="en-US">
+              <a:solidFill>
+                <a:prstClr val="black">
+                  <a:tint val="75000"/>
+                </a:prstClr>
+              </a:solidFill>
+            </a:endParaRPr>
+          </a:p>
+        </p:txBody>
+      </p:sp>
+      <p:sp>
+        <p:nvSpPr>
+          <p:cNvPr id="15" name="页脚占位符 14"/>
+          <p:cNvSpPr>
+            <a:spLocks noGrp="1"/>
+          </p:cNvSpPr>
+          <p:nvPr>
+            <p:ph type="ftr" sz="quarter" idx="11"/>
+          </p:nvPr>
+        </p:nvSpPr>
+        <p:spPr/>
+        <p:txBody>
+          <a:bodyPr/>
+          <a:lstStyle/>
+          <a:p>
+            <a:r>
+              <a:rPr lang="zh-CN" altLang="en-US" smtClean="0">
+                <a:solidFill>
+                  <a:prstClr val="black">
+                    <a:tint val="75000"/>
+                  </a:prstClr>
+                </a:solidFill>
+              </a:rPr>
+              <a:t>干货公会会员前端草图</a:t>
+            </a:r>
+            <a:endParaRPr lang="zh-CN" altLang="en-US">
+              <a:solidFill>
+                <a:prstClr val="black">
+                  <a:tint val="75000"/>
+                </a:prstClr>
+              </a:solidFill>
+            </a:endParaRPr>
+          </a:p>
+        </p:txBody>
+      </p:sp>
+    </p:spTree>
+    <p:extLst>
+      <p:ext uri="{BB962C8B-B14F-4D97-AF65-F5344CB8AC3E}">
+        <p14:creationId xmlns:p14="http://schemas.microsoft.com/office/powerpoint/2010/main" val="3422053819"/>
+      </p:ext>
+    </p:extLst>
+  </p:cSld>
+  <p:clrMapOvr>
+    <a:masterClrMapping/>
+  </p:clrMapOvr>
+  <p:timing>
+    <p:tnLst>
+      <p:par>
+        <p:cTn id="1" dur="indefinite" restart="never" nodeType="tmRoot"/>
+      </p:par>
+    </p:tnLst>
+  </p:timing>
+</p:sld>
+</file>
+
+<file path=ppt/slides/slide5.xml><?xml version="1.0" encoding="utf-8"?>
+<p:sld xmlns:a="http://schemas.openxmlformats.org/drawingml/2006/main" xmlns:r="http://schemas.openxmlformats.org/officeDocument/2006/relationships" xmlns:p="http://schemas.openxmlformats.org/presentationml/2006/main">
+  <p:cSld>
+    <p:spTree>
+      <p:nvGrpSpPr>
+        <p:cNvPr id="1" name=""/>
+        <p:cNvGrpSpPr/>
+        <p:nvPr/>
+      </p:nvGrpSpPr>
+      <p:grpSpPr>
+        <a:xfrm>
+          <a:off x="0" y="0"/>
+          <a:ext cx="0" cy="0"/>
+          <a:chOff x="0" y="0"/>
+          <a:chExt cx="0" cy="0"/>
+        </a:xfrm>
+      </p:grpSpPr>
+      <p:sp>
+        <p:nvSpPr>
           <p:cNvPr id="4" name="日期占位符 3"/>
           <p:cNvSpPr>
             <a:spLocks noGrp="1"/>
@@ -19918,7 +23133,7 @@
           <a:p>
             <a:fld id="{0C913308-F349-4B6D-A68A-DD1791B4A57B}" type="slidenum">
               <a:rPr lang="zh-CN" altLang="en-US" smtClean="0"/>
-              <a:t>4</a:t>
+              <a:t>5</a:t>
             </a:fld>
             <a:endParaRPr lang="zh-CN" altLang="en-US"/>
           </a:p>
@@ -20998,13 +24213,7 @@
               <a:rPr lang="zh-CN" altLang="en-US" sz="1200" dirty="0" smtClean="0">
                 <a:latin typeface="+mn-ea"/>
               </a:rPr>
-              <a:t>、兴趣</a:t>
-            </a:r>
-            <a:r>
-              <a:rPr lang="zh-CN" altLang="en-US" sz="1200" dirty="0" smtClean="0">
-                <a:latin typeface="+mn-ea"/>
-              </a:rPr>
-              <a:t>：用户自填</a:t>
+              <a:t>、兴趣：用户自填</a:t>
             </a:r>
             <a:endParaRPr lang="en-US" altLang="zh-CN" sz="1200" dirty="0">
               <a:latin typeface="+mn-ea"/>
@@ -21135,7 +24344,7 @@
 </p:sld>
 </file>
 
-<file path=ppt/slides/slide5.xml><?xml version="1.0" encoding="utf-8"?>
+<file path=ppt/slides/slide6.xml><?xml version="1.0" encoding="utf-8"?>
 <p:sld xmlns:a="http://schemas.openxmlformats.org/drawingml/2006/main" xmlns:r="http://schemas.openxmlformats.org/officeDocument/2006/relationships" xmlns:p="http://schemas.openxmlformats.org/presentationml/2006/main">
   <p:cSld>
     <p:spTree>
@@ -22440,7 +25649,7 @@
           <a:p>
             <a:fld id="{0C913308-F349-4B6D-A68A-DD1791B4A57B}" type="slidenum">
               <a:rPr lang="zh-CN" altLang="en-US" smtClean="0"/>
-              <a:t>5</a:t>
+              <a:t>6</a:t>
             </a:fld>
             <a:endParaRPr lang="zh-CN" altLang="en-US"/>
           </a:p>
@@ -22930,7 +26139,7 @@
 </p:sld>
 </file>
 
-<file path=ppt/slides/slide6.xml><?xml version="1.0" encoding="utf-8"?>
+<file path=ppt/slides/slide7.xml><?xml version="1.0" encoding="utf-8"?>
 <p:sld xmlns:a="http://schemas.openxmlformats.org/drawingml/2006/main" xmlns:r="http://schemas.openxmlformats.org/officeDocument/2006/relationships" xmlns:p="http://schemas.openxmlformats.org/presentationml/2006/main">
   <p:cSld>
     <p:spTree>
@@ -23010,7 +26219,7 @@
           <a:p>
             <a:fld id="{0C913308-F349-4B6D-A68A-DD1791B4A57B}" type="slidenum">
               <a:rPr lang="zh-CN" altLang="en-US" smtClean="0"/>
-              <a:t>6</a:t>
+              <a:t>7</a:t>
             </a:fld>
             <a:endParaRPr lang="zh-CN" altLang="en-US"/>
           </a:p>
@@ -23694,7 +26903,7 @@
 </p:sld>
 </file>
 
-<file path=ppt/slides/slide7.xml><?xml version="1.0" encoding="utf-8"?>
+<file path=ppt/slides/slide8.xml><?xml version="1.0" encoding="utf-8"?>
 <p:sld xmlns:a="http://schemas.openxmlformats.org/drawingml/2006/main" xmlns:r="http://schemas.openxmlformats.org/officeDocument/2006/relationships" xmlns:p="http://schemas.openxmlformats.org/presentationml/2006/main">
   <p:cSld>
     <p:spTree>
@@ -24936,7 +28145,7 @@
           <a:p>
             <a:fld id="{0C913308-F349-4B6D-A68A-DD1791B4A57B}" type="slidenum">
               <a:rPr lang="zh-CN" altLang="en-US" smtClean="0"/>
-              <a:t>7</a:t>
+              <a:t>8</a:t>
             </a:fld>
             <a:endParaRPr lang="zh-CN" altLang="en-US"/>
           </a:p>
@@ -24985,7 +28194,7 @@
 </p:sld>
 </file>
 
-<file path=ppt/slides/slide8.xml><?xml version="1.0" encoding="utf-8"?>
+<file path=ppt/slides/slide9.xml><?xml version="1.0" encoding="utf-8"?>
 <p:sld xmlns:a="http://schemas.openxmlformats.org/drawingml/2006/main" xmlns:r="http://schemas.openxmlformats.org/officeDocument/2006/relationships" xmlns:p="http://schemas.openxmlformats.org/presentationml/2006/main">
   <p:cSld>
     <p:spTree>
@@ -25814,7 +29023,7 @@
           <a:p>
             <a:fld id="{0C913308-F349-4B6D-A68A-DD1791B4A57B}" type="slidenum">
               <a:rPr lang="zh-CN" altLang="en-US" smtClean="0"/>
-              <a:t>8</a:t>
+              <a:t>9</a:t>
             </a:fld>
             <a:endParaRPr lang="zh-CN" altLang="en-US"/>
           </a:p>
@@ -26429,1692 +29638,6 @@
     <p:extLst>
       <p:ext uri="{BB962C8B-B14F-4D97-AF65-F5344CB8AC3E}">
         <p14:creationId xmlns:p14="http://schemas.microsoft.com/office/powerpoint/2010/main" val="2484591785"/>
-      </p:ext>
-    </p:extLst>
-  </p:cSld>
-  <p:clrMapOvr>
-    <a:masterClrMapping/>
-  </p:clrMapOvr>
-  <p:timing>
-    <p:tnLst>
-      <p:par>
-        <p:cTn id="1" dur="indefinite" restart="never" nodeType="tmRoot"/>
-      </p:par>
-    </p:tnLst>
-  </p:timing>
-</p:sld>
-</file>
-
-<file path=ppt/slides/slide9.xml><?xml version="1.0" encoding="utf-8"?>
-<p:sld xmlns:a="http://schemas.openxmlformats.org/drawingml/2006/main" xmlns:r="http://schemas.openxmlformats.org/officeDocument/2006/relationships" xmlns:p="http://schemas.openxmlformats.org/presentationml/2006/main">
-  <p:cSld>
-    <p:spTree>
-      <p:nvGrpSpPr>
-        <p:cNvPr id="1" name=""/>
-        <p:cNvGrpSpPr/>
-        <p:nvPr/>
-      </p:nvGrpSpPr>
-      <p:grpSpPr>
-        <a:xfrm>
-          <a:off x="0" y="0"/>
-          <a:ext cx="0" cy="0"/>
-          <a:chOff x="0" y="0"/>
-          <a:chExt cx="0" cy="0"/>
-        </a:xfrm>
-      </p:grpSpPr>
-      <p:sp>
-        <p:nvSpPr>
-          <p:cNvPr id="46" name="TextBox 45"/>
-          <p:cNvSpPr txBox="1"/>
-          <p:nvPr/>
-        </p:nvSpPr>
-        <p:spPr>
-          <a:xfrm>
-            <a:off x="858888" y="5589565"/>
-            <a:ext cx="1551096" cy="369332"/>
-          </a:xfrm>
-          <a:prstGeom prst="rect">
-            <a:avLst/>
-          </a:prstGeom>
-          <a:noFill/>
-        </p:spPr>
-        <p:txBody>
-          <a:bodyPr wrap="square" rtlCol="0">
-            <a:spAutoFit/>
-          </a:bodyPr>
-          <a:lstStyle/>
-          <a:p>
-            <a:pPr algn="ctr"/>
-            <a:r>
-              <a:rPr lang="zh-CN" altLang="en-US" dirty="0" smtClean="0"/>
-              <a:t>任务栏草图</a:t>
-            </a:r>
-            <a:endParaRPr lang="zh-CN" altLang="en-US" dirty="0"/>
-          </a:p>
-        </p:txBody>
-      </p:sp>
-      <p:grpSp>
-        <p:nvGrpSpPr>
-          <p:cNvPr id="3" name="组合 2"/>
-          <p:cNvGrpSpPr/>
-          <p:nvPr/>
-        </p:nvGrpSpPr>
-        <p:grpSpPr>
-          <a:xfrm>
-            <a:off x="221366" y="236306"/>
-            <a:ext cx="2674640" cy="4968552"/>
-            <a:chOff x="7041232" y="445876"/>
-            <a:chExt cx="2674640" cy="4968552"/>
-          </a:xfrm>
-        </p:grpSpPr>
-        <p:sp>
-          <p:nvSpPr>
-            <p:cNvPr id="5" name="矩形 4"/>
-            <p:cNvSpPr/>
-            <p:nvPr/>
-          </p:nvSpPr>
-          <p:spPr>
-            <a:xfrm>
-              <a:off x="7041232" y="445876"/>
-              <a:ext cx="2664296" cy="4968552"/>
-            </a:xfrm>
-            <a:prstGeom prst="rect">
-              <a:avLst/>
-            </a:prstGeom>
-            <a:solidFill>
-              <a:schemeClr val="accent5">
-                <a:lumMod val="40000"/>
-                <a:lumOff val="60000"/>
-              </a:schemeClr>
-            </a:solidFill>
-            <a:ln>
-              <a:solidFill>
-                <a:schemeClr val="tx1">
-                  <a:lumMod val="75000"/>
-                  <a:lumOff val="25000"/>
-                </a:schemeClr>
-              </a:solidFill>
-            </a:ln>
-          </p:spPr>
-          <p:style>
-            <a:lnRef idx="2">
-              <a:schemeClr val="accent1">
-                <a:shade val="50000"/>
-              </a:schemeClr>
-            </a:lnRef>
-            <a:fillRef idx="1">
-              <a:schemeClr val="accent1"/>
-            </a:fillRef>
-            <a:effectRef idx="0">
-              <a:schemeClr val="accent1"/>
-            </a:effectRef>
-            <a:fontRef idx="minor">
-              <a:schemeClr val="lt1"/>
-            </a:fontRef>
-          </p:style>
-          <p:txBody>
-            <a:bodyPr rtlCol="0" anchor="ctr"/>
-            <a:lstStyle/>
-            <a:p>
-              <a:pPr algn="ctr"/>
-              <a:endParaRPr lang="zh-CN" altLang="en-US" dirty="0"/>
-            </a:p>
-          </p:txBody>
-        </p:sp>
-        <p:sp>
-          <p:nvSpPr>
-            <p:cNvPr id="37" name="矩形 36"/>
-            <p:cNvSpPr/>
-            <p:nvPr/>
-          </p:nvSpPr>
-          <p:spPr>
-            <a:xfrm>
-              <a:off x="7113240" y="476672"/>
-              <a:ext cx="2520280" cy="1609133"/>
-            </a:xfrm>
-            <a:prstGeom prst="rect">
-              <a:avLst/>
-            </a:prstGeom>
-            <a:solidFill>
-              <a:schemeClr val="accent5">
-                <a:lumMod val="60000"/>
-                <a:lumOff val="40000"/>
-              </a:schemeClr>
-            </a:solidFill>
-            <a:ln>
-              <a:noFill/>
-            </a:ln>
-          </p:spPr>
-          <p:style>
-            <a:lnRef idx="2">
-              <a:schemeClr val="accent1">
-                <a:shade val="50000"/>
-              </a:schemeClr>
-            </a:lnRef>
-            <a:fillRef idx="1">
-              <a:schemeClr val="accent1"/>
-            </a:fillRef>
-            <a:effectRef idx="0">
-              <a:schemeClr val="accent1"/>
-            </a:effectRef>
-            <a:fontRef idx="minor">
-              <a:schemeClr val="lt1"/>
-            </a:fontRef>
-          </p:style>
-          <p:txBody>
-            <a:bodyPr rtlCol="0" anchor="ctr"/>
-            <a:lstStyle/>
-            <a:p>
-              <a:pPr algn="ctr"/>
-              <a:endParaRPr lang="zh-CN" altLang="en-US"/>
-            </a:p>
-          </p:txBody>
-        </p:sp>
-        <p:sp>
-          <p:nvSpPr>
-            <p:cNvPr id="38" name="矩形 37"/>
-            <p:cNvSpPr/>
-            <p:nvPr/>
-          </p:nvSpPr>
-          <p:spPr>
-            <a:xfrm>
-              <a:off x="7123584" y="2683548"/>
-              <a:ext cx="2520280" cy="457420"/>
-            </a:xfrm>
-            <a:prstGeom prst="rect">
-              <a:avLst/>
-            </a:prstGeom>
-            <a:solidFill>
-              <a:schemeClr val="accent5">
-                <a:lumMod val="60000"/>
-                <a:lumOff val="40000"/>
-              </a:schemeClr>
-            </a:solidFill>
-            <a:ln>
-              <a:noFill/>
-            </a:ln>
-          </p:spPr>
-          <p:style>
-            <a:lnRef idx="2">
-              <a:schemeClr val="accent1">
-                <a:shade val="50000"/>
-              </a:schemeClr>
-            </a:lnRef>
-            <a:fillRef idx="1">
-              <a:schemeClr val="accent1"/>
-            </a:fillRef>
-            <a:effectRef idx="0">
-              <a:schemeClr val="accent1"/>
-            </a:effectRef>
-            <a:fontRef idx="minor">
-              <a:schemeClr val="lt1"/>
-            </a:fontRef>
-          </p:style>
-          <p:txBody>
-            <a:bodyPr rtlCol="0" anchor="ctr"/>
-            <a:lstStyle/>
-            <a:p>
-              <a:pPr algn="ctr"/>
-              <a:r>
-                <a:rPr lang="zh-CN" altLang="en-US" sz="1400" dirty="0" smtClean="0">
-                  <a:latin typeface="+mn-ea"/>
-                </a:rPr>
-                <a:t>去完成任务</a:t>
-              </a:r>
-              <a:r>
-                <a:rPr lang="en-US" altLang="zh-CN" sz="1400" dirty="0" smtClean="0">
-                  <a:latin typeface="+mn-ea"/>
-                </a:rPr>
-                <a:t>1 </a:t>
-              </a:r>
-              <a:r>
-                <a:rPr lang="zh-CN" altLang="en-US" sz="1400" dirty="0" smtClean="0">
-                  <a:latin typeface="+mn-ea"/>
-                </a:rPr>
-                <a:t>获</a:t>
-              </a:r>
-              <a:r>
-                <a:rPr lang="en-US" altLang="zh-CN" sz="1400" dirty="0" smtClean="0">
-                  <a:latin typeface="+mn-ea"/>
-                </a:rPr>
-                <a:t>150</a:t>
-              </a:r>
-              <a:r>
-                <a:rPr lang="zh-CN" altLang="en-US" sz="1400" dirty="0" smtClean="0">
-                  <a:latin typeface="+mn-ea"/>
-                </a:rPr>
-                <a:t>积分</a:t>
-              </a:r>
-              <a:endParaRPr lang="zh-CN" altLang="en-US" sz="1400" dirty="0">
-                <a:latin typeface="+mn-ea"/>
-              </a:endParaRPr>
-            </a:p>
-          </p:txBody>
-        </p:sp>
-        <p:sp>
-          <p:nvSpPr>
-            <p:cNvPr id="40" name="矩形 39"/>
-            <p:cNvSpPr/>
-            <p:nvPr/>
-          </p:nvSpPr>
-          <p:spPr>
-            <a:xfrm>
-              <a:off x="7123584" y="3187604"/>
-              <a:ext cx="2520280" cy="457420"/>
-            </a:xfrm>
-            <a:prstGeom prst="rect">
-              <a:avLst/>
-            </a:prstGeom>
-            <a:solidFill>
-              <a:schemeClr val="accent5">
-                <a:lumMod val="60000"/>
-                <a:lumOff val="40000"/>
-              </a:schemeClr>
-            </a:solidFill>
-            <a:ln>
-              <a:noFill/>
-            </a:ln>
-          </p:spPr>
-          <p:style>
-            <a:lnRef idx="2">
-              <a:schemeClr val="accent1">
-                <a:shade val="50000"/>
-              </a:schemeClr>
-            </a:lnRef>
-            <a:fillRef idx="1">
-              <a:schemeClr val="accent1"/>
-            </a:fillRef>
-            <a:effectRef idx="0">
-              <a:schemeClr val="accent1"/>
-            </a:effectRef>
-            <a:fontRef idx="minor">
-              <a:schemeClr val="lt1"/>
-            </a:fontRef>
-          </p:style>
-          <p:txBody>
-            <a:bodyPr rtlCol="0" anchor="ctr"/>
-            <a:lstStyle/>
-            <a:p>
-              <a:pPr algn="ctr"/>
-              <a:r>
-                <a:rPr lang="zh-CN" altLang="en-US" sz="1400" dirty="0" smtClean="0">
-                  <a:latin typeface="+mn-ea"/>
-                </a:rPr>
-                <a:t>去完成任务</a:t>
-              </a:r>
-              <a:r>
-                <a:rPr lang="en-US" altLang="zh-CN" sz="1400" dirty="0" smtClean="0">
-                  <a:latin typeface="+mn-ea"/>
-                </a:rPr>
-                <a:t>2 </a:t>
-              </a:r>
-              <a:r>
-                <a:rPr lang="zh-CN" altLang="en-US" sz="1400" dirty="0" smtClean="0">
-                  <a:latin typeface="+mn-ea"/>
-                </a:rPr>
-                <a:t>获</a:t>
-              </a:r>
-              <a:r>
-                <a:rPr lang="en-US" altLang="zh-CN" sz="1400" dirty="0" smtClean="0">
-                  <a:latin typeface="+mn-ea"/>
-                </a:rPr>
-                <a:t>100</a:t>
-              </a:r>
-              <a:r>
-                <a:rPr lang="zh-CN" altLang="en-US" sz="1400" dirty="0" smtClean="0">
-                  <a:latin typeface="+mn-ea"/>
-                </a:rPr>
-                <a:t>积分</a:t>
-              </a:r>
-              <a:endParaRPr lang="zh-CN" altLang="en-US" sz="1400" dirty="0">
-                <a:latin typeface="+mn-ea"/>
-              </a:endParaRPr>
-            </a:p>
-          </p:txBody>
-        </p:sp>
-        <p:sp>
-          <p:nvSpPr>
-            <p:cNvPr id="41" name="矩形 40"/>
-            <p:cNvSpPr/>
-            <p:nvPr/>
-          </p:nvSpPr>
-          <p:spPr>
-            <a:xfrm>
-              <a:off x="7123584" y="3691660"/>
-              <a:ext cx="2520280" cy="457420"/>
-            </a:xfrm>
-            <a:prstGeom prst="rect">
-              <a:avLst/>
-            </a:prstGeom>
-            <a:solidFill>
-              <a:schemeClr val="accent5">
-                <a:lumMod val="60000"/>
-                <a:lumOff val="40000"/>
-              </a:schemeClr>
-            </a:solidFill>
-            <a:ln>
-              <a:noFill/>
-            </a:ln>
-          </p:spPr>
-          <p:style>
-            <a:lnRef idx="2">
-              <a:schemeClr val="accent1">
-                <a:shade val="50000"/>
-              </a:schemeClr>
-            </a:lnRef>
-            <a:fillRef idx="1">
-              <a:schemeClr val="accent1"/>
-            </a:fillRef>
-            <a:effectRef idx="0">
-              <a:schemeClr val="accent1"/>
-            </a:effectRef>
-            <a:fontRef idx="minor">
-              <a:schemeClr val="lt1"/>
-            </a:fontRef>
-          </p:style>
-          <p:txBody>
-            <a:bodyPr rtlCol="0" anchor="ctr"/>
-            <a:lstStyle/>
-            <a:p>
-              <a:pPr algn="ctr"/>
-              <a:r>
-                <a:rPr lang="zh-CN" altLang="en-US" sz="1400" dirty="0" smtClean="0">
-                  <a:latin typeface="+mn-ea"/>
-                </a:rPr>
-                <a:t>去完成任务</a:t>
-              </a:r>
-              <a:r>
-                <a:rPr lang="en-US" altLang="zh-CN" sz="1400" dirty="0" smtClean="0">
-                  <a:latin typeface="+mn-ea"/>
-                </a:rPr>
-                <a:t>3 </a:t>
-              </a:r>
-              <a:r>
-                <a:rPr lang="zh-CN" altLang="en-US" sz="1400" dirty="0" smtClean="0">
-                  <a:latin typeface="+mn-ea"/>
-                </a:rPr>
-                <a:t>获</a:t>
-              </a:r>
-              <a:r>
-                <a:rPr lang="en-US" altLang="zh-CN" sz="1400" dirty="0" smtClean="0">
-                  <a:latin typeface="+mn-ea"/>
-                </a:rPr>
-                <a:t>200</a:t>
-              </a:r>
-              <a:r>
-                <a:rPr lang="zh-CN" altLang="en-US" sz="1400" dirty="0" smtClean="0">
-                  <a:latin typeface="+mn-ea"/>
-                </a:rPr>
-                <a:t>积分</a:t>
-              </a:r>
-              <a:endParaRPr lang="zh-CN" altLang="en-US" sz="1400" dirty="0">
-                <a:latin typeface="+mn-ea"/>
-              </a:endParaRPr>
-            </a:p>
-          </p:txBody>
-        </p:sp>
-        <p:sp>
-          <p:nvSpPr>
-            <p:cNvPr id="42" name="矩形 41"/>
-            <p:cNvSpPr/>
-            <p:nvPr/>
-          </p:nvSpPr>
-          <p:spPr>
-            <a:xfrm>
-              <a:off x="7123584" y="4221088"/>
-              <a:ext cx="2520280" cy="457420"/>
-            </a:xfrm>
-            <a:prstGeom prst="rect">
-              <a:avLst/>
-            </a:prstGeom>
-            <a:solidFill>
-              <a:schemeClr val="accent5">
-                <a:lumMod val="60000"/>
-                <a:lumOff val="40000"/>
-              </a:schemeClr>
-            </a:solidFill>
-            <a:ln>
-              <a:noFill/>
-            </a:ln>
-          </p:spPr>
-          <p:style>
-            <a:lnRef idx="2">
-              <a:schemeClr val="accent1">
-                <a:shade val="50000"/>
-              </a:schemeClr>
-            </a:lnRef>
-            <a:fillRef idx="1">
-              <a:schemeClr val="accent1"/>
-            </a:fillRef>
-            <a:effectRef idx="0">
-              <a:schemeClr val="accent1"/>
-            </a:effectRef>
-            <a:fontRef idx="minor">
-              <a:schemeClr val="lt1"/>
-            </a:fontRef>
-          </p:style>
-          <p:txBody>
-            <a:bodyPr rtlCol="0" anchor="ctr"/>
-            <a:lstStyle/>
-            <a:p>
-              <a:pPr algn="ctr"/>
-              <a:r>
-                <a:rPr lang="zh-CN" altLang="en-US" sz="1400" dirty="0" smtClean="0">
-                  <a:latin typeface="+mn-ea"/>
-                </a:rPr>
-                <a:t>去完成任务</a:t>
-              </a:r>
-              <a:r>
-                <a:rPr lang="en-US" altLang="zh-CN" sz="1400" dirty="0" smtClean="0">
-                  <a:latin typeface="+mn-ea"/>
-                </a:rPr>
-                <a:t>4 </a:t>
-              </a:r>
-              <a:r>
-                <a:rPr lang="zh-CN" altLang="en-US" sz="1400" dirty="0" smtClean="0">
-                  <a:latin typeface="+mn-ea"/>
-                </a:rPr>
-                <a:t>获</a:t>
-              </a:r>
-              <a:r>
-                <a:rPr lang="en-US" altLang="zh-CN" sz="1400" dirty="0" smtClean="0">
-                  <a:latin typeface="+mn-ea"/>
-                </a:rPr>
-                <a:t>300</a:t>
-              </a:r>
-              <a:r>
-                <a:rPr lang="zh-CN" altLang="en-US" sz="1400" dirty="0" smtClean="0">
-                  <a:latin typeface="+mn-ea"/>
-                </a:rPr>
-                <a:t>积分</a:t>
-              </a:r>
-              <a:endParaRPr lang="zh-CN" altLang="en-US" sz="1400" dirty="0">
-                <a:latin typeface="+mn-ea"/>
-              </a:endParaRPr>
-            </a:p>
-          </p:txBody>
-        </p:sp>
-        <p:sp>
-          <p:nvSpPr>
-            <p:cNvPr id="43" name="矩形 42"/>
-            <p:cNvSpPr/>
-            <p:nvPr/>
-          </p:nvSpPr>
-          <p:spPr>
-            <a:xfrm>
-              <a:off x="7123584" y="4725144"/>
-              <a:ext cx="2520280" cy="457420"/>
-            </a:xfrm>
-            <a:prstGeom prst="rect">
-              <a:avLst/>
-            </a:prstGeom>
-            <a:solidFill>
-              <a:schemeClr val="accent5">
-                <a:lumMod val="75000"/>
-              </a:schemeClr>
-            </a:solidFill>
-            <a:ln>
-              <a:solidFill>
-                <a:schemeClr val="accent5">
-                  <a:lumMod val="75000"/>
-                </a:schemeClr>
-              </a:solidFill>
-            </a:ln>
-          </p:spPr>
-          <p:style>
-            <a:lnRef idx="2">
-              <a:schemeClr val="accent1">
-                <a:shade val="50000"/>
-              </a:schemeClr>
-            </a:lnRef>
-            <a:fillRef idx="1">
-              <a:schemeClr val="accent1"/>
-            </a:fillRef>
-            <a:effectRef idx="0">
-              <a:schemeClr val="accent1"/>
-            </a:effectRef>
-            <a:fontRef idx="minor">
-              <a:schemeClr val="lt1"/>
-            </a:fontRef>
-          </p:style>
-          <p:txBody>
-            <a:bodyPr rtlCol="0" anchor="ctr"/>
-            <a:lstStyle/>
-            <a:p>
-              <a:pPr algn="ctr"/>
-              <a:r>
-                <a:rPr lang="zh-CN" altLang="en-US" sz="1400" dirty="0" smtClean="0">
-                  <a:latin typeface="+mn-ea"/>
-                </a:rPr>
-                <a:t>联系客服</a:t>
-              </a:r>
-              <a:endParaRPr lang="zh-CN" altLang="en-US" sz="1400" dirty="0">
-                <a:latin typeface="+mn-ea"/>
-              </a:endParaRPr>
-            </a:p>
-          </p:txBody>
-        </p:sp>
-        <p:sp>
-          <p:nvSpPr>
-            <p:cNvPr id="45" name="矩形 44"/>
-            <p:cNvSpPr/>
-            <p:nvPr/>
-          </p:nvSpPr>
-          <p:spPr>
-            <a:xfrm>
-              <a:off x="7087580" y="485708"/>
-              <a:ext cx="2628292" cy="351004"/>
-            </a:xfrm>
-            <a:prstGeom prst="rect">
-              <a:avLst/>
-            </a:prstGeom>
-            <a:solidFill>
-              <a:schemeClr val="accent5">
-                <a:lumMod val="75000"/>
-              </a:schemeClr>
-            </a:solidFill>
-            <a:ln>
-              <a:noFill/>
-            </a:ln>
-          </p:spPr>
-          <p:style>
-            <a:lnRef idx="2">
-              <a:schemeClr val="accent1">
-                <a:shade val="50000"/>
-              </a:schemeClr>
-            </a:lnRef>
-            <a:fillRef idx="1">
-              <a:schemeClr val="accent1"/>
-            </a:fillRef>
-            <a:effectRef idx="0">
-              <a:schemeClr val="accent1"/>
-            </a:effectRef>
-            <a:fontRef idx="minor">
-              <a:schemeClr val="lt1"/>
-            </a:fontRef>
-          </p:style>
-          <p:txBody>
-            <a:bodyPr rtlCol="0" anchor="ctr"/>
-            <a:lstStyle/>
-            <a:p>
-              <a:pPr algn="ctr"/>
-              <a:r>
-                <a:rPr lang="zh-CN" altLang="en-US" dirty="0" smtClean="0">
-                  <a:solidFill>
-                    <a:schemeClr val="bg1"/>
-                  </a:solidFill>
-                </a:rPr>
-                <a:t>任务列表</a:t>
-              </a:r>
-              <a:endParaRPr lang="zh-CN" altLang="en-US" dirty="0">
-                <a:solidFill>
-                  <a:schemeClr val="bg1"/>
-                </a:solidFill>
-              </a:endParaRPr>
-            </a:p>
-          </p:txBody>
-        </p:sp>
-        <p:sp>
-          <p:nvSpPr>
-            <p:cNvPr id="50" name="TextBox 49"/>
-            <p:cNvSpPr txBox="1"/>
-            <p:nvPr/>
-          </p:nvSpPr>
-          <p:spPr>
-            <a:xfrm>
-              <a:off x="7123584" y="2257856"/>
-              <a:ext cx="2509936" cy="375541"/>
-            </a:xfrm>
-            <a:prstGeom prst="rect">
-              <a:avLst/>
-            </a:prstGeom>
-            <a:noFill/>
-          </p:spPr>
-          <p:txBody>
-            <a:bodyPr wrap="square" rtlCol="0">
-              <a:spAutoFit/>
-            </a:bodyPr>
-            <a:lstStyle/>
-            <a:p>
-              <a:r>
-                <a:rPr lang="zh-CN" altLang="en-US" dirty="0" smtClean="0"/>
-                <a:t>点击即可进入目标页面</a:t>
-              </a:r>
-              <a:endParaRPr lang="zh-CN" altLang="en-US" dirty="0"/>
-            </a:p>
-          </p:txBody>
-        </p:sp>
-        <p:sp>
-          <p:nvSpPr>
-            <p:cNvPr id="2" name="圆角矩形 1"/>
-            <p:cNvSpPr/>
-            <p:nvPr/>
-          </p:nvSpPr>
-          <p:spPr>
-            <a:xfrm>
-              <a:off x="7113240" y="1052736"/>
-              <a:ext cx="2592288" cy="914400"/>
-            </a:xfrm>
-            <a:prstGeom prst="roundRect">
-              <a:avLst/>
-            </a:prstGeom>
-            <a:solidFill>
-              <a:schemeClr val="bg1"/>
-            </a:solidFill>
-            <a:ln>
-              <a:solidFill>
-                <a:schemeClr val="accent5">
-                  <a:lumMod val="75000"/>
-                </a:schemeClr>
-              </a:solidFill>
-            </a:ln>
-          </p:spPr>
-          <p:style>
-            <a:lnRef idx="2">
-              <a:schemeClr val="accent1">
-                <a:shade val="50000"/>
-              </a:schemeClr>
-            </a:lnRef>
-            <a:fillRef idx="1">
-              <a:schemeClr val="accent1"/>
-            </a:fillRef>
-            <a:effectRef idx="0">
-              <a:schemeClr val="accent1"/>
-            </a:effectRef>
-            <a:fontRef idx="minor">
-              <a:schemeClr val="lt1"/>
-            </a:fontRef>
-          </p:style>
-          <p:txBody>
-            <a:bodyPr rtlCol="0" anchor="ctr"/>
-            <a:lstStyle/>
-            <a:p>
-              <a:pPr algn="ctr"/>
-              <a:r>
-                <a:rPr lang="zh-CN" altLang="en-US" sz="1600" b="1" dirty="0" smtClean="0">
-                  <a:solidFill>
-                    <a:schemeClr val="tx1"/>
-                  </a:solidFill>
-                </a:rPr>
-                <a:t>领取邀请准会员任务</a:t>
-              </a:r>
-              <a:endParaRPr lang="en-US" altLang="zh-CN" sz="1600" b="1" dirty="0" smtClean="0">
-                <a:solidFill>
-                  <a:schemeClr val="tx1"/>
-                </a:solidFill>
-              </a:endParaRPr>
-            </a:p>
-            <a:p>
-              <a:r>
-                <a:rPr lang="zh-CN" altLang="en-US" sz="1000" dirty="0" smtClean="0">
-                  <a:solidFill>
-                    <a:schemeClr val="tx1"/>
-                  </a:solidFill>
-                  <a:latin typeface="楷体" pitchFamily="49" charset="-122"/>
-                  <a:ea typeface="楷体" pitchFamily="49" charset="-122"/>
-                </a:rPr>
-                <a:t>分享转发邀请链接，汇集你朋友圈的股友</a:t>
-              </a:r>
-              <a:r>
-                <a:rPr lang="en-US" altLang="zh-CN" sz="1000" dirty="0" smtClean="0">
-                  <a:solidFill>
-                    <a:schemeClr val="tx1"/>
-                  </a:solidFill>
-                  <a:latin typeface="楷体" pitchFamily="49" charset="-122"/>
-                  <a:ea typeface="楷体" pitchFamily="49" charset="-122"/>
-                </a:rPr>
-                <a:t>…</a:t>
-              </a:r>
-              <a:r>
-                <a:rPr lang="zh-CN" altLang="en-US" sz="1000" dirty="0" smtClean="0">
-                  <a:solidFill>
-                    <a:schemeClr val="tx1"/>
-                  </a:solidFill>
-                  <a:latin typeface="楷体" pitchFamily="49" charset="-122"/>
-                  <a:ea typeface="楷体" pitchFamily="49" charset="-122"/>
-                </a:rPr>
-                <a:t>。</a:t>
-              </a:r>
-              <a:endParaRPr lang="zh-CN" altLang="en-US" sz="1000" dirty="0">
-                <a:solidFill>
-                  <a:schemeClr val="tx1"/>
-                </a:solidFill>
-                <a:latin typeface="楷体" pitchFamily="49" charset="-122"/>
-                <a:ea typeface="楷体" pitchFamily="49" charset="-122"/>
-              </a:endParaRPr>
-            </a:p>
-          </p:txBody>
-        </p:sp>
-      </p:grpSp>
-      <p:sp>
-        <p:nvSpPr>
-          <p:cNvPr id="39" name="TextBox 38"/>
-          <p:cNvSpPr txBox="1"/>
-          <p:nvPr/>
-        </p:nvSpPr>
-        <p:spPr>
-          <a:xfrm>
-            <a:off x="6179807" y="256348"/>
-            <a:ext cx="3463696" cy="6186309"/>
-          </a:xfrm>
-          <a:prstGeom prst="rect">
-            <a:avLst/>
-          </a:prstGeom>
-          <a:solidFill>
-            <a:schemeClr val="bg1"/>
-          </a:solidFill>
-          <a:ln>
-            <a:solidFill>
-              <a:schemeClr val="accent5">
-                <a:lumMod val="75000"/>
-              </a:schemeClr>
-            </a:solidFill>
-          </a:ln>
-        </p:spPr>
-        <p:txBody>
-          <a:bodyPr wrap="square" rtlCol="0">
-            <a:spAutoFit/>
-          </a:bodyPr>
-          <a:lstStyle/>
-          <a:p>
-            <a:pPr>
-              <a:lnSpc>
-                <a:spcPct val="150000"/>
-              </a:lnSpc>
-            </a:pPr>
-            <a:r>
-              <a:rPr lang="zh-CN" altLang="en-US" sz="1200" dirty="0" smtClean="0">
-                <a:latin typeface="+mn-ea"/>
-              </a:rPr>
-              <a:t>用户主页点击任务列表进入此页</a:t>
-            </a:r>
-            <a:endParaRPr lang="en-US" altLang="zh-CN" sz="1200" dirty="0" smtClean="0">
-              <a:latin typeface="+mn-ea"/>
-            </a:endParaRPr>
-          </a:p>
-          <a:p>
-            <a:pPr>
-              <a:lnSpc>
-                <a:spcPct val="150000"/>
-              </a:lnSpc>
-            </a:pPr>
-            <a:r>
-              <a:rPr lang="zh-CN" altLang="en-US" sz="1200" dirty="0" smtClean="0">
-                <a:latin typeface="+mn-ea"/>
-              </a:rPr>
-              <a:t>功能说明：</a:t>
-            </a:r>
-            <a:endParaRPr lang="en-US" altLang="zh-CN" sz="1200" dirty="0" smtClean="0">
-              <a:latin typeface="+mn-ea"/>
-            </a:endParaRPr>
-          </a:p>
-          <a:p>
-            <a:r>
-              <a:rPr lang="en-US" altLang="zh-CN" sz="1200" dirty="0"/>
-              <a:t>1</a:t>
-            </a:r>
-            <a:r>
-              <a:rPr lang="zh-CN" altLang="en-US" sz="1200" dirty="0"/>
-              <a:t>、</a:t>
-            </a:r>
-            <a:r>
-              <a:rPr lang="zh-CN" altLang="en-US" sz="1200" b="1" dirty="0"/>
-              <a:t>第一次</a:t>
-            </a:r>
-            <a:r>
-              <a:rPr lang="zh-CN" altLang="en-US" sz="1200" dirty="0"/>
-              <a:t>点“任务列表”全部跳转到填写会资料送积分任务</a:t>
-            </a:r>
-            <a:r>
-              <a:rPr lang="zh-CN" altLang="en-US" sz="1200" dirty="0" smtClean="0"/>
-              <a:t>页面，</a:t>
-            </a:r>
-            <a:r>
-              <a:rPr lang="zh-CN" altLang="en-US" sz="1200" dirty="0"/>
-              <a:t>强制完成后填写设置资料才跳转“任务列表”页面</a:t>
-            </a:r>
-            <a:r>
-              <a:rPr lang="zh-CN" altLang="en-US" sz="1200" dirty="0" smtClean="0"/>
-              <a:t>。</a:t>
-            </a:r>
-            <a:endParaRPr lang="en-US" altLang="zh-CN" sz="1200" dirty="0" smtClean="0"/>
-          </a:p>
-          <a:p>
-            <a:endParaRPr lang="en-US" altLang="zh-CN" sz="1200" dirty="0"/>
-          </a:p>
-          <a:p>
-            <a:r>
-              <a:rPr lang="zh-CN" altLang="en-US" sz="1200" dirty="0"/>
-              <a:t>未完成资料填写的</a:t>
-            </a:r>
-            <a:r>
-              <a:rPr lang="zh-CN" altLang="en-US" sz="1200" dirty="0" smtClean="0"/>
-              <a:t>，其余任务</a:t>
-            </a:r>
-            <a:r>
-              <a:rPr lang="zh-CN" altLang="en-US" sz="1200" dirty="0"/>
-              <a:t>选项均为不可选状态。</a:t>
-            </a:r>
-            <a:endParaRPr lang="en-US" altLang="zh-CN" sz="1200" dirty="0"/>
-          </a:p>
-          <a:p>
-            <a:endParaRPr lang="en-US" altLang="zh-CN" sz="1200" dirty="0"/>
-          </a:p>
-          <a:p>
-            <a:r>
-              <a:rPr lang="en-US" altLang="zh-CN" sz="1200" dirty="0"/>
-              <a:t>2</a:t>
-            </a:r>
-            <a:r>
-              <a:rPr lang="zh-CN" altLang="en-US" sz="1200" dirty="0"/>
-              <a:t>、会员用户已经填写过资料的直接打开任务列表页面。</a:t>
-            </a:r>
-          </a:p>
-          <a:p>
-            <a:pPr>
-              <a:lnSpc>
-                <a:spcPct val="150000"/>
-              </a:lnSpc>
-            </a:pPr>
-            <a:endParaRPr lang="en-US" altLang="zh-CN" sz="1200" dirty="0" smtClean="0">
-              <a:latin typeface="+mn-ea"/>
-            </a:endParaRPr>
-          </a:p>
-          <a:p>
-            <a:pPr>
-              <a:lnSpc>
-                <a:spcPct val="150000"/>
-              </a:lnSpc>
-            </a:pPr>
-            <a:r>
-              <a:rPr lang="en-US" altLang="zh-CN" sz="1200" dirty="0" smtClean="0">
-                <a:latin typeface="+mn-ea"/>
-              </a:rPr>
-              <a:t>3</a:t>
-            </a:r>
-            <a:r>
-              <a:rPr lang="zh-CN" altLang="en-US" sz="1200" dirty="0" smtClean="0">
-                <a:latin typeface="+mn-ea"/>
-              </a:rPr>
-              <a:t>、点击任务标题标签弹出“任务说明”，用户同时只可领取一个任务，领取其他任务之前必须完成或放弃当前进行中的任务。</a:t>
-            </a:r>
-            <a:r>
-              <a:rPr lang="en-US" altLang="zh-CN" sz="1200" dirty="0" smtClean="0">
-                <a:latin typeface="+mn-ea"/>
-              </a:rPr>
-              <a:t/>
-            </a:r>
-            <a:br>
-              <a:rPr lang="en-US" altLang="zh-CN" sz="1200" dirty="0" smtClean="0">
-                <a:latin typeface="+mn-ea"/>
-              </a:rPr>
-            </a:br>
-            <a:r>
-              <a:rPr lang="en-US" altLang="zh-CN" sz="1200" dirty="0" smtClean="0">
-                <a:latin typeface="+mn-ea"/>
-              </a:rPr>
-              <a:t>4</a:t>
-            </a:r>
-            <a:r>
-              <a:rPr lang="zh-CN" altLang="en-US" sz="1200" dirty="0" smtClean="0">
-                <a:latin typeface="+mn-ea"/>
-              </a:rPr>
-              <a:t>、任务说明包括：</a:t>
-            </a:r>
-            <a:r>
-              <a:rPr lang="en-US" altLang="zh-CN" sz="1200" dirty="0" smtClean="0">
-                <a:latin typeface="+mn-ea"/>
-              </a:rPr>
-              <a:t/>
-            </a:r>
-            <a:br>
-              <a:rPr lang="en-US" altLang="zh-CN" sz="1200" dirty="0" smtClean="0">
-                <a:latin typeface="+mn-ea"/>
-              </a:rPr>
-            </a:br>
-            <a:r>
-              <a:rPr lang="zh-CN" altLang="en-US" sz="1200" dirty="0" smtClean="0">
-                <a:latin typeface="+mn-ea"/>
-              </a:rPr>
-              <a:t>任务名、任务描述、任务条件、任务奖励，任务由后台发布。</a:t>
-            </a:r>
-            <a:endParaRPr lang="en-US" altLang="zh-CN" sz="1200" dirty="0" smtClean="0">
-              <a:latin typeface="+mn-ea"/>
-            </a:endParaRPr>
-          </a:p>
-          <a:p>
-            <a:pPr>
-              <a:lnSpc>
-                <a:spcPct val="150000"/>
-              </a:lnSpc>
-            </a:pPr>
-            <a:r>
-              <a:rPr lang="en-US" altLang="zh-CN" sz="1200" dirty="0" smtClean="0">
-                <a:latin typeface="+mn-ea"/>
-              </a:rPr>
-              <a:t>5</a:t>
-            </a:r>
-            <a:r>
-              <a:rPr lang="zh-CN" altLang="en-US" sz="1200" dirty="0" smtClean="0">
-                <a:latin typeface="+mn-ea"/>
-              </a:rPr>
-              <a:t>、完成任务：点击完成任务按钮，弹出上传任务资料界面。</a:t>
-            </a:r>
-            <a:endParaRPr lang="en-US" altLang="zh-CN" sz="1200" dirty="0" smtClean="0">
-              <a:latin typeface="+mn-ea"/>
-            </a:endParaRPr>
-          </a:p>
-          <a:p>
-            <a:pPr>
-              <a:lnSpc>
-                <a:spcPct val="150000"/>
-              </a:lnSpc>
-            </a:pPr>
-            <a:endParaRPr lang="en-US" altLang="zh-CN" sz="1200" dirty="0" smtClean="0">
-              <a:latin typeface="+mn-ea"/>
-            </a:endParaRPr>
-          </a:p>
-          <a:p>
-            <a:pPr>
-              <a:lnSpc>
-                <a:spcPct val="150000"/>
-              </a:lnSpc>
-            </a:pPr>
-            <a:r>
-              <a:rPr lang="en-US" altLang="zh-CN" sz="1200" dirty="0" smtClean="0">
-                <a:latin typeface="+mn-ea"/>
-              </a:rPr>
-              <a:t>6</a:t>
-            </a:r>
-            <a:r>
-              <a:rPr lang="zh-CN" altLang="en-US" sz="1200" dirty="0" smtClean="0">
-                <a:latin typeface="+mn-ea"/>
-              </a:rPr>
-              <a:t>、联系客服功能推送</a:t>
-            </a:r>
-            <a:r>
-              <a:rPr lang="zh-CN" altLang="en-US" sz="1200" dirty="0" smtClean="0">
-                <a:solidFill>
-                  <a:srgbClr val="FF0000"/>
-                </a:solidFill>
-                <a:latin typeface="+mn-ea"/>
-              </a:rPr>
-              <a:t>任务客服微信号</a:t>
-            </a:r>
-            <a:r>
-              <a:rPr lang="zh-CN" altLang="en-US" sz="1200" dirty="0" smtClean="0">
-                <a:latin typeface="+mn-ea"/>
-              </a:rPr>
-              <a:t>或者</a:t>
-            </a:r>
-            <a:r>
-              <a:rPr lang="zh-CN" altLang="en-US" sz="1200" dirty="0" smtClean="0">
-                <a:solidFill>
-                  <a:srgbClr val="FF0000"/>
-                </a:solidFill>
-                <a:latin typeface="+mn-ea"/>
-              </a:rPr>
-              <a:t>客服二维码</a:t>
-            </a:r>
-            <a:endParaRPr lang="en-US" altLang="zh-CN" sz="1200" dirty="0" smtClean="0">
-              <a:solidFill>
-                <a:srgbClr val="FF0000"/>
-              </a:solidFill>
-              <a:latin typeface="+mn-ea"/>
-            </a:endParaRPr>
-          </a:p>
-          <a:p>
-            <a:pPr>
-              <a:lnSpc>
-                <a:spcPct val="150000"/>
-              </a:lnSpc>
-            </a:pPr>
-            <a:r>
-              <a:rPr lang="zh-CN" altLang="en-US" sz="1200" dirty="0" smtClean="0">
-                <a:latin typeface="+mn-ea"/>
-              </a:rPr>
-              <a:t>点击任意任务，进入任务详情页</a:t>
-            </a:r>
-            <a:endParaRPr lang="en-US" altLang="zh-CN" sz="1200" dirty="0">
-              <a:latin typeface="+mn-ea"/>
-            </a:endParaRPr>
-          </a:p>
-          <a:p>
-            <a:pPr>
-              <a:lnSpc>
-                <a:spcPct val="150000"/>
-              </a:lnSpc>
-            </a:pPr>
-            <a:r>
-              <a:rPr lang="zh-CN" altLang="en-US" sz="1200" dirty="0" smtClean="0">
-                <a:solidFill>
-                  <a:srgbClr val="FF0000"/>
-                </a:solidFill>
-                <a:latin typeface="+mn-ea"/>
-              </a:rPr>
-              <a:t>左上角或合适位置需添加返回上一页按钮</a:t>
-            </a:r>
-            <a:endParaRPr lang="zh-CN" altLang="en-US" sz="1200" dirty="0">
-              <a:solidFill>
-                <a:srgbClr val="FF0000"/>
-              </a:solidFill>
-              <a:latin typeface="+mn-ea"/>
-            </a:endParaRPr>
-          </a:p>
-        </p:txBody>
-      </p:sp>
-      <p:grpSp>
-        <p:nvGrpSpPr>
-          <p:cNvPr id="12" name="组合 11"/>
-          <p:cNvGrpSpPr/>
-          <p:nvPr/>
-        </p:nvGrpSpPr>
-        <p:grpSpPr>
-          <a:xfrm>
-            <a:off x="3099063" y="341378"/>
-            <a:ext cx="2728377" cy="5417531"/>
-            <a:chOff x="8038489" y="193297"/>
-            <a:chExt cx="1656184" cy="3979144"/>
-          </a:xfrm>
-        </p:grpSpPr>
-        <p:grpSp>
-          <p:nvGrpSpPr>
-            <p:cNvPr id="9" name="组合 8"/>
-            <p:cNvGrpSpPr/>
-            <p:nvPr/>
-          </p:nvGrpSpPr>
-          <p:grpSpPr>
-            <a:xfrm>
-              <a:off x="8038489" y="193297"/>
-              <a:ext cx="1656184" cy="3234785"/>
-              <a:chOff x="8049344" y="698271"/>
-              <a:chExt cx="1656184" cy="3234785"/>
-            </a:xfrm>
-          </p:grpSpPr>
-          <p:sp>
-            <p:nvSpPr>
-              <p:cNvPr id="6" name="圆角矩形 5"/>
-              <p:cNvSpPr/>
-              <p:nvPr/>
-            </p:nvSpPr>
-            <p:spPr>
-              <a:xfrm>
-                <a:off x="8049344" y="698271"/>
-                <a:ext cx="1656184" cy="3234785"/>
-              </a:xfrm>
-              <a:prstGeom prst="roundRect">
-                <a:avLst/>
-              </a:prstGeom>
-              <a:solidFill>
-                <a:schemeClr val="accent5">
-                  <a:lumMod val="40000"/>
-                  <a:lumOff val="60000"/>
-                </a:schemeClr>
-              </a:solidFill>
-              <a:ln>
-                <a:solidFill>
-                  <a:schemeClr val="accent5">
-                    <a:lumMod val="50000"/>
-                  </a:schemeClr>
-                </a:solidFill>
-              </a:ln>
-            </p:spPr>
-            <p:style>
-              <a:lnRef idx="2">
-                <a:schemeClr val="accent1">
-                  <a:shade val="50000"/>
-                </a:schemeClr>
-              </a:lnRef>
-              <a:fillRef idx="1">
-                <a:schemeClr val="accent1"/>
-              </a:fillRef>
-              <a:effectRef idx="0">
-                <a:schemeClr val="accent1"/>
-              </a:effectRef>
-              <a:fontRef idx="minor">
-                <a:schemeClr val="lt1"/>
-              </a:fontRef>
-            </p:style>
-            <p:txBody>
-              <a:bodyPr rtlCol="0" anchor="ctr"/>
-              <a:lstStyle/>
-              <a:p>
-                <a:pPr algn="ctr"/>
-                <a:endParaRPr lang="zh-CN" altLang="en-US"/>
-              </a:p>
-            </p:txBody>
-          </p:sp>
-          <p:sp>
-            <p:nvSpPr>
-              <p:cNvPr id="7" name="矩形 6"/>
-              <p:cNvSpPr/>
-              <p:nvPr/>
-            </p:nvSpPr>
-            <p:spPr>
-              <a:xfrm>
-                <a:off x="8193360" y="836712"/>
-                <a:ext cx="1368152" cy="216024"/>
-              </a:xfrm>
-              <a:prstGeom prst="rect">
-                <a:avLst/>
-              </a:prstGeom>
-              <a:solidFill>
-                <a:schemeClr val="accent5">
-                  <a:lumMod val="75000"/>
-                </a:schemeClr>
-              </a:solidFill>
-              <a:ln>
-                <a:solidFill>
-                  <a:schemeClr val="accent5">
-                    <a:lumMod val="50000"/>
-                  </a:schemeClr>
-                </a:solidFill>
-              </a:ln>
-            </p:spPr>
-            <p:style>
-              <a:lnRef idx="2">
-                <a:schemeClr val="accent1">
-                  <a:shade val="50000"/>
-                </a:schemeClr>
-              </a:lnRef>
-              <a:fillRef idx="1">
-                <a:schemeClr val="accent1"/>
-              </a:fillRef>
-              <a:effectRef idx="0">
-                <a:schemeClr val="accent1"/>
-              </a:effectRef>
-              <a:fontRef idx="minor">
-                <a:schemeClr val="lt1"/>
-              </a:fontRef>
-            </p:style>
-            <p:txBody>
-              <a:bodyPr rtlCol="0" anchor="ctr"/>
-              <a:lstStyle/>
-              <a:p>
-                <a:pPr algn="ctr"/>
-                <a:r>
-                  <a:rPr lang="zh-CN" altLang="en-US" sz="1100" dirty="0" smtClean="0"/>
-                  <a:t>任务说明</a:t>
-                </a:r>
-                <a:endParaRPr lang="zh-CN" altLang="en-US" sz="1100" dirty="0"/>
-              </a:p>
-            </p:txBody>
-          </p:sp>
-          <p:sp>
-            <p:nvSpPr>
-              <p:cNvPr id="8" name="矩形 7"/>
-              <p:cNvSpPr/>
-              <p:nvPr/>
-            </p:nvSpPr>
-            <p:spPr>
-              <a:xfrm>
-                <a:off x="8193360" y="1155471"/>
-                <a:ext cx="1368152" cy="2058424"/>
-              </a:xfrm>
-              <a:prstGeom prst="rect">
-                <a:avLst/>
-              </a:prstGeom>
-              <a:solidFill>
-                <a:schemeClr val="accent5">
-                  <a:lumMod val="75000"/>
-                </a:schemeClr>
-              </a:solidFill>
-              <a:ln>
-                <a:solidFill>
-                  <a:schemeClr val="accent5">
-                    <a:lumMod val="40000"/>
-                    <a:lumOff val="60000"/>
-                  </a:schemeClr>
-                </a:solidFill>
-              </a:ln>
-            </p:spPr>
-            <p:style>
-              <a:lnRef idx="2">
-                <a:schemeClr val="accent1">
-                  <a:shade val="50000"/>
-                </a:schemeClr>
-              </a:lnRef>
-              <a:fillRef idx="1">
-                <a:schemeClr val="accent1"/>
-              </a:fillRef>
-              <a:effectRef idx="0">
-                <a:schemeClr val="accent1"/>
-              </a:effectRef>
-              <a:fontRef idx="minor">
-                <a:schemeClr val="lt1"/>
-              </a:fontRef>
-            </p:style>
-            <p:txBody>
-              <a:bodyPr rtlCol="0" anchor="ctr"/>
-              <a:lstStyle/>
-              <a:p>
-                <a:pPr algn="ctr"/>
-                <a:r>
-                  <a:rPr lang="zh-CN" altLang="en-US" sz="900" dirty="0">
-                    <a:latin typeface="+mn-ea"/>
-                  </a:rPr>
-                  <a:t>任务</a:t>
-                </a:r>
-                <a:r>
-                  <a:rPr lang="zh-CN" altLang="en-US" sz="900" dirty="0" smtClean="0">
-                    <a:latin typeface="+mn-ea"/>
-                  </a:rPr>
-                  <a:t>名</a:t>
-                </a:r>
-                <a:r>
-                  <a:rPr lang="en-US" altLang="zh-CN" sz="900" dirty="0" smtClean="0">
-                    <a:latin typeface="+mn-ea"/>
-                  </a:rPr>
-                  <a:t>+</a:t>
-                </a:r>
-                <a:r>
-                  <a:rPr lang="zh-CN" altLang="en-US" sz="900" dirty="0" smtClean="0">
-                    <a:latin typeface="+mn-ea"/>
-                  </a:rPr>
-                  <a:t>编号</a:t>
-                </a:r>
-                <a:endParaRPr lang="en-US" altLang="zh-CN" sz="900" dirty="0" smtClean="0">
-                  <a:latin typeface="+mn-ea"/>
-                </a:endParaRPr>
-              </a:p>
-              <a:p>
-                <a:pPr algn="ctr"/>
-                <a:r>
-                  <a:rPr lang="en-US" altLang="zh-CN" sz="900" dirty="0" smtClean="0">
-                    <a:latin typeface="+mn-ea"/>
-                  </a:rPr>
-                  <a:t>TD0009</a:t>
-                </a:r>
-                <a:r>
-                  <a:rPr lang="zh-CN" altLang="en-US" sz="900" dirty="0" smtClean="0">
-                    <a:latin typeface="+mn-ea"/>
-                  </a:rPr>
-                  <a:t>邀请</a:t>
-                </a:r>
-                <a:r>
-                  <a:rPr lang="zh-CN" altLang="en-US" sz="900" dirty="0">
-                    <a:latin typeface="+mn-ea"/>
-                  </a:rPr>
-                  <a:t>朋友关注</a:t>
-                </a:r>
-                <a:r>
-                  <a:rPr lang="en-US" altLang="zh-CN" sz="900" dirty="0">
-                    <a:latin typeface="+mn-ea"/>
-                  </a:rPr>
-                  <a:t>D</a:t>
-                </a:r>
-                <a:r>
-                  <a:rPr lang="zh-CN" altLang="en-US" sz="900" dirty="0">
-                    <a:latin typeface="+mn-ea"/>
-                  </a:rPr>
-                  <a:t>小调信息资讯</a:t>
-                </a:r>
-                <a:endParaRPr lang="en-US" altLang="zh-CN" sz="900" dirty="0">
-                  <a:latin typeface="+mn-ea"/>
-                </a:endParaRPr>
-              </a:p>
-              <a:p>
-                <a:pPr algn="ctr"/>
-                <a:endParaRPr lang="en-US" altLang="zh-CN" sz="900" dirty="0" smtClean="0">
-                  <a:latin typeface="+mn-ea"/>
-                </a:endParaRPr>
-              </a:p>
-              <a:p>
-                <a:pPr algn="ctr"/>
-                <a:endParaRPr lang="en-US" altLang="zh-CN" sz="900" dirty="0" smtClean="0">
-                  <a:latin typeface="+mn-ea"/>
-                </a:endParaRPr>
-              </a:p>
-              <a:p>
-                <a:pPr algn="ctr"/>
-                <a:r>
-                  <a:rPr lang="zh-CN" altLang="en-US" sz="900" dirty="0" smtClean="0">
-                    <a:latin typeface="+mn-ea"/>
-                  </a:rPr>
-                  <a:t>任务描述</a:t>
-                </a:r>
-                <a:endParaRPr lang="en-US" altLang="zh-CN" sz="900" dirty="0" smtClean="0">
-                  <a:latin typeface="+mn-ea"/>
-                </a:endParaRPr>
-              </a:p>
-              <a:p>
-                <a:pPr algn="ctr"/>
-                <a:r>
-                  <a:rPr lang="zh-CN" altLang="en-US" sz="900" dirty="0">
-                    <a:latin typeface="+mn-ea"/>
-                  </a:rPr>
-                  <a:t>邀请朋友关注</a:t>
-                </a:r>
-                <a:r>
-                  <a:rPr lang="en-US" altLang="zh-CN" sz="900" dirty="0">
-                    <a:latin typeface="+mn-ea"/>
-                  </a:rPr>
-                  <a:t>D</a:t>
-                </a:r>
-                <a:r>
-                  <a:rPr lang="zh-CN" altLang="en-US" sz="900" dirty="0">
-                    <a:latin typeface="+mn-ea"/>
-                  </a:rPr>
-                  <a:t>小调信息资讯</a:t>
-                </a:r>
-                <a:endParaRPr lang="en-US" altLang="zh-CN" sz="900" dirty="0">
-                  <a:latin typeface="+mn-ea"/>
-                </a:endParaRPr>
-              </a:p>
-              <a:p>
-                <a:pPr algn="ctr"/>
-                <a:endParaRPr lang="en-US" altLang="zh-CN" sz="900" dirty="0">
-                  <a:latin typeface="+mn-ea"/>
-                </a:endParaRPr>
-              </a:p>
-              <a:p>
-                <a:pPr algn="ctr"/>
-                <a:r>
-                  <a:rPr lang="zh-CN" altLang="en-US" sz="900" dirty="0" smtClean="0">
-                    <a:latin typeface="+mn-ea"/>
-                  </a:rPr>
-                  <a:t>任务条件：</a:t>
-                </a:r>
-                <a:endParaRPr lang="en-US" altLang="zh-CN" sz="900" dirty="0" smtClean="0">
-                  <a:latin typeface="+mn-ea"/>
-                </a:endParaRPr>
-              </a:p>
-              <a:p>
-                <a:pPr algn="ctr"/>
-                <a:r>
-                  <a:rPr lang="zh-CN" altLang="en-US" sz="900" dirty="0">
-                    <a:latin typeface="+mn-ea"/>
-                  </a:rPr>
-                  <a:t>本</a:t>
-                </a:r>
-                <a:r>
-                  <a:rPr lang="zh-CN" altLang="en-US" sz="900" dirty="0" smtClean="0">
-                    <a:latin typeface="+mn-ea"/>
-                  </a:rPr>
-                  <a:t>任务只需完成邀请准会员</a:t>
-                </a:r>
-                <a:r>
-                  <a:rPr lang="en-US" altLang="zh-CN" sz="900" dirty="0" smtClean="0">
-                    <a:latin typeface="+mn-ea"/>
-                  </a:rPr>
-                  <a:t>3</a:t>
-                </a:r>
-                <a:r>
-                  <a:rPr lang="zh-CN" altLang="en-US" sz="900" dirty="0" smtClean="0">
-                    <a:latin typeface="+mn-ea"/>
-                  </a:rPr>
-                  <a:t>人 </a:t>
-                </a:r>
-                <a:endParaRPr lang="en-US" altLang="zh-CN" sz="900" dirty="0" smtClean="0">
-                  <a:latin typeface="+mn-ea"/>
-                </a:endParaRPr>
-              </a:p>
-              <a:p>
-                <a:pPr algn="ctr"/>
-                <a:endParaRPr lang="en-US" altLang="zh-CN" sz="900" dirty="0" smtClean="0">
-                  <a:latin typeface="+mn-ea"/>
-                </a:endParaRPr>
-              </a:p>
-              <a:p>
-                <a:pPr algn="ctr"/>
-                <a:r>
-                  <a:rPr lang="zh-CN" altLang="en-US" sz="900" dirty="0" smtClean="0">
-                    <a:latin typeface="+mn-ea"/>
-                  </a:rPr>
-                  <a:t>任务奖励：</a:t>
-                </a:r>
-                <a:endParaRPr lang="en-US" altLang="zh-CN" sz="900" dirty="0" smtClean="0">
-                  <a:latin typeface="+mn-ea"/>
-                </a:endParaRPr>
-              </a:p>
-              <a:p>
-                <a:pPr algn="ctr"/>
-                <a:r>
-                  <a:rPr lang="en-US" altLang="zh-CN" sz="900" dirty="0" smtClean="0">
-                    <a:latin typeface="+mn-ea"/>
-                  </a:rPr>
-                  <a:t>600</a:t>
-                </a:r>
-                <a:r>
-                  <a:rPr lang="zh-CN" altLang="en-US" sz="900" dirty="0" smtClean="0">
-                    <a:latin typeface="+mn-ea"/>
-                  </a:rPr>
-                  <a:t>积分</a:t>
-                </a:r>
-                <a:endParaRPr lang="zh-CN" altLang="en-US" sz="900" dirty="0">
-                  <a:latin typeface="+mn-ea"/>
-                </a:endParaRPr>
-              </a:p>
-            </p:txBody>
-          </p:sp>
-        </p:grpSp>
-        <p:sp>
-          <p:nvSpPr>
-            <p:cNvPr id="10" name="圆角矩形 9"/>
-            <p:cNvSpPr/>
-            <p:nvPr/>
-          </p:nvSpPr>
-          <p:spPr>
-            <a:xfrm>
-              <a:off x="8220049" y="2785307"/>
-              <a:ext cx="1285289" cy="262683"/>
-            </a:xfrm>
-            <a:prstGeom prst="roundRect">
-              <a:avLst/>
-            </a:prstGeom>
-            <a:solidFill>
-              <a:schemeClr val="accent5">
-                <a:lumMod val="75000"/>
-              </a:schemeClr>
-            </a:solidFill>
-            <a:ln>
-              <a:solidFill>
-                <a:schemeClr val="accent5">
-                  <a:lumMod val="40000"/>
-                  <a:lumOff val="60000"/>
-                </a:schemeClr>
-              </a:solidFill>
-            </a:ln>
-          </p:spPr>
-          <p:style>
-            <a:lnRef idx="2">
-              <a:schemeClr val="accent1">
-                <a:shade val="50000"/>
-              </a:schemeClr>
-            </a:lnRef>
-            <a:fillRef idx="1">
-              <a:schemeClr val="accent1"/>
-            </a:fillRef>
-            <a:effectRef idx="0">
-              <a:schemeClr val="accent1"/>
-            </a:effectRef>
-            <a:fontRef idx="minor">
-              <a:schemeClr val="lt1"/>
-            </a:fontRef>
-          </p:style>
-          <p:txBody>
-            <a:bodyPr rtlCol="0" anchor="ctr"/>
-            <a:lstStyle/>
-            <a:p>
-              <a:pPr algn="ctr"/>
-              <a:r>
-                <a:rPr lang="zh-CN" altLang="en-US" sz="1400" dirty="0" smtClean="0"/>
-                <a:t>领取</a:t>
-              </a:r>
-              <a:r>
-                <a:rPr lang="en-US" altLang="zh-CN" sz="1400" dirty="0" smtClean="0"/>
-                <a:t>/</a:t>
-              </a:r>
-              <a:r>
-                <a:rPr lang="zh-CN" altLang="en-US" sz="1400" dirty="0" smtClean="0"/>
-                <a:t>完成任务</a:t>
-              </a:r>
-              <a:endParaRPr lang="zh-CN" altLang="en-US" sz="1400" dirty="0"/>
-            </a:p>
-          </p:txBody>
-        </p:sp>
-        <p:sp>
-          <p:nvSpPr>
-            <p:cNvPr id="32" name="圆角矩形 31"/>
-            <p:cNvSpPr/>
-            <p:nvPr/>
-          </p:nvSpPr>
-          <p:spPr>
-            <a:xfrm>
-              <a:off x="8252847" y="3072553"/>
-              <a:ext cx="1285289" cy="262683"/>
-            </a:xfrm>
-            <a:prstGeom prst="roundRect">
-              <a:avLst/>
-            </a:prstGeom>
-            <a:solidFill>
-              <a:schemeClr val="bg1">
-                <a:lumMod val="75000"/>
-              </a:schemeClr>
-            </a:solidFill>
-            <a:ln>
-              <a:solidFill>
-                <a:schemeClr val="accent5">
-                  <a:lumMod val="40000"/>
-                  <a:lumOff val="60000"/>
-                </a:schemeClr>
-              </a:solidFill>
-            </a:ln>
-          </p:spPr>
-          <p:style>
-            <a:lnRef idx="2">
-              <a:schemeClr val="accent1">
-                <a:shade val="50000"/>
-              </a:schemeClr>
-            </a:lnRef>
-            <a:fillRef idx="1">
-              <a:schemeClr val="accent1"/>
-            </a:fillRef>
-            <a:effectRef idx="0">
-              <a:schemeClr val="accent1"/>
-            </a:effectRef>
-            <a:fontRef idx="minor">
-              <a:schemeClr val="lt1"/>
-            </a:fontRef>
-          </p:style>
-          <p:txBody>
-            <a:bodyPr rtlCol="0" anchor="ctr"/>
-            <a:lstStyle/>
-            <a:p>
-              <a:pPr algn="ctr"/>
-              <a:r>
-                <a:rPr lang="zh-CN" altLang="en-US" sz="1400" dirty="0" smtClean="0"/>
-                <a:t>放弃任务</a:t>
-              </a:r>
-              <a:endParaRPr lang="zh-CN" altLang="en-US" sz="1400" dirty="0"/>
-            </a:p>
-          </p:txBody>
-        </p:sp>
-        <p:sp>
-          <p:nvSpPr>
-            <p:cNvPr id="11" name="TextBox 10"/>
-            <p:cNvSpPr txBox="1"/>
-            <p:nvPr/>
-          </p:nvSpPr>
-          <p:spPr>
-            <a:xfrm>
-              <a:off x="8182506" y="3864664"/>
-              <a:ext cx="1368152" cy="307777"/>
-            </a:xfrm>
-            <a:prstGeom prst="rect">
-              <a:avLst/>
-            </a:prstGeom>
-            <a:noFill/>
-          </p:spPr>
-          <p:txBody>
-            <a:bodyPr wrap="square" rtlCol="0">
-              <a:spAutoFit/>
-            </a:bodyPr>
-            <a:lstStyle/>
-            <a:p>
-              <a:pPr algn="ctr"/>
-              <a:r>
-                <a:rPr lang="zh-CN" altLang="en-US" sz="1400" dirty="0" smtClean="0"/>
-                <a:t>任务说明页</a:t>
-              </a:r>
-              <a:endParaRPr lang="zh-CN" altLang="en-US" sz="1400" dirty="0"/>
-            </a:p>
-          </p:txBody>
-        </p:sp>
-      </p:grpSp>
-      <p:sp>
-        <p:nvSpPr>
-          <p:cNvPr id="13" name="日期占位符 12"/>
-          <p:cNvSpPr>
-            <a:spLocks noGrp="1"/>
-          </p:cNvSpPr>
-          <p:nvPr>
-            <p:ph type="dt" sz="half" idx="10"/>
-          </p:nvPr>
-        </p:nvSpPr>
-        <p:spPr/>
-        <p:txBody>
-          <a:bodyPr/>
-          <a:lstStyle/>
-          <a:p>
-            <a:fld id="{62B3F82D-7961-4B47-8B89-D20C88EB9FA9}" type="datetime1">
-              <a:rPr lang="zh-CN" altLang="en-US" smtClean="0"/>
-              <a:t>2018/5/25</a:t>
-            </a:fld>
-            <a:endParaRPr lang="zh-CN" altLang="en-US"/>
-          </a:p>
-        </p:txBody>
-      </p:sp>
-      <p:sp>
-        <p:nvSpPr>
-          <p:cNvPr id="14" name="灯片编号占位符 13"/>
-          <p:cNvSpPr>
-            <a:spLocks noGrp="1"/>
-          </p:cNvSpPr>
-          <p:nvPr>
-            <p:ph type="sldNum" sz="quarter" idx="12"/>
-          </p:nvPr>
-        </p:nvSpPr>
-        <p:spPr/>
-        <p:txBody>
-          <a:bodyPr/>
-          <a:lstStyle/>
-          <a:p>
-            <a:fld id="{0C913308-F349-4B6D-A68A-DD1791B4A57B}" type="slidenum">
-              <a:rPr lang="zh-CN" altLang="en-US" smtClean="0"/>
-              <a:t>9</a:t>
-            </a:fld>
-            <a:endParaRPr lang="zh-CN" altLang="en-US"/>
-          </a:p>
-        </p:txBody>
-      </p:sp>
-      <p:sp>
-        <p:nvSpPr>
-          <p:cNvPr id="15" name="页脚占位符 14"/>
-          <p:cNvSpPr>
-            <a:spLocks noGrp="1"/>
-          </p:cNvSpPr>
-          <p:nvPr>
-            <p:ph type="ftr" sz="quarter" idx="11"/>
-          </p:nvPr>
-        </p:nvSpPr>
-        <p:spPr/>
-        <p:txBody>
-          <a:bodyPr/>
-          <a:lstStyle/>
-          <a:p>
-            <a:r>
-              <a:rPr lang="zh-CN" altLang="en-US" smtClean="0"/>
-              <a:t>干货公会会员前端草图</a:t>
-            </a:r>
-            <a:endParaRPr lang="zh-CN" altLang="en-US"/>
-          </a:p>
-        </p:txBody>
-      </p:sp>
-    </p:spTree>
-    <p:extLst>
-      <p:ext uri="{BB962C8B-B14F-4D97-AF65-F5344CB8AC3E}">
-        <p14:creationId xmlns:p14="http://schemas.microsoft.com/office/powerpoint/2010/main" val="1590304202"/>
       </p:ext>
     </p:extLst>
   </p:cSld>
